--- a/FinalPresentation.pptx
+++ b/FinalPresentation.pptx
@@ -8,6 +8,10 @@
     <p:sldId id="256" r:id="rId2"/>
     <p:sldId id="257" r:id="rId3"/>
     <p:sldId id="258" r:id="rId4"/>
+    <p:sldId id="262" r:id="rId5"/>
+    <p:sldId id="259" r:id="rId6"/>
+    <p:sldId id="260" r:id="rId7"/>
+    <p:sldId id="261" r:id="rId8"/>
   </p:sldIdLst>
   <p:sldSz cx="9144000" cy="6858000" type="screen4x3"/>
   <p:notesSz cx="6858000" cy="9144000"/>
@@ -168,7 +172,7 @@
           <a:p>
             <a:fld id="{7252FA8B-EAD1-47E9-9F7C-258A87E722EF}" type="datetimeFigureOut">
               <a:rPr lang="en-GB" smtClean="0"/>
-              <a:t>18/05/2017</a:t>
+              <a:t>19/05/2017</a:t>
             </a:fld>
             <a:endParaRPr lang="en-GB"/>
           </a:p>
@@ -842,7 +846,7 @@
           <a:p>
             <a:fld id="{7252FA8B-EAD1-47E9-9F7C-258A87E722EF}" type="datetimeFigureOut">
               <a:rPr lang="en-GB" smtClean="0"/>
-              <a:t>18/05/2017</a:t>
+              <a:t>19/05/2017</a:t>
             </a:fld>
             <a:endParaRPr lang="en-GB"/>
           </a:p>
@@ -1007,7 +1011,7 @@
           <a:p>
             <a:fld id="{7252FA8B-EAD1-47E9-9F7C-258A87E722EF}" type="datetimeFigureOut">
               <a:rPr lang="en-GB" smtClean="0"/>
-              <a:t>18/05/2017</a:t>
+              <a:t>19/05/2017</a:t>
             </a:fld>
             <a:endParaRPr lang="en-GB"/>
           </a:p>
@@ -1182,7 +1186,7 @@
           <a:p>
             <a:fld id="{7252FA8B-EAD1-47E9-9F7C-258A87E722EF}" type="datetimeFigureOut">
               <a:rPr lang="en-GB" smtClean="0"/>
-              <a:t>18/05/2017</a:t>
+              <a:t>19/05/2017</a:t>
             </a:fld>
             <a:endParaRPr lang="en-GB"/>
           </a:p>
@@ -1300,7 +1304,7 @@
           <a:p>
             <a:fld id="{7252FA8B-EAD1-47E9-9F7C-258A87E722EF}" type="datetimeFigureOut">
               <a:rPr lang="en-GB" smtClean="0"/>
-              <a:t>18/05/2017</a:t>
+              <a:t>19/05/2017</a:t>
             </a:fld>
             <a:endParaRPr lang="en-GB"/>
           </a:p>
@@ -1598,7 +1602,7 @@
           <a:p>
             <a:fld id="{7252FA8B-EAD1-47E9-9F7C-258A87E722EF}" type="datetimeFigureOut">
               <a:rPr lang="en-GB" smtClean="0"/>
-              <a:t>18/05/2017</a:t>
+              <a:t>19/05/2017</a:t>
             </a:fld>
             <a:endParaRPr lang="en-GB"/>
           </a:p>
@@ -1945,7 +1949,6 @@
               <a:rPr lang="en-US" dirty="0" smtClean="0"/>
               <a:t>Fifth level</a:t>
             </a:r>
-            <a:endParaRPr lang="en-US" dirty="0" smtClean="0"/>
           </a:p>
         </p:txBody>
       </p:sp>
@@ -2062,7 +2065,6 @@
               <a:rPr lang="en-US" dirty="0" smtClean="0"/>
               <a:t>Fifth level</a:t>
             </a:r>
-            <a:endParaRPr lang="en-US" dirty="0" smtClean="0"/>
           </a:p>
         </p:txBody>
       </p:sp>
@@ -2484,7 +2486,6 @@
               <a:rPr lang="en-US" dirty="0" smtClean="0"/>
               <a:t>Fifth level</a:t>
             </a:r>
-            <a:endParaRPr lang="en-US" dirty="0" smtClean="0"/>
           </a:p>
         </p:txBody>
       </p:sp>
@@ -3099,7 +3100,7 @@
           <a:p>
             <a:fld id="{7252FA8B-EAD1-47E9-9F7C-258A87E722EF}" type="datetimeFigureOut">
               <a:rPr lang="en-GB" smtClean="0"/>
-              <a:t>18/05/2017</a:t>
+              <a:t>19/05/2017</a:t>
             </a:fld>
             <a:endParaRPr lang="en-GB"/>
           </a:p>
@@ -3217,7 +3218,7 @@
           <a:p>
             <a:fld id="{7252FA8B-EAD1-47E9-9F7C-258A87E722EF}" type="datetimeFigureOut">
               <a:rPr lang="en-GB" smtClean="0"/>
-              <a:t>18/05/2017</a:t>
+              <a:t>19/05/2017</a:t>
             </a:fld>
             <a:endParaRPr lang="en-GB"/>
           </a:p>
@@ -3307,7 +3308,7 @@
           <a:p>
             <a:fld id="{7252FA8B-EAD1-47E9-9F7C-258A87E722EF}" type="datetimeFigureOut">
               <a:rPr lang="en-GB" smtClean="0"/>
-              <a:t>18/05/2017</a:t>
+              <a:t>19/05/2017</a:t>
             </a:fld>
             <a:endParaRPr lang="en-GB"/>
           </a:p>
@@ -3557,7 +3558,7 @@
           <a:p>
             <a:fld id="{7252FA8B-EAD1-47E9-9F7C-258A87E722EF}" type="datetimeFigureOut">
               <a:rPr lang="en-GB" smtClean="0"/>
-              <a:t>18/05/2017</a:t>
+              <a:t>19/05/2017</a:t>
             </a:fld>
             <a:endParaRPr lang="en-GB"/>
           </a:p>
@@ -3787,7 +3788,7 @@
           <a:p>
             <a:fld id="{7252FA8B-EAD1-47E9-9F7C-258A87E722EF}" type="datetimeFigureOut">
               <a:rPr lang="en-GB" smtClean="0"/>
-              <a:t>18/05/2017</a:t>
+              <a:t>19/05/2017</a:t>
             </a:fld>
             <a:endParaRPr lang="en-GB"/>
           </a:p>
@@ -5306,6 +5307,806 @@
 </p:sld>
 </file>
 
+<file path=ppt/slides/slide4.xml><?xml version="1.0" encoding="utf-8"?>
+<p:sld xmlns:a="http://schemas.openxmlformats.org/drawingml/2006/main" xmlns:r="http://schemas.openxmlformats.org/officeDocument/2006/relationships" xmlns:p="http://schemas.openxmlformats.org/presentationml/2006/main">
+  <p:cSld>
+    <p:spTree>
+      <p:nvGrpSpPr>
+        <p:cNvPr id="1" name=""/>
+        <p:cNvGrpSpPr/>
+        <p:nvPr/>
+      </p:nvGrpSpPr>
+      <p:grpSpPr>
+        <a:xfrm>
+          <a:off x="0" y="0"/>
+          <a:ext cx="0" cy="0"/>
+          <a:chOff x="0" y="0"/>
+          <a:chExt cx="0" cy="0"/>
+        </a:xfrm>
+      </p:grpSpPr>
+      <p:sp>
+        <p:nvSpPr>
+          <p:cNvPr id="2" name="Content Placeholder 1"/>
+          <p:cNvSpPr>
+            <a:spLocks noGrp="1"/>
+          </p:cNvSpPr>
+          <p:nvPr>
+            <p:ph sz="quarter" idx="13"/>
+          </p:nvPr>
+        </p:nvSpPr>
+        <p:spPr/>
+        <p:txBody>
+          <a:bodyPr/>
+          <a:lstStyle/>
+          <a:p>
+            <a:r>
+              <a:rPr lang="en-GB" dirty="0" smtClean="0"/>
+              <a:t>Inaccuracies in GPS create messy data</a:t>
+            </a:r>
+          </a:p>
+          <a:p>
+            <a:r>
+              <a:rPr lang="en-GB" dirty="0" smtClean="0"/>
+              <a:t>Many co-ordinates can represent the same location</a:t>
+            </a:r>
+          </a:p>
+          <a:p>
+            <a:r>
+              <a:rPr lang="en-GB" dirty="0" smtClean="0"/>
+              <a:t>The same co-ordinates can represent multiple locations</a:t>
+            </a:r>
+          </a:p>
+          <a:p>
+            <a:pPr marL="0" indent="0">
+              <a:buNone/>
+            </a:pPr>
+            <a:endParaRPr lang="en-GB" dirty="0"/>
+          </a:p>
+        </p:txBody>
+      </p:sp>
+      <p:pic>
+        <p:nvPicPr>
+          <p:cNvPr id="5" name="Content Placeholder 4"/>
+          <p:cNvPicPr>
+            <a:picLocks noGrp="1" noChangeAspect="1"/>
+          </p:cNvPicPr>
+          <p:nvPr>
+            <p:ph sz="quarter" idx="14"/>
+          </p:nvPr>
+        </p:nvPicPr>
+        <p:blipFill>
+          <a:blip r:embed="rId2">
+            <a:extLst>
+              <a:ext uri="{28A0092B-C50C-407E-A947-70E740481C1C}">
+                <a14:useLocalDpi xmlns:a14="http://schemas.microsoft.com/office/drawing/2010/main" val="0"/>
+              </a:ext>
+            </a:extLst>
+          </a:blip>
+          <a:stretch>
+            <a:fillRect/>
+          </a:stretch>
+        </p:blipFill>
+        <p:spPr>
+          <a:xfrm>
+            <a:off x="4356100" y="1665288"/>
+            <a:ext cx="4464050" cy="4464050"/>
+          </a:xfrm>
+        </p:spPr>
+      </p:pic>
+      <p:sp>
+        <p:nvSpPr>
+          <p:cNvPr id="4" name="Title 3"/>
+          <p:cNvSpPr>
+            <a:spLocks noGrp="1"/>
+          </p:cNvSpPr>
+          <p:nvPr>
+            <p:ph type="title"/>
+          </p:nvPr>
+        </p:nvSpPr>
+        <p:spPr/>
+        <p:txBody>
+          <a:bodyPr/>
+          <a:lstStyle/>
+          <a:p>
+            <a:r>
+              <a:rPr lang="en-GB" dirty="0" smtClean="0"/>
+              <a:t>Data – Visualisation </a:t>
+            </a:r>
+            <a:endParaRPr lang="en-GB" dirty="0"/>
+          </a:p>
+        </p:txBody>
+      </p:sp>
+    </p:spTree>
+    <p:extLst>
+      <p:ext uri="{BB962C8B-B14F-4D97-AF65-F5344CB8AC3E}">
+        <p14:creationId xmlns:p14="http://schemas.microsoft.com/office/powerpoint/2010/main" val="1354983885"/>
+      </p:ext>
+    </p:extLst>
+  </p:cSld>
+  <p:clrMapOvr>
+    <a:masterClrMapping/>
+  </p:clrMapOvr>
+</p:sld>
+</file>
+
+<file path=ppt/slides/slide5.xml><?xml version="1.0" encoding="utf-8"?>
+<p:sld xmlns:a="http://schemas.openxmlformats.org/drawingml/2006/main" xmlns:r="http://schemas.openxmlformats.org/officeDocument/2006/relationships" xmlns:p="http://schemas.openxmlformats.org/presentationml/2006/main">
+  <p:cSld>
+    <p:spTree>
+      <p:nvGrpSpPr>
+        <p:cNvPr id="1" name=""/>
+        <p:cNvGrpSpPr/>
+        <p:nvPr/>
+      </p:nvGrpSpPr>
+      <p:grpSpPr>
+        <a:xfrm>
+          <a:off x="0" y="0"/>
+          <a:ext cx="0" cy="0"/>
+          <a:chOff x="0" y="0"/>
+          <a:chExt cx="0" cy="0"/>
+        </a:xfrm>
+      </p:grpSpPr>
+      <p:sp>
+        <p:nvSpPr>
+          <p:cNvPr id="5" name="Content Placeholder 2"/>
+          <p:cNvSpPr txBox="1">
+            <a:spLocks/>
+          </p:cNvSpPr>
+          <p:nvPr/>
+        </p:nvSpPr>
+        <p:spPr>
+          <a:xfrm>
+            <a:off x="524246" y="1556792"/>
+            <a:ext cx="8197552" cy="4464496"/>
+          </a:xfrm>
+          <a:prstGeom prst="rect">
+            <a:avLst/>
+          </a:prstGeom>
+        </p:spPr>
+        <p:txBody>
+          <a:bodyPr/>
+          <a:lstStyle>
+            <a:lvl1pPr marL="342900" indent="-342900" algn="l" defTabSz="914400" rtl="0" eaLnBrk="1" latinLnBrk="0" hangingPunct="1">
+              <a:lnSpc>
+                <a:spcPct val="100000"/>
+              </a:lnSpc>
+              <a:spcBef>
+                <a:spcPct val="20000"/>
+              </a:spcBef>
+              <a:spcAft>
+                <a:spcPts val="600"/>
+              </a:spcAft>
+              <a:buClr>
+                <a:schemeClr val="tx2"/>
+              </a:buClr>
+              <a:buFont typeface="Arial" pitchFamily="34" charset="0"/>
+              <a:buChar char="•"/>
+              <a:defRPr sz="1700" kern="1200" spc="30" baseline="0">
+                <a:solidFill>
+                  <a:schemeClr val="tx1"/>
+                </a:solidFill>
+                <a:latin typeface="+mn-lt"/>
+                <a:ea typeface="+mn-ea"/>
+                <a:cs typeface="+mn-cs"/>
+              </a:defRPr>
+            </a:lvl1pPr>
+            <a:lvl2pPr marL="742950" indent="-285750" algn="l" defTabSz="914400" rtl="0" eaLnBrk="1" latinLnBrk="0" hangingPunct="1">
+              <a:lnSpc>
+                <a:spcPct val="100000"/>
+              </a:lnSpc>
+              <a:spcBef>
+                <a:spcPct val="20000"/>
+              </a:spcBef>
+              <a:spcAft>
+                <a:spcPts val="600"/>
+              </a:spcAft>
+              <a:buClr>
+                <a:schemeClr val="tx2"/>
+              </a:buClr>
+              <a:buFont typeface="Arial" pitchFamily="34" charset="0"/>
+              <a:buChar char="•"/>
+              <a:defRPr sz="1700" kern="1200" spc="30" baseline="0">
+                <a:solidFill>
+                  <a:schemeClr val="tx1"/>
+                </a:solidFill>
+                <a:latin typeface="+mn-lt"/>
+                <a:ea typeface="+mn-ea"/>
+                <a:cs typeface="+mn-cs"/>
+              </a:defRPr>
+            </a:lvl2pPr>
+            <a:lvl3pPr marL="1143000" indent="-228600" algn="l" defTabSz="914400" rtl="0" eaLnBrk="1" latinLnBrk="0" hangingPunct="1">
+              <a:lnSpc>
+                <a:spcPct val="100000"/>
+              </a:lnSpc>
+              <a:spcBef>
+                <a:spcPct val="20000"/>
+              </a:spcBef>
+              <a:spcAft>
+                <a:spcPts val="600"/>
+              </a:spcAft>
+              <a:buClr>
+                <a:schemeClr val="tx2"/>
+              </a:buClr>
+              <a:buFont typeface="Arial" pitchFamily="34" charset="0"/>
+              <a:buChar char="•"/>
+              <a:defRPr sz="1700" kern="1200" spc="30" baseline="0">
+                <a:solidFill>
+                  <a:schemeClr val="tx1"/>
+                </a:solidFill>
+                <a:latin typeface="+mn-lt"/>
+                <a:ea typeface="+mn-ea"/>
+                <a:cs typeface="+mn-cs"/>
+              </a:defRPr>
+            </a:lvl3pPr>
+            <a:lvl4pPr marL="1600200" indent="-228600" algn="l" defTabSz="914400" rtl="0" eaLnBrk="1" latinLnBrk="0" hangingPunct="1">
+              <a:lnSpc>
+                <a:spcPct val="100000"/>
+              </a:lnSpc>
+              <a:spcBef>
+                <a:spcPct val="20000"/>
+              </a:spcBef>
+              <a:spcAft>
+                <a:spcPts val="600"/>
+              </a:spcAft>
+              <a:buClr>
+                <a:schemeClr val="tx2"/>
+              </a:buClr>
+              <a:buFont typeface="Arial" pitchFamily="34" charset="0"/>
+              <a:buChar char="•"/>
+              <a:defRPr sz="1700" kern="1200" spc="30" baseline="0">
+                <a:solidFill>
+                  <a:schemeClr val="tx1"/>
+                </a:solidFill>
+                <a:latin typeface="+mn-lt"/>
+                <a:ea typeface="+mn-ea"/>
+                <a:cs typeface="+mn-cs"/>
+              </a:defRPr>
+            </a:lvl4pPr>
+            <a:lvl5pPr marL="2057400" indent="-228600" algn="l" defTabSz="914400" rtl="0" eaLnBrk="1" latinLnBrk="0" hangingPunct="1">
+              <a:lnSpc>
+                <a:spcPct val="100000"/>
+              </a:lnSpc>
+              <a:spcBef>
+                <a:spcPct val="20000"/>
+              </a:spcBef>
+              <a:spcAft>
+                <a:spcPts val="600"/>
+              </a:spcAft>
+              <a:buClr>
+                <a:schemeClr val="tx2"/>
+              </a:buClr>
+              <a:buFont typeface="Arial" pitchFamily="34" charset="0"/>
+              <a:buChar char="•"/>
+              <a:defRPr sz="1700" kern="1200" spc="30" baseline="0">
+                <a:solidFill>
+                  <a:schemeClr val="tx1"/>
+                </a:solidFill>
+                <a:latin typeface="+mn-lt"/>
+                <a:ea typeface="+mn-ea"/>
+                <a:cs typeface="+mn-cs"/>
+              </a:defRPr>
+            </a:lvl5pPr>
+            <a:lvl6pPr marL="2514600" indent="-228600" algn="l" defTabSz="914400" rtl="0" eaLnBrk="1" latinLnBrk="0" hangingPunct="1">
+              <a:lnSpc>
+                <a:spcPct val="100000"/>
+              </a:lnSpc>
+              <a:spcBef>
+                <a:spcPct val="20000"/>
+              </a:spcBef>
+              <a:spcAft>
+                <a:spcPts val="600"/>
+              </a:spcAft>
+              <a:buClr>
+                <a:schemeClr val="tx2"/>
+              </a:buClr>
+              <a:buFont typeface="Arial" pitchFamily="34" charset="0"/>
+              <a:buChar char="•"/>
+              <a:defRPr sz="1700" kern="1200">
+                <a:solidFill>
+                  <a:schemeClr val="tx1"/>
+                </a:solidFill>
+                <a:latin typeface="+mn-lt"/>
+                <a:ea typeface="+mn-ea"/>
+                <a:cs typeface="+mn-cs"/>
+              </a:defRPr>
+            </a:lvl6pPr>
+            <a:lvl7pPr marL="2971800" indent="-228600" algn="l" defTabSz="914400" rtl="0" eaLnBrk="1" latinLnBrk="0" hangingPunct="1">
+              <a:lnSpc>
+                <a:spcPct val="100000"/>
+              </a:lnSpc>
+              <a:spcBef>
+                <a:spcPct val="20000"/>
+              </a:spcBef>
+              <a:spcAft>
+                <a:spcPts val="600"/>
+              </a:spcAft>
+              <a:buClr>
+                <a:schemeClr val="tx2"/>
+              </a:buClr>
+              <a:buFont typeface="Arial" pitchFamily="34" charset="0"/>
+              <a:buChar char="•"/>
+              <a:defRPr sz="1700" kern="1200">
+                <a:solidFill>
+                  <a:schemeClr val="tx1"/>
+                </a:solidFill>
+                <a:latin typeface="+mn-lt"/>
+                <a:ea typeface="+mn-ea"/>
+                <a:cs typeface="+mn-cs"/>
+              </a:defRPr>
+            </a:lvl7pPr>
+            <a:lvl8pPr marL="3429000" indent="-228600" algn="l" defTabSz="914400" rtl="0" eaLnBrk="1" latinLnBrk="0" hangingPunct="1">
+              <a:lnSpc>
+                <a:spcPct val="100000"/>
+              </a:lnSpc>
+              <a:spcBef>
+                <a:spcPct val="20000"/>
+              </a:spcBef>
+              <a:spcAft>
+                <a:spcPts val="600"/>
+              </a:spcAft>
+              <a:buClr>
+                <a:schemeClr val="tx2"/>
+              </a:buClr>
+              <a:buFont typeface="Arial" pitchFamily="34" charset="0"/>
+              <a:buChar char="•"/>
+              <a:defRPr sz="1700" kern="1200">
+                <a:solidFill>
+                  <a:schemeClr val="tx1"/>
+                </a:solidFill>
+                <a:latin typeface="+mn-lt"/>
+                <a:ea typeface="+mn-ea"/>
+                <a:cs typeface="+mn-cs"/>
+              </a:defRPr>
+            </a:lvl8pPr>
+            <a:lvl9pPr marL="3886200" indent="-228600" algn="l" defTabSz="914400" rtl="0" eaLnBrk="1" latinLnBrk="0" hangingPunct="1">
+              <a:lnSpc>
+                <a:spcPct val="100000"/>
+              </a:lnSpc>
+              <a:spcBef>
+                <a:spcPct val="20000"/>
+              </a:spcBef>
+              <a:spcAft>
+                <a:spcPts val="600"/>
+              </a:spcAft>
+              <a:buClr>
+                <a:schemeClr val="tx2"/>
+              </a:buClr>
+              <a:buFont typeface="Arial" pitchFamily="34" charset="0"/>
+              <a:buChar char="•"/>
+              <a:defRPr sz="1700" kern="1200">
+                <a:solidFill>
+                  <a:schemeClr val="tx1"/>
+                </a:solidFill>
+                <a:latin typeface="+mn-lt"/>
+                <a:ea typeface="+mn-ea"/>
+                <a:cs typeface="+mn-cs"/>
+              </a:defRPr>
+            </a:lvl9pPr>
+          </a:lstStyle>
+          <a:p>
+            <a:r>
+              <a:rPr lang="en-GB" dirty="0" smtClean="0"/>
+              <a:t>Cluster setup</a:t>
+            </a:r>
+          </a:p>
+          <a:p>
+            <a:pPr lvl="1"/>
+            <a:r>
+              <a:rPr lang="en-GB" dirty="0" smtClean="0"/>
+              <a:t>Vagrant</a:t>
+            </a:r>
+          </a:p>
+          <a:p>
+            <a:pPr lvl="1"/>
+            <a:r>
+              <a:rPr lang="en-GB" dirty="0" smtClean="0"/>
+              <a:t>others</a:t>
+            </a:r>
+          </a:p>
+          <a:p>
+            <a:r>
+              <a:rPr lang="en-GB" dirty="0" smtClean="0"/>
+              <a:t>Machine Learning</a:t>
+            </a:r>
+          </a:p>
+          <a:p>
+            <a:pPr lvl="1"/>
+            <a:r>
+              <a:rPr lang="en-GB" dirty="0" err="1" smtClean="0"/>
+              <a:t>TensorFlow</a:t>
+            </a:r>
+            <a:endParaRPr lang="en-GB" dirty="0" smtClean="0"/>
+          </a:p>
+          <a:p>
+            <a:pPr lvl="1"/>
+            <a:r>
+              <a:rPr lang="en-GB" dirty="0" smtClean="0"/>
+              <a:t>Others</a:t>
+            </a:r>
+          </a:p>
+          <a:p>
+            <a:endParaRPr lang="en-GB" dirty="0"/>
+          </a:p>
+        </p:txBody>
+      </p:sp>
+      <p:sp>
+        <p:nvSpPr>
+          <p:cNvPr id="6" name="Title 1"/>
+          <p:cNvSpPr txBox="1">
+            <a:spLocks/>
+          </p:cNvSpPr>
+          <p:nvPr/>
+        </p:nvSpPr>
+        <p:spPr>
+          <a:xfrm>
+            <a:off x="492198" y="-233913"/>
+            <a:ext cx="8229600" cy="1252728"/>
+          </a:xfrm>
+          <a:prstGeom prst="rect">
+            <a:avLst/>
+          </a:prstGeom>
+        </p:spPr>
+        <p:txBody>
+          <a:bodyPr vert="horz" lIns="91440" tIns="45720" rIns="91440" bIns="45720" rtlCol="0" anchor="b" anchorCtr="0">
+            <a:noAutofit/>
+          </a:bodyPr>
+          <a:lstStyle>
+            <a:lvl1pPr algn="l" defTabSz="914400" rtl="0" eaLnBrk="1" latinLnBrk="0" hangingPunct="1">
+              <a:spcBef>
+                <a:spcPct val="0"/>
+              </a:spcBef>
+              <a:buNone/>
+              <a:defRPr sz="3000" kern="1200" cap="all" spc="50" baseline="0">
+                <a:solidFill>
+                  <a:schemeClr val="tx1"/>
+                </a:solidFill>
+                <a:latin typeface="Tahoma" pitchFamily="34" charset="0"/>
+                <a:ea typeface="Tahoma" pitchFamily="34" charset="0"/>
+                <a:cs typeface="Tahoma" pitchFamily="34" charset="0"/>
+              </a:defRPr>
+            </a:lvl1pPr>
+            <a:lvl2pPr eaLnBrk="1" hangingPunct="1">
+              <a:defRPr>
+                <a:solidFill>
+                  <a:schemeClr val="tx2"/>
+                </a:solidFill>
+              </a:defRPr>
+            </a:lvl2pPr>
+            <a:lvl3pPr eaLnBrk="1" hangingPunct="1">
+              <a:defRPr>
+                <a:solidFill>
+                  <a:schemeClr val="tx2"/>
+                </a:solidFill>
+              </a:defRPr>
+            </a:lvl3pPr>
+            <a:lvl4pPr eaLnBrk="1" hangingPunct="1">
+              <a:defRPr>
+                <a:solidFill>
+                  <a:schemeClr val="tx2"/>
+                </a:solidFill>
+              </a:defRPr>
+            </a:lvl4pPr>
+            <a:lvl5pPr eaLnBrk="1" hangingPunct="1">
+              <a:defRPr>
+                <a:solidFill>
+                  <a:schemeClr val="tx2"/>
+                </a:solidFill>
+              </a:defRPr>
+            </a:lvl5pPr>
+            <a:lvl6pPr eaLnBrk="1" hangingPunct="1">
+              <a:defRPr>
+                <a:solidFill>
+                  <a:schemeClr val="tx2"/>
+                </a:solidFill>
+              </a:defRPr>
+            </a:lvl6pPr>
+            <a:lvl7pPr eaLnBrk="1" hangingPunct="1">
+              <a:defRPr>
+                <a:solidFill>
+                  <a:schemeClr val="tx2"/>
+                </a:solidFill>
+              </a:defRPr>
+            </a:lvl7pPr>
+            <a:lvl8pPr eaLnBrk="1" hangingPunct="1">
+              <a:defRPr>
+                <a:solidFill>
+                  <a:schemeClr val="tx2"/>
+                </a:solidFill>
+              </a:defRPr>
+            </a:lvl8pPr>
+            <a:lvl9pPr eaLnBrk="1" hangingPunct="1">
+              <a:defRPr>
+                <a:solidFill>
+                  <a:schemeClr val="tx2"/>
+                </a:solidFill>
+              </a:defRPr>
+            </a:lvl9pPr>
+          </a:lstStyle>
+          <a:p>
+            <a:r>
+              <a:rPr lang="en-GB" dirty="0" smtClean="0"/>
+              <a:t>Technologies - Overview</a:t>
+            </a:r>
+            <a:endParaRPr lang="en-GB" dirty="0"/>
+          </a:p>
+        </p:txBody>
+      </p:sp>
+    </p:spTree>
+    <p:extLst>
+      <p:ext uri="{BB962C8B-B14F-4D97-AF65-F5344CB8AC3E}">
+        <p14:creationId xmlns:p14="http://schemas.microsoft.com/office/powerpoint/2010/main" val="3341921233"/>
+      </p:ext>
+    </p:extLst>
+  </p:cSld>
+  <p:clrMapOvr>
+    <a:masterClrMapping/>
+  </p:clrMapOvr>
+</p:sld>
+</file>
+
+<file path=ppt/slides/slide6.xml><?xml version="1.0" encoding="utf-8"?>
+<p:sld xmlns:a="http://schemas.openxmlformats.org/drawingml/2006/main" xmlns:r="http://schemas.openxmlformats.org/officeDocument/2006/relationships" xmlns:p="http://schemas.openxmlformats.org/presentationml/2006/main">
+  <p:cSld>
+    <p:spTree>
+      <p:nvGrpSpPr>
+        <p:cNvPr id="1" name=""/>
+        <p:cNvGrpSpPr/>
+        <p:nvPr/>
+      </p:nvGrpSpPr>
+      <p:grpSpPr>
+        <a:xfrm>
+          <a:off x="0" y="0"/>
+          <a:ext cx="0" cy="0"/>
+          <a:chOff x="0" y="0"/>
+          <a:chExt cx="0" cy="0"/>
+        </a:xfrm>
+      </p:grpSpPr>
+      <p:sp>
+        <p:nvSpPr>
+          <p:cNvPr id="2" name="Content Placeholder 1"/>
+          <p:cNvSpPr>
+            <a:spLocks noGrp="1"/>
+          </p:cNvSpPr>
+          <p:nvPr>
+            <p:ph sz="quarter" idx="13"/>
+          </p:nvPr>
+        </p:nvSpPr>
+        <p:spPr/>
+        <p:txBody>
+          <a:bodyPr/>
+          <a:lstStyle/>
+          <a:p>
+            <a:r>
+              <a:rPr lang="en-GB" dirty="0"/>
+              <a:t>Machine Learning library</a:t>
+            </a:r>
+          </a:p>
+          <a:p>
+            <a:r>
+              <a:rPr lang="en-GB" dirty="0"/>
+              <a:t>Interfaced with python code to execute efficient back-end C++ code.</a:t>
+            </a:r>
+          </a:p>
+          <a:p>
+            <a:r>
+              <a:rPr lang="en-GB" dirty="0"/>
+              <a:t>Constructs a computational graph to convert inputs into answers</a:t>
+            </a:r>
+          </a:p>
+          <a:p>
+            <a:endParaRPr lang="en-GB" dirty="0"/>
+          </a:p>
+          <a:p>
+            <a:endParaRPr lang="en-GB" dirty="0"/>
+          </a:p>
+          <a:p>
+            <a:endParaRPr lang="en-GB" dirty="0"/>
+          </a:p>
+        </p:txBody>
+      </p:sp>
+      <p:sp>
+        <p:nvSpPr>
+          <p:cNvPr id="4" name="Title 3"/>
+          <p:cNvSpPr>
+            <a:spLocks noGrp="1"/>
+          </p:cNvSpPr>
+          <p:nvPr>
+            <p:ph type="title"/>
+          </p:nvPr>
+        </p:nvSpPr>
+        <p:spPr/>
+        <p:txBody>
+          <a:bodyPr/>
+          <a:lstStyle/>
+          <a:p>
+            <a:r>
+              <a:rPr lang="en-GB" dirty="0"/>
+              <a:t>Technologies - </a:t>
+            </a:r>
+            <a:r>
+              <a:rPr lang="en-GB" dirty="0" err="1"/>
+              <a:t>TensorFlow</a:t>
+            </a:r>
+            <a:endParaRPr lang="en-GB" dirty="0"/>
+          </a:p>
+        </p:txBody>
+      </p:sp>
+      <p:pic>
+        <p:nvPicPr>
+          <p:cNvPr id="8" name="Content Placeholder 3"/>
+          <p:cNvPicPr>
+            <a:picLocks noGrp="1" noChangeAspect="1"/>
+          </p:cNvPicPr>
+          <p:nvPr>
+            <p:ph sz="quarter" idx="14"/>
+          </p:nvPr>
+        </p:nvPicPr>
+        <p:blipFill>
+          <a:blip r:embed="rId2">
+            <a:extLst>
+              <a:ext uri="{28A0092B-C50C-407E-A947-70E740481C1C}">
+                <a14:useLocalDpi xmlns:a14="http://schemas.microsoft.com/office/drawing/2010/main" val="0"/>
+              </a:ext>
+            </a:extLst>
+          </a:blip>
+          <a:stretch>
+            <a:fillRect/>
+          </a:stretch>
+        </p:blipFill>
+        <p:spPr>
+          <a:xfrm>
+            <a:off x="5220072" y="2276872"/>
+            <a:ext cx="3067050" cy="3067050"/>
+          </a:xfrm>
+        </p:spPr>
+      </p:pic>
+    </p:spTree>
+    <p:extLst>
+      <p:ext uri="{BB962C8B-B14F-4D97-AF65-F5344CB8AC3E}">
+        <p14:creationId xmlns:p14="http://schemas.microsoft.com/office/powerpoint/2010/main" val="4198195863"/>
+      </p:ext>
+    </p:extLst>
+  </p:cSld>
+  <p:clrMapOvr>
+    <a:masterClrMapping/>
+  </p:clrMapOvr>
+</p:sld>
+</file>
+
+<file path=ppt/slides/slide7.xml><?xml version="1.0" encoding="utf-8"?>
+<p:sld xmlns:a="http://schemas.openxmlformats.org/drawingml/2006/main" xmlns:r="http://schemas.openxmlformats.org/officeDocument/2006/relationships" xmlns:p="http://schemas.openxmlformats.org/presentationml/2006/main">
+  <p:cSld>
+    <p:spTree>
+      <p:nvGrpSpPr>
+        <p:cNvPr id="1" name=""/>
+        <p:cNvGrpSpPr/>
+        <p:nvPr/>
+      </p:nvGrpSpPr>
+      <p:grpSpPr>
+        <a:xfrm>
+          <a:off x="0" y="0"/>
+          <a:ext cx="0" cy="0"/>
+          <a:chOff x="0" y="0"/>
+          <a:chExt cx="0" cy="0"/>
+        </a:xfrm>
+      </p:grpSpPr>
+      <p:sp>
+        <p:nvSpPr>
+          <p:cNvPr id="2" name="Content Placeholder 1"/>
+          <p:cNvSpPr>
+            <a:spLocks noGrp="1"/>
+          </p:cNvSpPr>
+          <p:nvPr>
+            <p:ph sz="quarter" idx="13"/>
+          </p:nvPr>
+        </p:nvSpPr>
+        <p:spPr/>
+        <p:txBody>
+          <a:bodyPr/>
+          <a:lstStyle/>
+          <a:p>
+            <a:r>
+              <a:rPr lang="en-GB" dirty="0"/>
+              <a:t>Huge amount of data:</a:t>
+            </a:r>
+          </a:p>
+          <a:p>
+            <a:pPr lvl="1"/>
+            <a:r>
+              <a:rPr lang="en-GB" dirty="0" smtClean="0"/>
+              <a:t>29 </a:t>
+            </a:r>
+            <a:r>
+              <a:rPr lang="en-GB" dirty="0"/>
+              <a:t>million data points</a:t>
+            </a:r>
+          </a:p>
+          <a:p>
+            <a:r>
+              <a:rPr lang="en-GB" dirty="0"/>
+              <a:t>Large range of possible outputs:</a:t>
+            </a:r>
+          </a:p>
+          <a:p>
+            <a:pPr lvl="1"/>
+            <a:r>
+              <a:rPr lang="en-GB" dirty="0"/>
+              <a:t>108 thousand unique check-in locations are possible</a:t>
+            </a:r>
+          </a:p>
+          <a:p>
+            <a:pPr lvl="1"/>
+            <a:r>
+              <a:rPr lang="en-GB" dirty="0"/>
+              <a:t>Weak correlation between input co-ordinates and location</a:t>
+            </a:r>
+          </a:p>
+          <a:p>
+            <a:r>
+              <a:rPr lang="en-GB" dirty="0"/>
+              <a:t>Difficult to load, process and learn</a:t>
+            </a:r>
+          </a:p>
+        </p:txBody>
+      </p:sp>
+      <p:sp>
+        <p:nvSpPr>
+          <p:cNvPr id="3" name="Content Placeholder 2"/>
+          <p:cNvSpPr>
+            <a:spLocks noGrp="1"/>
+          </p:cNvSpPr>
+          <p:nvPr>
+            <p:ph sz="quarter" idx="14"/>
+          </p:nvPr>
+        </p:nvSpPr>
+        <p:spPr/>
+        <p:txBody>
+          <a:bodyPr/>
+          <a:lstStyle/>
+          <a:p>
+            <a:endParaRPr lang="en-GB"/>
+          </a:p>
+        </p:txBody>
+      </p:sp>
+      <p:sp>
+        <p:nvSpPr>
+          <p:cNvPr id="4" name="Title 3"/>
+          <p:cNvSpPr>
+            <a:spLocks noGrp="1"/>
+          </p:cNvSpPr>
+          <p:nvPr>
+            <p:ph type="title"/>
+          </p:nvPr>
+        </p:nvSpPr>
+        <p:spPr/>
+        <p:txBody>
+          <a:bodyPr/>
+          <a:lstStyle/>
+          <a:p>
+            <a:r>
+              <a:rPr lang="en-GB" dirty="0" err="1"/>
+              <a:t>TensorFlow</a:t>
+            </a:r>
+            <a:r>
+              <a:rPr lang="en-GB" dirty="0"/>
+              <a:t> - Limitations</a:t>
+            </a:r>
+          </a:p>
+        </p:txBody>
+      </p:sp>
+    </p:spTree>
+    <p:extLst>
+      <p:ext uri="{BB962C8B-B14F-4D97-AF65-F5344CB8AC3E}">
+        <p14:creationId xmlns:p14="http://schemas.microsoft.com/office/powerpoint/2010/main" val="595372078"/>
+      </p:ext>
+    </p:extLst>
+  </p:cSld>
+  <p:clrMapOvr>
+    <a:masterClrMapping/>
+  </p:clrMapOvr>
+</p:sld>
+</file>
+
 <file path=ppt/theme/theme1.xml><?xml version="1.0" encoding="utf-8"?>
 <a:theme xmlns:a="http://schemas.openxmlformats.org/drawingml/2006/main" name="Horizon">
   <a:themeElements>

--- a/FinalPresentation.pptx
+++ b/FinalPresentation.pptx
@@ -6870,8 +6870,8 @@
         </p:blipFill>
         <p:spPr bwMode="auto">
           <a:xfrm>
-            <a:off x="4572000" y="1556792"/>
-            <a:ext cx="4266914" cy="2701437"/>
+            <a:off x="4250946" y="1812697"/>
+            <a:ext cx="4569866" cy="2893240"/>
           </a:xfrm>
           <a:prstGeom prst="rect">
             <a:avLst/>
@@ -6914,7 +6914,9 @@
       <p:pic>
         <p:nvPicPr>
           <p:cNvPr id="25" name="Picture 24"/>
-          <p:cNvPicPr/>
+          <p:cNvPicPr>
+            <a:picLocks noChangeAspect="1"/>
+          </p:cNvPicPr>
           <p:nvPr/>
         </p:nvPicPr>
         <p:blipFill>
@@ -6925,76 +6927,12 @@
         </p:blipFill>
         <p:spPr>
           <a:xfrm>
-            <a:off x="4576789" y="4258229"/>
-            <a:ext cx="4262125" cy="255905"/>
+            <a:off x="4255735" y="4797152"/>
+            <a:ext cx="4564737" cy="274074"/>
           </a:xfrm>
           <a:prstGeom prst="rect">
             <a:avLst/>
           </a:prstGeom>
-        </p:spPr>
-      </p:pic>
-      <p:pic>
-        <p:nvPicPr>
-          <p:cNvPr id="8196" name="Picture 4"/>
-          <p:cNvPicPr>
-            <a:picLocks noChangeAspect="1" noChangeArrowheads="1"/>
-          </p:cNvPicPr>
-          <p:nvPr/>
-        </p:nvPicPr>
-        <p:blipFill>
-          <a:blip r:embed="rId4">
-            <a:extLst>
-              <a:ext uri="{28A0092B-C50C-407E-A947-70E740481C1C}">
-                <a14:useLocalDpi xmlns:a14="http://schemas.microsoft.com/office/drawing/2010/main" val="0"/>
-              </a:ext>
-            </a:extLst>
-          </a:blip>
-          <a:srcRect/>
-          <a:stretch>
-            <a:fillRect/>
-          </a:stretch>
-        </p:blipFill>
-        <p:spPr bwMode="auto">
-          <a:xfrm>
-            <a:off x="4572000" y="4514134"/>
-            <a:ext cx="4266914" cy="1555570"/>
-          </a:xfrm>
-          <a:prstGeom prst="rect">
-            <a:avLst/>
-          </a:prstGeom>
-          <a:noFill/>
-          <a:ln>
-            <a:noFill/>
-          </a:ln>
-          <a:effectLst/>
-          <a:extLst>
-            <a:ext uri="{909E8E84-426E-40DD-AFC4-6F175D3DCCD1}">
-              <a14:hiddenFill xmlns:a14="http://schemas.microsoft.com/office/drawing/2010/main">
-                <a:solidFill>
-                  <a:schemeClr val="accent1"/>
-                </a:solidFill>
-              </a14:hiddenFill>
-            </a:ext>
-            <a:ext uri="{91240B29-F687-4F45-9708-019B960494DF}">
-              <a14:hiddenLine xmlns:a14="http://schemas.microsoft.com/office/drawing/2010/main" w="9525">
-                <a:solidFill>
-                  <a:schemeClr val="tx1"/>
-                </a:solidFill>
-                <a:miter lim="800000"/>
-                <a:headEnd/>
-                <a:tailEnd/>
-              </a14:hiddenLine>
-            </a:ext>
-            <a:ext uri="{AF507438-7753-43E0-B8FC-AC1667EBCBE1}">
-              <a14:hiddenEffects xmlns:a14="http://schemas.microsoft.com/office/drawing/2010/main">
-                <a:effectLst>
-                  <a:outerShdw dist="35921" dir="2700000" algn="ctr" rotWithShape="0">
-                    <a:schemeClr val="bg2"/>
-                  </a:outerShdw>
-                </a:effectLst>
-              </a14:hiddenEffects>
-            </a:ext>
-          </a:extLst>
         </p:spPr>
       </p:pic>
       <p:grpSp>
@@ -7774,7 +7712,14 @@
           <a:p>
             <a:r>
               <a:rPr lang="en-GB" dirty="0" smtClean="0"/>
-              <a:t>What is a CI pipeline?</a:t>
+              <a:t>Set up a CI pipeline to explore how the technologies work </a:t>
+            </a:r>
+          </a:p>
+          <a:p>
+            <a:pPr lvl="1"/>
+            <a:r>
+              <a:rPr lang="en-GB" sz="1400" dirty="0" smtClean="0"/>
+              <a:t>How they work together</a:t>
             </a:r>
           </a:p>
           <a:p>
@@ -7783,16 +7728,7 @@
           <a:p>
             <a:r>
               <a:rPr lang="en-GB" dirty="0" smtClean="0"/>
-              <a:t>Why do we use it?</a:t>
-            </a:r>
-          </a:p>
-          <a:p>
-            <a:endParaRPr lang="en-GB" dirty="0" smtClean="0"/>
-          </a:p>
-          <a:p>
-            <a:r>
-              <a:rPr lang="en-GB" dirty="0" smtClean="0"/>
-              <a:t>What are its major principles?</a:t>
+              <a:t>Its major principles and how it relate to Big Data workflows</a:t>
             </a:r>
           </a:p>
           <a:p>
@@ -8770,8 +8706,12 @@
           </a:p>
           <a:p>
             <a:r>
+              <a:rPr lang="en-GB" dirty="0"/>
+              <a:t>C</a:t>
+            </a:r>
+            <a:r>
               <a:rPr lang="en-GB" dirty="0" smtClean="0"/>
-              <a:t>Also configure settings for the VM itself</a:t>
+              <a:t>onfigure settings for the VM itself for automatic setup</a:t>
             </a:r>
           </a:p>
         </p:txBody>
@@ -9694,7 +9634,7 @@
       </p:sp>
       <p:pic>
         <p:nvPicPr>
-          <p:cNvPr id="10242" name="Picture 2"/>
+          <p:cNvPr id="10243" name="Picture 3"/>
           <p:cNvPicPr>
             <a:picLocks noChangeAspect="1" noChangeArrowheads="1"/>
           </p:cNvPicPr>
@@ -9715,72 +9655,8 @@
         </p:blipFill>
         <p:spPr bwMode="auto">
           <a:xfrm>
-            <a:off x="281857" y="1534119"/>
-            <a:ext cx="4146868" cy="1543021"/>
-          </a:xfrm>
-          <a:prstGeom prst="rect">
-            <a:avLst/>
-          </a:prstGeom>
-          <a:noFill/>
-          <a:ln>
-            <a:noFill/>
-          </a:ln>
-          <a:effectLst/>
-          <a:extLst>
-            <a:ext uri="{909E8E84-426E-40DD-AFC4-6F175D3DCCD1}">
-              <a14:hiddenFill xmlns:a14="http://schemas.microsoft.com/office/drawing/2010/main">
-                <a:solidFill>
-                  <a:schemeClr val="accent1"/>
-                </a:solidFill>
-              </a14:hiddenFill>
-            </a:ext>
-            <a:ext uri="{91240B29-F687-4F45-9708-019B960494DF}">
-              <a14:hiddenLine xmlns:a14="http://schemas.microsoft.com/office/drawing/2010/main" w="9525">
-                <a:solidFill>
-                  <a:schemeClr val="tx1"/>
-                </a:solidFill>
-                <a:miter lim="800000"/>
-                <a:headEnd/>
-                <a:tailEnd/>
-              </a14:hiddenLine>
-            </a:ext>
-            <a:ext uri="{AF507438-7753-43E0-B8FC-AC1667EBCBE1}">
-              <a14:hiddenEffects xmlns:a14="http://schemas.microsoft.com/office/drawing/2010/main">
-                <a:effectLst>
-                  <a:outerShdw dist="35921" dir="2700000" algn="ctr" rotWithShape="0">
-                    <a:schemeClr val="bg2"/>
-                  </a:outerShdw>
-                </a:effectLst>
-              </a14:hiddenEffects>
-            </a:ext>
-          </a:extLst>
-        </p:spPr>
-      </p:pic>
-      <p:pic>
-        <p:nvPicPr>
-          <p:cNvPr id="10243" name="Picture 3"/>
-          <p:cNvPicPr>
-            <a:picLocks noChangeAspect="1" noChangeArrowheads="1"/>
-          </p:cNvPicPr>
-          <p:nvPr/>
-        </p:nvPicPr>
-        <p:blipFill>
-          <a:blip r:embed="rId3">
-            <a:extLst>
-              <a:ext uri="{28A0092B-C50C-407E-A947-70E740481C1C}">
-                <a14:useLocalDpi xmlns:a14="http://schemas.microsoft.com/office/drawing/2010/main" val="0"/>
-              </a:ext>
-            </a:extLst>
-          </a:blip>
-          <a:srcRect/>
-          <a:stretch>
-            <a:fillRect/>
-          </a:stretch>
-        </p:blipFill>
-        <p:spPr bwMode="auto">
-          <a:xfrm>
-            <a:off x="263240" y="3615175"/>
-            <a:ext cx="4164744" cy="2033944"/>
+            <a:off x="3063896" y="3356991"/>
+            <a:ext cx="5499179" cy="2685645"/>
           </a:xfrm>
           <a:prstGeom prst="rect">
             <a:avLst/>
@@ -9829,7 +9705,7 @@
           <p:nvPr/>
         </p:nvPicPr>
         <p:blipFill>
-          <a:blip r:embed="rId4">
+          <a:blip r:embed="rId3">
             <a:extLst>
               <a:ext uri="{28A0092B-C50C-407E-A947-70E740481C1C}">
                 <a14:useLocalDpi xmlns:a14="http://schemas.microsoft.com/office/drawing/2010/main" val="0"/>
@@ -9843,72 +9719,8 @@
         </p:blipFill>
         <p:spPr bwMode="auto">
           <a:xfrm>
-            <a:off x="4716016" y="1534119"/>
-            <a:ext cx="4117131" cy="1103180"/>
-          </a:xfrm>
-          <a:prstGeom prst="rect">
-            <a:avLst/>
-          </a:prstGeom>
-          <a:noFill/>
-          <a:ln>
-            <a:noFill/>
-          </a:ln>
-          <a:effectLst/>
-          <a:extLst>
-            <a:ext uri="{909E8E84-426E-40DD-AFC4-6F175D3DCCD1}">
-              <a14:hiddenFill xmlns:a14="http://schemas.microsoft.com/office/drawing/2010/main">
-                <a:solidFill>
-                  <a:schemeClr val="accent1"/>
-                </a:solidFill>
-              </a14:hiddenFill>
-            </a:ext>
-            <a:ext uri="{91240B29-F687-4F45-9708-019B960494DF}">
-              <a14:hiddenLine xmlns:a14="http://schemas.microsoft.com/office/drawing/2010/main" w="9525">
-                <a:solidFill>
-                  <a:schemeClr val="tx1"/>
-                </a:solidFill>
-                <a:miter lim="800000"/>
-                <a:headEnd/>
-                <a:tailEnd/>
-              </a14:hiddenLine>
-            </a:ext>
-            <a:ext uri="{AF507438-7753-43E0-B8FC-AC1667EBCBE1}">
-              <a14:hiddenEffects xmlns:a14="http://schemas.microsoft.com/office/drawing/2010/main">
-                <a:effectLst>
-                  <a:outerShdw dist="35921" dir="2700000" algn="ctr" rotWithShape="0">
-                    <a:schemeClr val="bg2"/>
-                  </a:outerShdw>
-                </a:effectLst>
-              </a14:hiddenEffects>
-            </a:ext>
-          </a:extLst>
-        </p:spPr>
-      </p:pic>
-      <p:pic>
-        <p:nvPicPr>
-          <p:cNvPr id="10245" name="Picture 5"/>
-          <p:cNvPicPr>
-            <a:picLocks noChangeAspect="1" noChangeArrowheads="1"/>
-          </p:cNvPicPr>
-          <p:nvPr/>
-        </p:nvPicPr>
-        <p:blipFill>
-          <a:blip r:embed="rId5">
-            <a:extLst>
-              <a:ext uri="{28A0092B-C50C-407E-A947-70E740481C1C}">
-                <a14:useLocalDpi xmlns:a14="http://schemas.microsoft.com/office/drawing/2010/main" val="0"/>
-              </a:ext>
-            </a:extLst>
-          </a:blip>
-          <a:srcRect/>
-          <a:stretch>
-            <a:fillRect/>
-          </a:stretch>
-        </p:blipFill>
-        <p:spPr bwMode="auto">
-          <a:xfrm>
-            <a:off x="4716016" y="2924944"/>
-            <a:ext cx="4117131" cy="1433700"/>
+            <a:off x="2339752" y="1534118"/>
+            <a:ext cx="6223323" cy="1667531"/>
           </a:xfrm>
           <a:prstGeom prst="rect">
             <a:avLst/>
@@ -9960,18 +9772,25 @@
         </p:nvSpPr>
         <p:spPr>
           <a:xfrm>
-            <a:off x="4716015" y="4797152"/>
-            <a:ext cx="4117131" cy="864096"/>
+            <a:off x="323528" y="4077072"/>
+            <a:ext cx="2552735" cy="1728192"/>
           </a:xfrm>
         </p:spPr>
         <p:txBody>
-          <a:bodyPr/>
+          <a:bodyPr>
+            <a:normAutofit/>
+          </a:bodyPr>
           <a:lstStyle/>
           <a:p>
             <a:r>
               <a:rPr lang="en-GB" dirty="0" smtClean="0"/>
-              <a:t>Examples of the provisioning files linked</a:t>
+              <a:t>Examples of the provisioning files linked in the </a:t>
             </a:r>
+            <a:r>
+              <a:rPr lang="en-GB" dirty="0" err="1" smtClean="0"/>
+              <a:t>vagrantfile</a:t>
+            </a:r>
+            <a:endParaRPr lang="en-GB" dirty="0" smtClean="0"/>
           </a:p>
         </p:txBody>
       </p:sp>
@@ -10821,30 +10640,6 @@
       </p:sp>
       <p:pic>
         <p:nvPicPr>
-          <p:cNvPr id="22" name="Picture 21"/>
-          <p:cNvPicPr>
-            <a:picLocks noChangeAspect="1"/>
-          </p:cNvPicPr>
-          <p:nvPr/>
-        </p:nvPicPr>
-        <p:blipFill>
-          <a:blip r:embed="rId2"/>
-          <a:stretch>
-            <a:fillRect/>
-          </a:stretch>
-        </p:blipFill>
-        <p:spPr>
-          <a:xfrm>
-            <a:off x="4644008" y="4221087"/>
-            <a:ext cx="4327436" cy="1944216"/>
-          </a:xfrm>
-          <a:prstGeom prst="rect">
-            <a:avLst/>
-          </a:prstGeom>
-        </p:spPr>
-      </p:pic>
-      <p:pic>
-        <p:nvPicPr>
           <p:cNvPr id="23" name="Picture 22"/>
           <p:cNvPicPr>
             <a:picLocks noChangeAspect="1"/>
@@ -10852,14 +10647,14 @@
           <p:nvPr/>
         </p:nvPicPr>
         <p:blipFill rotWithShape="1">
-          <a:blip r:embed="rId3"/>
-          <a:srcRect b="19230"/>
+          <a:blip r:embed="rId2"/>
+          <a:srcRect l="36982" t="18515" r="4326" b="46907"/>
           <a:stretch/>
         </p:blipFill>
         <p:spPr bwMode="auto">
           <a:xfrm>
-            <a:off x="237720" y="3873624"/>
-            <a:ext cx="4105927" cy="2291680"/>
+            <a:off x="410615" y="4363179"/>
+            <a:ext cx="3859330" cy="1571189"/>
           </a:xfrm>
           <a:prstGeom prst="rect">
             <a:avLst/>
@@ -10880,16 +10675,15 @@
           <p:cNvPicPr/>
           <p:nvPr/>
         </p:nvPicPr>
-        <p:blipFill>
-          <a:blip r:embed="rId4"/>
-          <a:stretch>
-            <a:fillRect/>
-          </a:stretch>
+        <p:blipFill rotWithShape="1">
+          <a:blip r:embed="rId3"/>
+          <a:srcRect l="12421" t="17107" r="22425" b="25192"/>
+          <a:stretch/>
         </p:blipFill>
         <p:spPr>
           <a:xfrm>
-            <a:off x="4644008" y="1556792"/>
-            <a:ext cx="4327436" cy="2258224"/>
+            <a:off x="4811481" y="1769560"/>
+            <a:ext cx="3797893" cy="1803456"/>
           </a:xfrm>
           <a:prstGeom prst="rect">
             <a:avLst/>
@@ -10898,52 +10692,17 @@
       </p:pic>
       <p:cxnSp>
         <p:nvCxnSpPr>
-          <p:cNvPr id="26" name="Straight Arrow Connector 25"/>
-          <p:cNvCxnSpPr>
-            <a:stCxn id="25" idx="2"/>
-            <a:endCxn id="22" idx="0"/>
-          </p:cNvCxnSpPr>
-          <p:nvPr/>
-        </p:nvCxnSpPr>
-        <p:spPr>
-          <a:xfrm>
-            <a:off x="6807726" y="3815016"/>
-            <a:ext cx="0" cy="406071"/>
-          </a:xfrm>
-          <a:prstGeom prst="straightConnector1">
-            <a:avLst/>
-          </a:prstGeom>
-          <a:ln>
-            <a:tailEnd type="arrow"/>
-          </a:ln>
-        </p:spPr>
-        <p:style>
-          <a:lnRef idx="1">
-            <a:schemeClr val="accent1"/>
-          </a:lnRef>
-          <a:fillRef idx="0">
-            <a:schemeClr val="accent1"/>
-          </a:fillRef>
-          <a:effectRef idx="0">
-            <a:schemeClr val="accent1"/>
-          </a:effectRef>
-          <a:fontRef idx="minor">
-            <a:schemeClr val="tx1"/>
-          </a:fontRef>
-        </p:style>
-      </p:cxnSp>
-      <p:cxnSp>
-        <p:nvCxnSpPr>
           <p:cNvPr id="28" name="Straight Arrow Connector 27"/>
           <p:cNvCxnSpPr>
-            <a:stCxn id="22" idx="1"/>
+            <a:stCxn id="32771" idx="1"/>
+            <a:endCxn id="23" idx="3"/>
           </p:cNvCxnSpPr>
           <p:nvPr/>
         </p:nvCxnSpPr>
         <p:spPr>
           <a:xfrm flipH="1">
-            <a:off x="4343647" y="5193195"/>
-            <a:ext cx="300361" cy="0"/>
+            <a:off x="4269945" y="4897708"/>
+            <a:ext cx="541536" cy="251066"/>
           </a:xfrm>
           <a:prstGeom prst="straightConnector1">
             <a:avLst/>
@@ -11690,6 +11449,275 @@
           </p:txBody>
         </p:sp>
       </p:grpSp>
+      <p:pic>
+        <p:nvPicPr>
+          <p:cNvPr id="44" name="Picture 43"/>
+          <p:cNvPicPr>
+            <a:picLocks noChangeAspect="1"/>
+          </p:cNvPicPr>
+          <p:nvPr/>
+        </p:nvPicPr>
+        <p:blipFill rotWithShape="1">
+          <a:blip r:embed="rId2"/>
+          <a:srcRect t="4876" r="82067" b="90247"/>
+          <a:stretch/>
+        </p:blipFill>
+        <p:spPr bwMode="auto">
+          <a:xfrm>
+            <a:off x="2875443" y="5668998"/>
+            <a:ext cx="1397149" cy="262544"/>
+          </a:xfrm>
+          <a:prstGeom prst="rect">
+            <a:avLst/>
+          </a:prstGeom>
+          <a:ln>
+            <a:noFill/>
+          </a:ln>
+          <a:extLst>
+            <a:ext uri="{53640926-AAD7-44D8-BBD7-CCE9431645EC}">
+              <a14:shadowObscured xmlns:a14="http://schemas.microsoft.com/office/drawing/2010/main"/>
+            </a:ext>
+          </a:extLst>
+        </p:spPr>
+      </p:pic>
+      <p:pic>
+        <p:nvPicPr>
+          <p:cNvPr id="32770" name="Picture 2"/>
+          <p:cNvPicPr>
+            <a:picLocks noChangeAspect="1" noChangeArrowheads="1"/>
+          </p:cNvPicPr>
+          <p:nvPr/>
+        </p:nvPicPr>
+        <p:blipFill>
+          <a:blip r:embed="rId4" cstate="print">
+            <a:clrChange>
+              <a:clrFrom>
+                <a:srgbClr val="000000"/>
+              </a:clrFrom>
+              <a:clrTo>
+                <a:srgbClr val="000000">
+                  <a:alpha val="0"/>
+                </a:srgbClr>
+              </a:clrTo>
+            </a:clrChange>
+            <a:extLst>
+              <a:ext uri="{28A0092B-C50C-407E-A947-70E740481C1C}">
+                <a14:useLocalDpi xmlns:a14="http://schemas.microsoft.com/office/drawing/2010/main" val="0"/>
+              </a:ext>
+            </a:extLst>
+          </a:blip>
+          <a:srcRect/>
+          <a:stretch>
+            <a:fillRect/>
+          </a:stretch>
+        </p:blipFill>
+        <p:spPr bwMode="auto">
+          <a:xfrm>
+            <a:off x="8030453" y="3274377"/>
+            <a:ext cx="597277" cy="298639"/>
+          </a:xfrm>
+          <a:prstGeom prst="rect">
+            <a:avLst/>
+          </a:prstGeom>
+          <a:noFill/>
+          <a:ln>
+            <a:noFill/>
+          </a:ln>
+          <a:effectLst/>
+          <a:extLst>
+            <a:ext uri="{909E8E84-426E-40DD-AFC4-6F175D3DCCD1}">
+              <a14:hiddenFill xmlns:a14="http://schemas.microsoft.com/office/drawing/2010/main">
+                <a:solidFill>
+                  <a:schemeClr val="accent1"/>
+                </a:solidFill>
+              </a14:hiddenFill>
+            </a:ext>
+            <a:ext uri="{91240B29-F687-4F45-9708-019B960494DF}">
+              <a14:hiddenLine xmlns:a14="http://schemas.microsoft.com/office/drawing/2010/main" w="9525">
+                <a:solidFill>
+                  <a:schemeClr val="tx1"/>
+                </a:solidFill>
+                <a:miter lim="800000"/>
+                <a:headEnd/>
+                <a:tailEnd/>
+              </a14:hiddenLine>
+            </a:ext>
+            <a:ext uri="{AF507438-7753-43E0-B8FC-AC1667EBCBE1}">
+              <a14:hiddenEffects xmlns:a14="http://schemas.microsoft.com/office/drawing/2010/main">
+                <a:effectLst>
+                  <a:outerShdw dist="35921" dir="2700000" algn="ctr" rotWithShape="0">
+                    <a:schemeClr val="bg2"/>
+                  </a:outerShdw>
+                </a:effectLst>
+              </a14:hiddenEffects>
+            </a:ext>
+          </a:extLst>
+        </p:spPr>
+      </p:pic>
+      <p:pic>
+        <p:nvPicPr>
+          <p:cNvPr id="32771" name="Picture 3"/>
+          <p:cNvPicPr>
+            <a:picLocks noChangeAspect="1" noChangeArrowheads="1"/>
+          </p:cNvPicPr>
+          <p:nvPr/>
+        </p:nvPicPr>
+        <p:blipFill>
+          <a:blip r:embed="rId5" cstate="print">
+            <a:extLst>
+              <a:ext uri="{28A0092B-C50C-407E-A947-70E740481C1C}">
+                <a14:useLocalDpi xmlns:a14="http://schemas.microsoft.com/office/drawing/2010/main" val="0"/>
+              </a:ext>
+            </a:extLst>
+          </a:blip>
+          <a:srcRect/>
+          <a:stretch>
+            <a:fillRect/>
+          </a:stretch>
+        </p:blipFill>
+        <p:spPr bwMode="auto">
+          <a:xfrm>
+            <a:off x="4811481" y="3861048"/>
+            <a:ext cx="3797893" cy="2073320"/>
+          </a:xfrm>
+          <a:prstGeom prst="rect">
+            <a:avLst/>
+          </a:prstGeom>
+          <a:noFill/>
+          <a:ln>
+            <a:noFill/>
+          </a:ln>
+          <a:effectLst/>
+          <a:extLst>
+            <a:ext uri="{909E8E84-426E-40DD-AFC4-6F175D3DCCD1}">
+              <a14:hiddenFill xmlns:a14="http://schemas.microsoft.com/office/drawing/2010/main">
+                <a:solidFill>
+                  <a:schemeClr val="accent1"/>
+                </a:solidFill>
+              </a14:hiddenFill>
+            </a:ext>
+            <a:ext uri="{91240B29-F687-4F45-9708-019B960494DF}">
+              <a14:hiddenLine xmlns:a14="http://schemas.microsoft.com/office/drawing/2010/main" w="9525">
+                <a:solidFill>
+                  <a:schemeClr val="tx1"/>
+                </a:solidFill>
+                <a:miter lim="800000"/>
+                <a:headEnd/>
+                <a:tailEnd/>
+              </a14:hiddenLine>
+            </a:ext>
+            <a:ext uri="{AF507438-7753-43E0-B8FC-AC1667EBCBE1}">
+              <a14:hiddenEffects xmlns:a14="http://schemas.microsoft.com/office/drawing/2010/main">
+                <a:effectLst>
+                  <a:outerShdw dist="35921" dir="2700000" algn="ctr" rotWithShape="0">
+                    <a:schemeClr val="bg2"/>
+                  </a:outerShdw>
+                </a:effectLst>
+              </a14:hiddenEffects>
+            </a:ext>
+          </a:extLst>
+        </p:spPr>
+      </p:pic>
+      <p:pic>
+        <p:nvPicPr>
+          <p:cNvPr id="32772" name="Picture 4"/>
+          <p:cNvPicPr>
+            <a:picLocks noChangeAspect="1" noChangeArrowheads="1"/>
+          </p:cNvPicPr>
+          <p:nvPr/>
+        </p:nvPicPr>
+        <p:blipFill>
+          <a:blip r:embed="rId6">
+            <a:extLst>
+              <a:ext uri="{28A0092B-C50C-407E-A947-70E740481C1C}">
+                <a14:useLocalDpi xmlns:a14="http://schemas.microsoft.com/office/drawing/2010/main" val="0"/>
+              </a:ext>
+            </a:extLst>
+          </a:blip>
+          <a:srcRect/>
+          <a:stretch>
+            <a:fillRect/>
+          </a:stretch>
+        </p:blipFill>
+        <p:spPr bwMode="auto">
+          <a:xfrm>
+            <a:off x="8218155" y="5543843"/>
+            <a:ext cx="409575" cy="390525"/>
+          </a:xfrm>
+          <a:prstGeom prst="rect">
+            <a:avLst/>
+          </a:prstGeom>
+          <a:noFill/>
+          <a:ln>
+            <a:noFill/>
+          </a:ln>
+          <a:effectLst/>
+          <a:extLst>
+            <a:ext uri="{909E8E84-426E-40DD-AFC4-6F175D3DCCD1}">
+              <a14:hiddenFill xmlns:a14="http://schemas.microsoft.com/office/drawing/2010/main">
+                <a:solidFill>
+                  <a:schemeClr val="accent1"/>
+                </a:solidFill>
+              </a14:hiddenFill>
+            </a:ext>
+            <a:ext uri="{91240B29-F687-4F45-9708-019B960494DF}">
+              <a14:hiddenLine xmlns:a14="http://schemas.microsoft.com/office/drawing/2010/main" w="9525">
+                <a:solidFill>
+                  <a:schemeClr val="tx1"/>
+                </a:solidFill>
+                <a:miter lim="800000"/>
+                <a:headEnd/>
+                <a:tailEnd/>
+              </a14:hiddenLine>
+            </a:ext>
+            <a:ext uri="{AF507438-7753-43E0-B8FC-AC1667EBCBE1}">
+              <a14:hiddenEffects xmlns:a14="http://schemas.microsoft.com/office/drawing/2010/main">
+                <a:effectLst>
+                  <a:outerShdw dist="35921" dir="2700000" algn="ctr" rotWithShape="0">
+                    <a:schemeClr val="bg2"/>
+                  </a:outerShdw>
+                </a:effectLst>
+              </a14:hiddenEffects>
+            </a:ext>
+          </a:extLst>
+        </p:spPr>
+      </p:pic>
+      <p:cxnSp>
+        <p:nvCxnSpPr>
+          <p:cNvPr id="49" name="Straight Arrow Connector 48"/>
+          <p:cNvCxnSpPr>
+            <a:stCxn id="25" idx="2"/>
+            <a:endCxn id="32771" idx="0"/>
+          </p:cNvCxnSpPr>
+          <p:nvPr/>
+        </p:nvCxnSpPr>
+        <p:spPr>
+          <a:xfrm>
+            <a:off x="6710428" y="3573016"/>
+            <a:ext cx="0" cy="288032"/>
+          </a:xfrm>
+          <a:prstGeom prst="straightConnector1">
+            <a:avLst/>
+          </a:prstGeom>
+          <a:ln>
+            <a:tailEnd type="arrow"/>
+          </a:ln>
+        </p:spPr>
+        <p:style>
+          <a:lnRef idx="1">
+            <a:schemeClr val="accent1"/>
+          </a:lnRef>
+          <a:fillRef idx="0">
+            <a:schemeClr val="accent1"/>
+          </a:fillRef>
+          <a:effectRef idx="0">
+            <a:schemeClr val="accent1"/>
+          </a:effectRef>
+          <a:fontRef idx="minor">
+            <a:schemeClr val="tx1"/>
+          </a:fontRef>
+        </p:style>
+      </p:cxnSp>
     </p:spTree>
     <p:extLst>
       <p:ext uri="{BB962C8B-B14F-4D97-AF65-F5344CB8AC3E}">
@@ -12807,7 +12835,12 @@
             <p:ph sz="quarter" idx="13"/>
           </p:nvPr>
         </p:nvSpPr>
-        <p:spPr/>
+        <p:spPr>
+          <a:xfrm>
+            <a:off x="683568" y="1556792"/>
+            <a:ext cx="8000660" cy="4680520"/>
+          </a:xfrm>
+        </p:spPr>
         <p:txBody>
           <a:bodyPr/>
           <a:lstStyle/>
@@ -12914,7 +12947,7 @@
         </p:nvGrpSpPr>
         <p:grpSpPr>
           <a:xfrm>
-            <a:off x="4750270" y="1556792"/>
+            <a:off x="933822" y="3256774"/>
             <a:ext cx="3933958" cy="1008112"/>
             <a:chOff x="1466850" y="3933056"/>
             <a:chExt cx="6210300" cy="1591445"/>
@@ -13130,8 +13163,8 @@
         </p:blipFill>
         <p:spPr bwMode="auto">
           <a:xfrm>
-            <a:off x="6083954" y="2647303"/>
-            <a:ext cx="1266590" cy="1437175"/>
+            <a:off x="3217473" y="4355166"/>
+            <a:ext cx="1650307" cy="1872571"/>
           </a:xfrm>
           <a:prstGeom prst="rect">
             <a:avLst/>
@@ -13194,8 +13227,8 @@
         </p:blipFill>
         <p:spPr bwMode="auto">
           <a:xfrm>
-            <a:off x="4716016" y="4161985"/>
-            <a:ext cx="3992299" cy="1283239"/>
+            <a:off x="5036052" y="3256775"/>
+            <a:ext cx="3136348" cy="1008112"/>
           </a:xfrm>
           <a:prstGeom prst="rect">
             <a:avLst/>
@@ -13258,8 +13291,8 @@
         </p:blipFill>
         <p:spPr bwMode="auto">
           <a:xfrm>
-            <a:off x="2597585" y="4509120"/>
-            <a:ext cx="1512168" cy="1648312"/>
+            <a:off x="6454496" y="4355167"/>
+            <a:ext cx="1717904" cy="1872571"/>
           </a:xfrm>
           <a:prstGeom prst="rect">
             <a:avLst/>
@@ -13299,18 +13332,741 @@
           </a:extLst>
         </p:spPr>
       </p:pic>
+      <p:grpSp>
+        <p:nvGrpSpPr>
+          <p:cNvPr id="35" name="Group 34"/>
+          <p:cNvGrpSpPr>
+            <a:grpSpLocks noChangeAspect="1"/>
+          </p:cNvGrpSpPr>
+          <p:nvPr/>
+        </p:nvGrpSpPr>
+        <p:grpSpPr>
+          <a:xfrm>
+            <a:off x="-1" y="6453336"/>
+            <a:ext cx="9137179" cy="404664"/>
+            <a:chOff x="-1" y="6453336"/>
+            <a:chExt cx="9137179" cy="404664"/>
+          </a:xfrm>
+        </p:grpSpPr>
+        <p:sp>
+          <p:nvSpPr>
+            <p:cNvPr id="36" name="Rectangle 35"/>
+            <p:cNvSpPr/>
+            <p:nvPr/>
+          </p:nvSpPr>
+          <p:spPr>
+            <a:xfrm>
+              <a:off x="-1" y="6453336"/>
+              <a:ext cx="905469" cy="404664"/>
+            </a:xfrm>
+            <a:prstGeom prst="rect">
+              <a:avLst/>
+            </a:prstGeom>
+            <a:noFill/>
+            <a:ln>
+              <a:solidFill>
+                <a:schemeClr val="bg1"/>
+              </a:solidFill>
+            </a:ln>
+          </p:spPr>
+          <p:style>
+            <a:lnRef idx="2">
+              <a:schemeClr val="accent1">
+                <a:shade val="50000"/>
+              </a:schemeClr>
+            </a:lnRef>
+            <a:fillRef idx="1">
+              <a:schemeClr val="accent1"/>
+            </a:fillRef>
+            <a:effectRef idx="0">
+              <a:schemeClr val="accent1"/>
+            </a:effectRef>
+            <a:fontRef idx="minor">
+              <a:schemeClr val="lt1"/>
+            </a:fontRef>
+          </p:style>
+          <p:txBody>
+            <a:bodyPr rtlCol="0" anchor="ctr"/>
+            <a:lstStyle/>
+            <a:p>
+              <a:pPr algn="ctr"/>
+              <a:r>
+                <a:rPr lang="en-GB" sz="800" dirty="0" smtClean="0"/>
+                <a:t>Introduction</a:t>
+              </a:r>
+              <a:endParaRPr lang="en-GB" sz="900" dirty="0"/>
+            </a:p>
+          </p:txBody>
+        </p:sp>
+        <p:sp>
+          <p:nvSpPr>
+            <p:cNvPr id="37" name="Rectangle 36"/>
+            <p:cNvSpPr/>
+            <p:nvPr/>
+          </p:nvSpPr>
+          <p:spPr>
+            <a:xfrm>
+              <a:off x="2128588" y="6453336"/>
+              <a:ext cx="606699" cy="404664"/>
+            </a:xfrm>
+            <a:prstGeom prst="rect">
+              <a:avLst/>
+            </a:prstGeom>
+            <a:noFill/>
+            <a:ln>
+              <a:solidFill>
+                <a:schemeClr val="bg1"/>
+              </a:solidFill>
+            </a:ln>
+          </p:spPr>
+          <p:style>
+            <a:lnRef idx="2">
+              <a:schemeClr val="accent1">
+                <a:shade val="50000"/>
+              </a:schemeClr>
+            </a:lnRef>
+            <a:fillRef idx="1">
+              <a:schemeClr val="accent1"/>
+            </a:fillRef>
+            <a:effectRef idx="0">
+              <a:schemeClr val="accent1"/>
+            </a:effectRef>
+            <a:fontRef idx="minor">
+              <a:schemeClr val="lt1"/>
+            </a:fontRef>
+          </p:style>
+          <p:txBody>
+            <a:bodyPr rtlCol="0" anchor="ctr"/>
+            <a:lstStyle/>
+            <a:p>
+              <a:pPr algn="ctr"/>
+              <a:r>
+                <a:rPr lang="en-GB" sz="800" dirty="0" smtClean="0"/>
+                <a:t>SQL</a:t>
+              </a:r>
+              <a:endParaRPr lang="en-GB" sz="800" dirty="0"/>
+            </a:p>
+          </p:txBody>
+        </p:sp>
+        <p:sp>
+          <p:nvSpPr>
+            <p:cNvPr id="38" name="Rectangle 37"/>
+            <p:cNvSpPr/>
+            <p:nvPr/>
+          </p:nvSpPr>
+          <p:spPr>
+            <a:xfrm>
+              <a:off x="1517029" y="6453336"/>
+              <a:ext cx="611560" cy="404664"/>
+            </a:xfrm>
+            <a:prstGeom prst="rect">
+              <a:avLst/>
+            </a:prstGeom>
+            <a:noFill/>
+            <a:ln>
+              <a:solidFill>
+                <a:schemeClr val="bg1"/>
+              </a:solidFill>
+            </a:ln>
+          </p:spPr>
+          <p:style>
+            <a:lnRef idx="2">
+              <a:schemeClr val="accent1">
+                <a:shade val="50000"/>
+              </a:schemeClr>
+            </a:lnRef>
+            <a:fillRef idx="1">
+              <a:schemeClr val="accent1"/>
+            </a:fillRef>
+            <a:effectRef idx="0">
+              <a:schemeClr val="accent1"/>
+            </a:effectRef>
+            <a:fontRef idx="minor">
+              <a:schemeClr val="lt1"/>
+            </a:fontRef>
+          </p:style>
+          <p:txBody>
+            <a:bodyPr rtlCol="0" anchor="ctr"/>
+            <a:lstStyle/>
+            <a:p>
+              <a:pPr algn="ctr"/>
+              <a:r>
+                <a:rPr lang="en-GB" sz="800" dirty="0" smtClean="0"/>
+                <a:t>R</a:t>
+              </a:r>
+              <a:endParaRPr lang="en-GB" sz="800" dirty="0"/>
+            </a:p>
+          </p:txBody>
+        </p:sp>
+        <p:sp>
+          <p:nvSpPr>
+            <p:cNvPr id="39" name="Rectangle 38"/>
+            <p:cNvSpPr/>
+            <p:nvPr/>
+          </p:nvSpPr>
+          <p:spPr>
+            <a:xfrm>
+              <a:off x="2735288" y="6453336"/>
+              <a:ext cx="611560" cy="404664"/>
+            </a:xfrm>
+            <a:prstGeom prst="rect">
+              <a:avLst/>
+            </a:prstGeom>
+            <a:noFill/>
+            <a:ln>
+              <a:solidFill>
+                <a:schemeClr val="bg1"/>
+              </a:solidFill>
+            </a:ln>
+          </p:spPr>
+          <p:style>
+            <a:lnRef idx="2">
+              <a:schemeClr val="accent1">
+                <a:shade val="50000"/>
+              </a:schemeClr>
+            </a:lnRef>
+            <a:fillRef idx="1">
+              <a:schemeClr val="accent1"/>
+            </a:fillRef>
+            <a:effectRef idx="0">
+              <a:schemeClr val="accent1"/>
+            </a:effectRef>
+            <a:fontRef idx="minor">
+              <a:schemeClr val="lt1"/>
+            </a:fontRef>
+          </p:style>
+          <p:txBody>
+            <a:bodyPr rtlCol="0" anchor="ctr"/>
+            <a:lstStyle/>
+            <a:p>
+              <a:pPr algn="ctr"/>
+              <a:r>
+                <a:rPr lang="en-GB" sz="800" dirty="0" err="1" smtClean="0"/>
+                <a:t>Hadoop</a:t>
+              </a:r>
+              <a:r>
+                <a:rPr lang="en-GB" sz="800" dirty="0" smtClean="0"/>
+                <a:t> Cluster</a:t>
+              </a:r>
+              <a:endParaRPr lang="en-GB" sz="800" dirty="0"/>
+            </a:p>
+          </p:txBody>
+        </p:sp>
+        <p:sp>
+          <p:nvSpPr>
+            <p:cNvPr id="40" name="Rectangle 39"/>
+            <p:cNvSpPr/>
+            <p:nvPr/>
+          </p:nvSpPr>
+          <p:spPr>
+            <a:xfrm>
+              <a:off x="905469" y="6453336"/>
+              <a:ext cx="611560" cy="404664"/>
+            </a:xfrm>
+            <a:prstGeom prst="rect">
+              <a:avLst/>
+            </a:prstGeom>
+            <a:noFill/>
+            <a:ln>
+              <a:solidFill>
+                <a:schemeClr val="bg1"/>
+              </a:solidFill>
+            </a:ln>
+          </p:spPr>
+          <p:style>
+            <a:lnRef idx="2">
+              <a:schemeClr val="accent1">
+                <a:shade val="50000"/>
+              </a:schemeClr>
+            </a:lnRef>
+            <a:fillRef idx="1">
+              <a:schemeClr val="accent1"/>
+            </a:fillRef>
+            <a:effectRef idx="0">
+              <a:schemeClr val="accent1"/>
+            </a:effectRef>
+            <a:fontRef idx="minor">
+              <a:schemeClr val="lt1"/>
+            </a:fontRef>
+          </p:style>
+          <p:txBody>
+            <a:bodyPr rtlCol="0" anchor="ctr"/>
+            <a:lstStyle/>
+            <a:p>
+              <a:pPr algn="ctr"/>
+              <a:r>
+                <a:rPr lang="en-GB" sz="800" dirty="0" smtClean="0"/>
+                <a:t>Python</a:t>
+              </a:r>
+              <a:endParaRPr lang="en-GB" sz="800" dirty="0"/>
+            </a:p>
+          </p:txBody>
+        </p:sp>
+        <p:sp>
+          <p:nvSpPr>
+            <p:cNvPr id="41" name="Rectangle 40"/>
+            <p:cNvSpPr/>
+            <p:nvPr/>
+          </p:nvSpPr>
+          <p:spPr>
+            <a:xfrm>
+              <a:off x="3346848" y="6453336"/>
+              <a:ext cx="611560" cy="404664"/>
+            </a:xfrm>
+            <a:prstGeom prst="rect">
+              <a:avLst/>
+            </a:prstGeom>
+            <a:noFill/>
+            <a:ln>
+              <a:solidFill>
+                <a:schemeClr val="bg1"/>
+              </a:solidFill>
+            </a:ln>
+          </p:spPr>
+          <p:style>
+            <a:lnRef idx="2">
+              <a:schemeClr val="accent1">
+                <a:shade val="50000"/>
+              </a:schemeClr>
+            </a:lnRef>
+            <a:fillRef idx="1">
+              <a:schemeClr val="accent1"/>
+            </a:fillRef>
+            <a:effectRef idx="0">
+              <a:schemeClr val="accent1"/>
+            </a:effectRef>
+            <a:fontRef idx="minor">
+              <a:schemeClr val="lt1"/>
+            </a:fontRef>
+          </p:style>
+          <p:txBody>
+            <a:bodyPr rtlCol="0" anchor="ctr"/>
+            <a:lstStyle/>
+            <a:p>
+              <a:pPr algn="ctr"/>
+              <a:r>
+                <a:rPr lang="en-GB" sz="800" dirty="0" smtClean="0"/>
+                <a:t>Mongo DB</a:t>
+              </a:r>
+              <a:endParaRPr lang="en-GB" sz="800" dirty="0"/>
+            </a:p>
+          </p:txBody>
+        </p:sp>
+        <p:sp>
+          <p:nvSpPr>
+            <p:cNvPr id="42" name="Rectangle 41"/>
+            <p:cNvSpPr/>
+            <p:nvPr/>
+          </p:nvSpPr>
+          <p:spPr>
+            <a:xfrm>
+              <a:off x="3958408" y="6453336"/>
+              <a:ext cx="611560" cy="404664"/>
+            </a:xfrm>
+            <a:prstGeom prst="rect">
+              <a:avLst/>
+            </a:prstGeom>
+            <a:noFill/>
+            <a:ln>
+              <a:solidFill>
+                <a:schemeClr val="bg1"/>
+              </a:solidFill>
+            </a:ln>
+          </p:spPr>
+          <p:style>
+            <a:lnRef idx="2">
+              <a:schemeClr val="accent1">
+                <a:shade val="50000"/>
+              </a:schemeClr>
+            </a:lnRef>
+            <a:fillRef idx="1">
+              <a:schemeClr val="accent1"/>
+            </a:fillRef>
+            <a:effectRef idx="0">
+              <a:schemeClr val="accent1"/>
+            </a:effectRef>
+            <a:fontRef idx="minor">
+              <a:schemeClr val="lt1"/>
+            </a:fontRef>
+          </p:style>
+          <p:txBody>
+            <a:bodyPr rtlCol="0" anchor="ctr"/>
+            <a:lstStyle/>
+            <a:p>
+              <a:pPr algn="ctr"/>
+              <a:r>
+                <a:rPr lang="en-GB" sz="800" dirty="0" smtClean="0"/>
+                <a:t>CI</a:t>
+              </a:r>
+              <a:endParaRPr lang="en-GB" sz="800" dirty="0"/>
+            </a:p>
+          </p:txBody>
+        </p:sp>
+        <p:sp>
+          <p:nvSpPr>
+            <p:cNvPr id="43" name="Rectangle 42"/>
+            <p:cNvSpPr/>
+            <p:nvPr/>
+          </p:nvSpPr>
+          <p:spPr>
+            <a:xfrm>
+              <a:off x="4569968" y="6453336"/>
+              <a:ext cx="611560" cy="404664"/>
+            </a:xfrm>
+            <a:prstGeom prst="rect">
+              <a:avLst/>
+            </a:prstGeom>
+            <a:solidFill>
+              <a:schemeClr val="bg1"/>
+            </a:solidFill>
+            <a:ln>
+              <a:solidFill>
+                <a:schemeClr val="bg1"/>
+              </a:solidFill>
+            </a:ln>
+          </p:spPr>
+          <p:style>
+            <a:lnRef idx="2">
+              <a:schemeClr val="accent1">
+                <a:shade val="50000"/>
+              </a:schemeClr>
+            </a:lnRef>
+            <a:fillRef idx="1">
+              <a:schemeClr val="accent1"/>
+            </a:fillRef>
+            <a:effectRef idx="0">
+              <a:schemeClr val="accent1"/>
+            </a:effectRef>
+            <a:fontRef idx="minor">
+              <a:schemeClr val="lt1"/>
+            </a:fontRef>
+          </p:style>
+          <p:txBody>
+            <a:bodyPr rtlCol="0" anchor="ctr"/>
+            <a:lstStyle/>
+            <a:p>
+              <a:pPr algn="ctr"/>
+              <a:r>
+                <a:rPr lang="en-GB" sz="800" dirty="0" smtClean="0"/>
+                <a:t>Hive Impala</a:t>
+              </a:r>
+              <a:endParaRPr lang="en-GB" sz="800" dirty="0"/>
+            </a:p>
+          </p:txBody>
+        </p:sp>
+        <p:sp>
+          <p:nvSpPr>
+            <p:cNvPr id="44" name="Rectangle 43"/>
+            <p:cNvSpPr/>
+            <p:nvPr/>
+          </p:nvSpPr>
+          <p:spPr>
+            <a:xfrm>
+              <a:off x="5181528" y="6453336"/>
+              <a:ext cx="611560" cy="404664"/>
+            </a:xfrm>
+            <a:prstGeom prst="rect">
+              <a:avLst/>
+            </a:prstGeom>
+            <a:noFill/>
+            <a:ln>
+              <a:solidFill>
+                <a:schemeClr val="bg1"/>
+              </a:solidFill>
+            </a:ln>
+          </p:spPr>
+          <p:style>
+            <a:lnRef idx="2">
+              <a:schemeClr val="accent1">
+                <a:shade val="50000"/>
+              </a:schemeClr>
+            </a:lnRef>
+            <a:fillRef idx="1">
+              <a:schemeClr val="accent1"/>
+            </a:fillRef>
+            <a:effectRef idx="0">
+              <a:schemeClr val="accent1"/>
+            </a:effectRef>
+            <a:fontRef idx="minor">
+              <a:schemeClr val="lt1"/>
+            </a:fontRef>
+          </p:style>
+          <p:txBody>
+            <a:bodyPr rtlCol="0" anchor="ctr"/>
+            <a:lstStyle/>
+            <a:p>
+              <a:pPr algn="ctr"/>
+              <a:r>
+                <a:rPr lang="en-GB" sz="800" dirty="0" err="1" smtClean="0"/>
+                <a:t>Scala</a:t>
+              </a:r>
+              <a:endParaRPr lang="en-GB" sz="800" dirty="0"/>
+            </a:p>
+          </p:txBody>
+        </p:sp>
+        <p:sp>
+          <p:nvSpPr>
+            <p:cNvPr id="45" name="Rectangle 44"/>
+            <p:cNvSpPr/>
+            <p:nvPr/>
+          </p:nvSpPr>
+          <p:spPr>
+            <a:xfrm>
+              <a:off x="5793088" y="6453336"/>
+              <a:ext cx="611560" cy="404664"/>
+            </a:xfrm>
+            <a:prstGeom prst="rect">
+              <a:avLst/>
+            </a:prstGeom>
+            <a:noFill/>
+            <a:ln>
+              <a:solidFill>
+                <a:schemeClr val="bg1"/>
+              </a:solidFill>
+            </a:ln>
+          </p:spPr>
+          <p:style>
+            <a:lnRef idx="2">
+              <a:schemeClr val="accent1">
+                <a:shade val="50000"/>
+              </a:schemeClr>
+            </a:lnRef>
+            <a:fillRef idx="1">
+              <a:schemeClr val="accent1"/>
+            </a:fillRef>
+            <a:effectRef idx="0">
+              <a:schemeClr val="accent1"/>
+            </a:effectRef>
+            <a:fontRef idx="minor">
+              <a:schemeClr val="lt1"/>
+            </a:fontRef>
+          </p:style>
+          <p:txBody>
+            <a:bodyPr rtlCol="0" anchor="ctr"/>
+            <a:lstStyle/>
+            <a:p>
+              <a:pPr algn="ctr"/>
+              <a:r>
+                <a:rPr lang="en-GB" sz="800" dirty="0" smtClean="0"/>
+                <a:t>Spark</a:t>
+              </a:r>
+              <a:endParaRPr lang="en-GB" sz="800" dirty="0"/>
+            </a:p>
+          </p:txBody>
+        </p:sp>
+        <p:sp>
+          <p:nvSpPr>
+            <p:cNvPr id="46" name="Rectangle 45"/>
+            <p:cNvSpPr/>
+            <p:nvPr/>
+          </p:nvSpPr>
+          <p:spPr>
+            <a:xfrm>
+              <a:off x="6404648" y="6453336"/>
+              <a:ext cx="611560" cy="404664"/>
+            </a:xfrm>
+            <a:prstGeom prst="rect">
+              <a:avLst/>
+            </a:prstGeom>
+            <a:noFill/>
+            <a:ln>
+              <a:solidFill>
+                <a:schemeClr val="bg1"/>
+              </a:solidFill>
+            </a:ln>
+          </p:spPr>
+          <p:style>
+            <a:lnRef idx="2">
+              <a:schemeClr val="accent1">
+                <a:shade val="50000"/>
+              </a:schemeClr>
+            </a:lnRef>
+            <a:fillRef idx="1">
+              <a:schemeClr val="accent1"/>
+            </a:fillRef>
+            <a:effectRef idx="0">
+              <a:schemeClr val="accent1"/>
+            </a:effectRef>
+            <a:fontRef idx="minor">
+              <a:schemeClr val="lt1"/>
+            </a:fontRef>
+          </p:style>
+          <p:txBody>
+            <a:bodyPr rtlCol="0" anchor="ctr"/>
+            <a:lstStyle/>
+            <a:p>
+              <a:pPr algn="ctr"/>
+              <a:r>
+                <a:rPr lang="en-GB" sz="800" dirty="0" err="1" smtClean="0"/>
+                <a:t>Pentaho</a:t>
+              </a:r>
+              <a:endParaRPr lang="en-GB" sz="800" dirty="0"/>
+            </a:p>
+          </p:txBody>
+        </p:sp>
+        <p:sp>
+          <p:nvSpPr>
+            <p:cNvPr id="47" name="Rectangle 46"/>
+            <p:cNvSpPr/>
+            <p:nvPr/>
+          </p:nvSpPr>
+          <p:spPr>
+            <a:xfrm>
+              <a:off x="7016208" y="6453336"/>
+              <a:ext cx="609819" cy="404664"/>
+            </a:xfrm>
+            <a:prstGeom prst="rect">
+              <a:avLst/>
+            </a:prstGeom>
+            <a:noFill/>
+            <a:ln>
+              <a:solidFill>
+                <a:schemeClr val="bg1"/>
+              </a:solidFill>
+            </a:ln>
+          </p:spPr>
+          <p:style>
+            <a:lnRef idx="2">
+              <a:schemeClr val="accent1">
+                <a:shade val="50000"/>
+              </a:schemeClr>
+            </a:lnRef>
+            <a:fillRef idx="1">
+              <a:schemeClr val="accent1"/>
+            </a:fillRef>
+            <a:effectRef idx="0">
+              <a:schemeClr val="accent1"/>
+            </a:effectRef>
+            <a:fontRef idx="minor">
+              <a:schemeClr val="lt1"/>
+            </a:fontRef>
+          </p:style>
+          <p:txBody>
+            <a:bodyPr rtlCol="0" anchor="ctr"/>
+            <a:lstStyle/>
+            <a:p>
+              <a:pPr algn="ctr"/>
+              <a:r>
+                <a:rPr lang="en-GB" sz="800" dirty="0" smtClean="0"/>
+                <a:t>Agile SCRUM</a:t>
+              </a:r>
+              <a:endParaRPr lang="en-GB" sz="800" dirty="0"/>
+            </a:p>
+          </p:txBody>
+        </p:sp>
+        <p:sp>
+          <p:nvSpPr>
+            <p:cNvPr id="48" name="Rectangle 47"/>
+            <p:cNvSpPr/>
+            <p:nvPr/>
+          </p:nvSpPr>
+          <p:spPr>
+            <a:xfrm>
+              <a:off x="7626027" y="6453336"/>
+              <a:ext cx="611560" cy="404664"/>
+            </a:xfrm>
+            <a:prstGeom prst="rect">
+              <a:avLst/>
+            </a:prstGeom>
+            <a:noFill/>
+            <a:ln>
+              <a:solidFill>
+                <a:schemeClr val="bg1"/>
+              </a:solidFill>
+            </a:ln>
+          </p:spPr>
+          <p:style>
+            <a:lnRef idx="2">
+              <a:schemeClr val="accent1">
+                <a:shade val="50000"/>
+              </a:schemeClr>
+            </a:lnRef>
+            <a:fillRef idx="1">
+              <a:schemeClr val="accent1"/>
+            </a:fillRef>
+            <a:effectRef idx="0">
+              <a:schemeClr val="accent1"/>
+            </a:effectRef>
+            <a:fontRef idx="minor">
+              <a:schemeClr val="lt1"/>
+            </a:fontRef>
+          </p:style>
+          <p:txBody>
+            <a:bodyPr rtlCol="0" anchor="ctr"/>
+            <a:lstStyle/>
+            <a:p>
+              <a:pPr algn="ctr"/>
+              <a:r>
+                <a:rPr lang="en-GB" sz="800" dirty="0" smtClean="0"/>
+                <a:t>Final Project</a:t>
+              </a:r>
+              <a:endParaRPr lang="en-GB" sz="800" dirty="0"/>
+            </a:p>
+          </p:txBody>
+        </p:sp>
+        <p:sp>
+          <p:nvSpPr>
+            <p:cNvPr id="49" name="Rectangle 48"/>
+            <p:cNvSpPr/>
+            <p:nvPr/>
+          </p:nvSpPr>
+          <p:spPr>
+            <a:xfrm>
+              <a:off x="8237587" y="6453336"/>
+              <a:ext cx="899591" cy="404664"/>
+            </a:xfrm>
+            <a:prstGeom prst="rect">
+              <a:avLst/>
+            </a:prstGeom>
+            <a:noFill/>
+            <a:ln>
+              <a:solidFill>
+                <a:schemeClr val="bg1"/>
+              </a:solidFill>
+            </a:ln>
+          </p:spPr>
+          <p:style>
+            <a:lnRef idx="2">
+              <a:schemeClr val="accent1">
+                <a:shade val="50000"/>
+              </a:schemeClr>
+            </a:lnRef>
+            <a:fillRef idx="1">
+              <a:schemeClr val="accent1"/>
+            </a:fillRef>
+            <a:effectRef idx="0">
+              <a:schemeClr val="accent1"/>
+            </a:effectRef>
+            <a:fontRef idx="minor">
+              <a:schemeClr val="lt1"/>
+            </a:fontRef>
+          </p:style>
+          <p:txBody>
+            <a:bodyPr rtlCol="0" anchor="ctr"/>
+            <a:lstStyle/>
+            <a:p>
+              <a:pPr algn="ctr"/>
+              <a:r>
+                <a:rPr lang="en-GB" sz="800" dirty="0" smtClean="0"/>
+                <a:t>Conclusions</a:t>
+              </a:r>
+              <a:endParaRPr lang="en-GB" sz="800" dirty="0"/>
+            </a:p>
+          </p:txBody>
+        </p:sp>
+      </p:grpSp>
       <p:cxnSp>
         <p:nvCxnSpPr>
-          <p:cNvPr id="11265" name="Straight Arrow Connector 11264"/>
+          <p:cNvPr id="11267" name="Straight Arrow Connector 11266"/>
           <p:cNvCxnSpPr>
-            <a:stCxn id="30" idx="1"/>
+            <a:endCxn id="29" idx="1"/>
           </p:cNvCxnSpPr>
           <p:nvPr/>
         </p:nvCxnSpPr>
         <p:spPr>
-          <a:xfrm flipH="1">
-            <a:off x="4109753" y="4803605"/>
-            <a:ext cx="606263" cy="529671"/>
+          <a:xfrm>
+            <a:off x="1979712" y="4264887"/>
+            <a:ext cx="1237761" cy="1026565"/>
           </a:xfrm>
           <a:prstGeom prst="straightConnector1">
             <a:avLst/>
@@ -13334,729 +14090,41 @@
           </a:fontRef>
         </p:style>
       </p:cxnSp>
-      <p:grpSp>
-        <p:nvGrpSpPr>
-          <p:cNvPr id="35" name="Group 34"/>
-          <p:cNvGrpSpPr>
-            <a:grpSpLocks noChangeAspect="1"/>
-          </p:cNvGrpSpPr>
+      <p:cxnSp>
+        <p:nvCxnSpPr>
+          <p:cNvPr id="11273" name="Straight Arrow Connector 11272"/>
+          <p:cNvCxnSpPr>
+            <a:endCxn id="31" idx="1"/>
+          </p:cNvCxnSpPr>
           <p:nvPr/>
-        </p:nvGrpSpPr>
-        <p:grpSpPr>
+        </p:nvCxnSpPr>
+        <p:spPr>
           <a:xfrm>
-            <a:off x="-1" y="6453336"/>
-            <a:ext cx="9137179" cy="404664"/>
-            <a:chOff x="-1" y="6453336"/>
-            <a:chExt cx="9137179" cy="404664"/>
+            <a:off x="5724128" y="4264886"/>
+            <a:ext cx="730368" cy="1026567"/>
           </a:xfrm>
-        </p:grpSpPr>
-        <p:sp>
-          <p:nvSpPr>
-            <p:cNvPr id="36" name="Rectangle 35"/>
-            <p:cNvSpPr/>
-            <p:nvPr/>
-          </p:nvSpPr>
-          <p:spPr>
-            <a:xfrm>
-              <a:off x="-1" y="6453336"/>
-              <a:ext cx="905469" cy="404664"/>
-            </a:xfrm>
-            <a:prstGeom prst="rect">
-              <a:avLst/>
-            </a:prstGeom>
-            <a:noFill/>
-            <a:ln>
-              <a:solidFill>
-                <a:schemeClr val="bg1"/>
-              </a:solidFill>
-            </a:ln>
-          </p:spPr>
-          <p:style>
-            <a:lnRef idx="2">
-              <a:schemeClr val="accent1">
-                <a:shade val="50000"/>
-              </a:schemeClr>
-            </a:lnRef>
-            <a:fillRef idx="1">
-              <a:schemeClr val="accent1"/>
-            </a:fillRef>
-            <a:effectRef idx="0">
-              <a:schemeClr val="accent1"/>
-            </a:effectRef>
-            <a:fontRef idx="minor">
-              <a:schemeClr val="lt1"/>
-            </a:fontRef>
-          </p:style>
-          <p:txBody>
-            <a:bodyPr rtlCol="0" anchor="ctr"/>
-            <a:lstStyle/>
-            <a:p>
-              <a:pPr algn="ctr"/>
-              <a:r>
-                <a:rPr lang="en-GB" sz="800" dirty="0" smtClean="0"/>
-                <a:t>Introduction</a:t>
-              </a:r>
-              <a:endParaRPr lang="en-GB" sz="900" dirty="0"/>
-            </a:p>
-          </p:txBody>
-        </p:sp>
-        <p:sp>
-          <p:nvSpPr>
-            <p:cNvPr id="37" name="Rectangle 36"/>
-            <p:cNvSpPr/>
-            <p:nvPr/>
-          </p:nvSpPr>
-          <p:spPr>
-            <a:xfrm>
-              <a:off x="2128588" y="6453336"/>
-              <a:ext cx="606699" cy="404664"/>
-            </a:xfrm>
-            <a:prstGeom prst="rect">
-              <a:avLst/>
-            </a:prstGeom>
-            <a:noFill/>
-            <a:ln>
-              <a:solidFill>
-                <a:schemeClr val="bg1"/>
-              </a:solidFill>
-            </a:ln>
-          </p:spPr>
-          <p:style>
-            <a:lnRef idx="2">
-              <a:schemeClr val="accent1">
-                <a:shade val="50000"/>
-              </a:schemeClr>
-            </a:lnRef>
-            <a:fillRef idx="1">
-              <a:schemeClr val="accent1"/>
-            </a:fillRef>
-            <a:effectRef idx="0">
-              <a:schemeClr val="accent1"/>
-            </a:effectRef>
-            <a:fontRef idx="minor">
-              <a:schemeClr val="lt1"/>
-            </a:fontRef>
-          </p:style>
-          <p:txBody>
-            <a:bodyPr rtlCol="0" anchor="ctr"/>
-            <a:lstStyle/>
-            <a:p>
-              <a:pPr algn="ctr"/>
-              <a:r>
-                <a:rPr lang="en-GB" sz="800" dirty="0" smtClean="0"/>
-                <a:t>SQL</a:t>
-              </a:r>
-              <a:endParaRPr lang="en-GB" sz="800" dirty="0"/>
-            </a:p>
-          </p:txBody>
-        </p:sp>
-        <p:sp>
-          <p:nvSpPr>
-            <p:cNvPr id="38" name="Rectangle 37"/>
-            <p:cNvSpPr/>
-            <p:nvPr/>
-          </p:nvSpPr>
-          <p:spPr>
-            <a:xfrm>
-              <a:off x="1517029" y="6453336"/>
-              <a:ext cx="611560" cy="404664"/>
-            </a:xfrm>
-            <a:prstGeom prst="rect">
-              <a:avLst/>
-            </a:prstGeom>
-            <a:noFill/>
-            <a:ln>
-              <a:solidFill>
-                <a:schemeClr val="bg1"/>
-              </a:solidFill>
-            </a:ln>
-          </p:spPr>
-          <p:style>
-            <a:lnRef idx="2">
-              <a:schemeClr val="accent1">
-                <a:shade val="50000"/>
-              </a:schemeClr>
-            </a:lnRef>
-            <a:fillRef idx="1">
-              <a:schemeClr val="accent1"/>
-            </a:fillRef>
-            <a:effectRef idx="0">
-              <a:schemeClr val="accent1"/>
-            </a:effectRef>
-            <a:fontRef idx="minor">
-              <a:schemeClr val="lt1"/>
-            </a:fontRef>
-          </p:style>
-          <p:txBody>
-            <a:bodyPr rtlCol="0" anchor="ctr"/>
-            <a:lstStyle/>
-            <a:p>
-              <a:pPr algn="ctr"/>
-              <a:r>
-                <a:rPr lang="en-GB" sz="800" dirty="0" smtClean="0"/>
-                <a:t>R</a:t>
-              </a:r>
-              <a:endParaRPr lang="en-GB" sz="800" dirty="0"/>
-            </a:p>
-          </p:txBody>
-        </p:sp>
-        <p:sp>
-          <p:nvSpPr>
-            <p:cNvPr id="39" name="Rectangle 38"/>
-            <p:cNvSpPr/>
-            <p:nvPr/>
-          </p:nvSpPr>
-          <p:spPr>
-            <a:xfrm>
-              <a:off x="2735288" y="6453336"/>
-              <a:ext cx="611560" cy="404664"/>
-            </a:xfrm>
-            <a:prstGeom prst="rect">
-              <a:avLst/>
-            </a:prstGeom>
-            <a:noFill/>
-            <a:ln>
-              <a:solidFill>
-                <a:schemeClr val="bg1"/>
-              </a:solidFill>
-            </a:ln>
-          </p:spPr>
-          <p:style>
-            <a:lnRef idx="2">
-              <a:schemeClr val="accent1">
-                <a:shade val="50000"/>
-              </a:schemeClr>
-            </a:lnRef>
-            <a:fillRef idx="1">
-              <a:schemeClr val="accent1"/>
-            </a:fillRef>
-            <a:effectRef idx="0">
-              <a:schemeClr val="accent1"/>
-            </a:effectRef>
-            <a:fontRef idx="minor">
-              <a:schemeClr val="lt1"/>
-            </a:fontRef>
-          </p:style>
-          <p:txBody>
-            <a:bodyPr rtlCol="0" anchor="ctr"/>
-            <a:lstStyle/>
-            <a:p>
-              <a:pPr algn="ctr"/>
-              <a:r>
-                <a:rPr lang="en-GB" sz="800" dirty="0" err="1" smtClean="0"/>
-                <a:t>Hadoop</a:t>
-              </a:r>
-              <a:r>
-                <a:rPr lang="en-GB" sz="800" dirty="0" smtClean="0"/>
-                <a:t> Cluster</a:t>
-              </a:r>
-              <a:endParaRPr lang="en-GB" sz="800" dirty="0"/>
-            </a:p>
-          </p:txBody>
-        </p:sp>
-        <p:sp>
-          <p:nvSpPr>
-            <p:cNvPr id="40" name="Rectangle 39"/>
-            <p:cNvSpPr/>
-            <p:nvPr/>
-          </p:nvSpPr>
-          <p:spPr>
-            <a:xfrm>
-              <a:off x="905469" y="6453336"/>
-              <a:ext cx="611560" cy="404664"/>
-            </a:xfrm>
-            <a:prstGeom prst="rect">
-              <a:avLst/>
-            </a:prstGeom>
-            <a:noFill/>
-            <a:ln>
-              <a:solidFill>
-                <a:schemeClr val="bg1"/>
-              </a:solidFill>
-            </a:ln>
-          </p:spPr>
-          <p:style>
-            <a:lnRef idx="2">
-              <a:schemeClr val="accent1">
-                <a:shade val="50000"/>
-              </a:schemeClr>
-            </a:lnRef>
-            <a:fillRef idx="1">
-              <a:schemeClr val="accent1"/>
-            </a:fillRef>
-            <a:effectRef idx="0">
-              <a:schemeClr val="accent1"/>
-            </a:effectRef>
-            <a:fontRef idx="minor">
-              <a:schemeClr val="lt1"/>
-            </a:fontRef>
-          </p:style>
-          <p:txBody>
-            <a:bodyPr rtlCol="0" anchor="ctr"/>
-            <a:lstStyle/>
-            <a:p>
-              <a:pPr algn="ctr"/>
-              <a:r>
-                <a:rPr lang="en-GB" sz="800" dirty="0" smtClean="0"/>
-                <a:t>Python</a:t>
-              </a:r>
-              <a:endParaRPr lang="en-GB" sz="800" dirty="0"/>
-            </a:p>
-          </p:txBody>
-        </p:sp>
-        <p:sp>
-          <p:nvSpPr>
-            <p:cNvPr id="41" name="Rectangle 40"/>
-            <p:cNvSpPr/>
-            <p:nvPr/>
-          </p:nvSpPr>
-          <p:spPr>
-            <a:xfrm>
-              <a:off x="3346848" y="6453336"/>
-              <a:ext cx="611560" cy="404664"/>
-            </a:xfrm>
-            <a:prstGeom prst="rect">
-              <a:avLst/>
-            </a:prstGeom>
-            <a:noFill/>
-            <a:ln>
-              <a:solidFill>
-                <a:schemeClr val="bg1"/>
-              </a:solidFill>
-            </a:ln>
-          </p:spPr>
-          <p:style>
-            <a:lnRef idx="2">
-              <a:schemeClr val="accent1">
-                <a:shade val="50000"/>
-              </a:schemeClr>
-            </a:lnRef>
-            <a:fillRef idx="1">
-              <a:schemeClr val="accent1"/>
-            </a:fillRef>
-            <a:effectRef idx="0">
-              <a:schemeClr val="accent1"/>
-            </a:effectRef>
-            <a:fontRef idx="minor">
-              <a:schemeClr val="lt1"/>
-            </a:fontRef>
-          </p:style>
-          <p:txBody>
-            <a:bodyPr rtlCol="0" anchor="ctr"/>
-            <a:lstStyle/>
-            <a:p>
-              <a:pPr algn="ctr"/>
-              <a:r>
-                <a:rPr lang="en-GB" sz="800" dirty="0" smtClean="0"/>
-                <a:t>Mongo DB</a:t>
-              </a:r>
-              <a:endParaRPr lang="en-GB" sz="800" dirty="0"/>
-            </a:p>
-          </p:txBody>
-        </p:sp>
-        <p:sp>
-          <p:nvSpPr>
-            <p:cNvPr id="42" name="Rectangle 41"/>
-            <p:cNvSpPr/>
-            <p:nvPr/>
-          </p:nvSpPr>
-          <p:spPr>
-            <a:xfrm>
-              <a:off x="3958408" y="6453336"/>
-              <a:ext cx="611560" cy="404664"/>
-            </a:xfrm>
-            <a:prstGeom prst="rect">
-              <a:avLst/>
-            </a:prstGeom>
-            <a:noFill/>
-            <a:ln>
-              <a:solidFill>
-                <a:schemeClr val="bg1"/>
-              </a:solidFill>
-            </a:ln>
-          </p:spPr>
-          <p:style>
-            <a:lnRef idx="2">
-              <a:schemeClr val="accent1">
-                <a:shade val="50000"/>
-              </a:schemeClr>
-            </a:lnRef>
-            <a:fillRef idx="1">
-              <a:schemeClr val="accent1"/>
-            </a:fillRef>
-            <a:effectRef idx="0">
-              <a:schemeClr val="accent1"/>
-            </a:effectRef>
-            <a:fontRef idx="minor">
-              <a:schemeClr val="lt1"/>
-            </a:fontRef>
-          </p:style>
-          <p:txBody>
-            <a:bodyPr rtlCol="0" anchor="ctr"/>
-            <a:lstStyle/>
-            <a:p>
-              <a:pPr algn="ctr"/>
-              <a:r>
-                <a:rPr lang="en-GB" sz="800" dirty="0" smtClean="0"/>
-                <a:t>CI</a:t>
-              </a:r>
-              <a:endParaRPr lang="en-GB" sz="800" dirty="0"/>
-            </a:p>
-          </p:txBody>
-        </p:sp>
-        <p:sp>
-          <p:nvSpPr>
-            <p:cNvPr id="43" name="Rectangle 42"/>
-            <p:cNvSpPr/>
-            <p:nvPr/>
-          </p:nvSpPr>
-          <p:spPr>
-            <a:xfrm>
-              <a:off x="4569968" y="6453336"/>
-              <a:ext cx="611560" cy="404664"/>
-            </a:xfrm>
-            <a:prstGeom prst="rect">
-              <a:avLst/>
-            </a:prstGeom>
-            <a:solidFill>
-              <a:schemeClr val="bg1"/>
-            </a:solidFill>
-            <a:ln>
-              <a:solidFill>
-                <a:schemeClr val="bg1"/>
-              </a:solidFill>
-            </a:ln>
-          </p:spPr>
-          <p:style>
-            <a:lnRef idx="2">
-              <a:schemeClr val="accent1">
-                <a:shade val="50000"/>
-              </a:schemeClr>
-            </a:lnRef>
-            <a:fillRef idx="1">
-              <a:schemeClr val="accent1"/>
-            </a:fillRef>
-            <a:effectRef idx="0">
-              <a:schemeClr val="accent1"/>
-            </a:effectRef>
-            <a:fontRef idx="minor">
-              <a:schemeClr val="lt1"/>
-            </a:fontRef>
-          </p:style>
-          <p:txBody>
-            <a:bodyPr rtlCol="0" anchor="ctr"/>
-            <a:lstStyle/>
-            <a:p>
-              <a:pPr algn="ctr"/>
-              <a:r>
-                <a:rPr lang="en-GB" sz="800" dirty="0" smtClean="0"/>
-                <a:t>Hive Impala</a:t>
-              </a:r>
-              <a:endParaRPr lang="en-GB" sz="800" dirty="0"/>
-            </a:p>
-          </p:txBody>
-        </p:sp>
-        <p:sp>
-          <p:nvSpPr>
-            <p:cNvPr id="44" name="Rectangle 43"/>
-            <p:cNvSpPr/>
-            <p:nvPr/>
-          </p:nvSpPr>
-          <p:spPr>
-            <a:xfrm>
-              <a:off x="5181528" y="6453336"/>
-              <a:ext cx="611560" cy="404664"/>
-            </a:xfrm>
-            <a:prstGeom prst="rect">
-              <a:avLst/>
-            </a:prstGeom>
-            <a:noFill/>
-            <a:ln>
-              <a:solidFill>
-                <a:schemeClr val="bg1"/>
-              </a:solidFill>
-            </a:ln>
-          </p:spPr>
-          <p:style>
-            <a:lnRef idx="2">
-              <a:schemeClr val="accent1">
-                <a:shade val="50000"/>
-              </a:schemeClr>
-            </a:lnRef>
-            <a:fillRef idx="1">
-              <a:schemeClr val="accent1"/>
-            </a:fillRef>
-            <a:effectRef idx="0">
-              <a:schemeClr val="accent1"/>
-            </a:effectRef>
-            <a:fontRef idx="minor">
-              <a:schemeClr val="lt1"/>
-            </a:fontRef>
-          </p:style>
-          <p:txBody>
-            <a:bodyPr rtlCol="0" anchor="ctr"/>
-            <a:lstStyle/>
-            <a:p>
-              <a:pPr algn="ctr"/>
-              <a:r>
-                <a:rPr lang="en-GB" sz="800" dirty="0" err="1" smtClean="0"/>
-                <a:t>Scala</a:t>
-              </a:r>
-              <a:endParaRPr lang="en-GB" sz="800" dirty="0"/>
-            </a:p>
-          </p:txBody>
-        </p:sp>
-        <p:sp>
-          <p:nvSpPr>
-            <p:cNvPr id="45" name="Rectangle 44"/>
-            <p:cNvSpPr/>
-            <p:nvPr/>
-          </p:nvSpPr>
-          <p:spPr>
-            <a:xfrm>
-              <a:off x="5793088" y="6453336"/>
-              <a:ext cx="611560" cy="404664"/>
-            </a:xfrm>
-            <a:prstGeom prst="rect">
-              <a:avLst/>
-            </a:prstGeom>
-            <a:noFill/>
-            <a:ln>
-              <a:solidFill>
-                <a:schemeClr val="bg1"/>
-              </a:solidFill>
-            </a:ln>
-          </p:spPr>
-          <p:style>
-            <a:lnRef idx="2">
-              <a:schemeClr val="accent1">
-                <a:shade val="50000"/>
-              </a:schemeClr>
-            </a:lnRef>
-            <a:fillRef idx="1">
-              <a:schemeClr val="accent1"/>
-            </a:fillRef>
-            <a:effectRef idx="0">
-              <a:schemeClr val="accent1"/>
-            </a:effectRef>
-            <a:fontRef idx="minor">
-              <a:schemeClr val="lt1"/>
-            </a:fontRef>
-          </p:style>
-          <p:txBody>
-            <a:bodyPr rtlCol="0" anchor="ctr"/>
-            <a:lstStyle/>
-            <a:p>
-              <a:pPr algn="ctr"/>
-              <a:r>
-                <a:rPr lang="en-GB" sz="800" dirty="0" smtClean="0"/>
-                <a:t>Spark</a:t>
-              </a:r>
-              <a:endParaRPr lang="en-GB" sz="800" dirty="0"/>
-            </a:p>
-          </p:txBody>
-        </p:sp>
-        <p:sp>
-          <p:nvSpPr>
-            <p:cNvPr id="46" name="Rectangle 45"/>
-            <p:cNvSpPr/>
-            <p:nvPr/>
-          </p:nvSpPr>
-          <p:spPr>
-            <a:xfrm>
-              <a:off x="6404648" y="6453336"/>
-              <a:ext cx="611560" cy="404664"/>
-            </a:xfrm>
-            <a:prstGeom prst="rect">
-              <a:avLst/>
-            </a:prstGeom>
-            <a:noFill/>
-            <a:ln>
-              <a:solidFill>
-                <a:schemeClr val="bg1"/>
-              </a:solidFill>
-            </a:ln>
-          </p:spPr>
-          <p:style>
-            <a:lnRef idx="2">
-              <a:schemeClr val="accent1">
-                <a:shade val="50000"/>
-              </a:schemeClr>
-            </a:lnRef>
-            <a:fillRef idx="1">
-              <a:schemeClr val="accent1"/>
-            </a:fillRef>
-            <a:effectRef idx="0">
-              <a:schemeClr val="accent1"/>
-            </a:effectRef>
-            <a:fontRef idx="minor">
-              <a:schemeClr val="lt1"/>
-            </a:fontRef>
-          </p:style>
-          <p:txBody>
-            <a:bodyPr rtlCol="0" anchor="ctr"/>
-            <a:lstStyle/>
-            <a:p>
-              <a:pPr algn="ctr"/>
-              <a:r>
-                <a:rPr lang="en-GB" sz="800" dirty="0" err="1" smtClean="0"/>
-                <a:t>Pentaho</a:t>
-              </a:r>
-              <a:endParaRPr lang="en-GB" sz="800" dirty="0"/>
-            </a:p>
-          </p:txBody>
-        </p:sp>
-        <p:sp>
-          <p:nvSpPr>
-            <p:cNvPr id="47" name="Rectangle 46"/>
-            <p:cNvSpPr/>
-            <p:nvPr/>
-          </p:nvSpPr>
-          <p:spPr>
-            <a:xfrm>
-              <a:off x="7016208" y="6453336"/>
-              <a:ext cx="609819" cy="404664"/>
-            </a:xfrm>
-            <a:prstGeom prst="rect">
-              <a:avLst/>
-            </a:prstGeom>
-            <a:noFill/>
-            <a:ln>
-              <a:solidFill>
-                <a:schemeClr val="bg1"/>
-              </a:solidFill>
-            </a:ln>
-          </p:spPr>
-          <p:style>
-            <a:lnRef idx="2">
-              <a:schemeClr val="accent1">
-                <a:shade val="50000"/>
-              </a:schemeClr>
-            </a:lnRef>
-            <a:fillRef idx="1">
-              <a:schemeClr val="accent1"/>
-            </a:fillRef>
-            <a:effectRef idx="0">
-              <a:schemeClr val="accent1"/>
-            </a:effectRef>
-            <a:fontRef idx="minor">
-              <a:schemeClr val="lt1"/>
-            </a:fontRef>
-          </p:style>
-          <p:txBody>
-            <a:bodyPr rtlCol="0" anchor="ctr"/>
-            <a:lstStyle/>
-            <a:p>
-              <a:pPr algn="ctr"/>
-              <a:r>
-                <a:rPr lang="en-GB" sz="800" dirty="0" smtClean="0"/>
-                <a:t>Agile SCRUM</a:t>
-              </a:r>
-              <a:endParaRPr lang="en-GB" sz="800" dirty="0"/>
-            </a:p>
-          </p:txBody>
-        </p:sp>
-        <p:sp>
-          <p:nvSpPr>
-            <p:cNvPr id="48" name="Rectangle 47"/>
-            <p:cNvSpPr/>
-            <p:nvPr/>
-          </p:nvSpPr>
-          <p:spPr>
-            <a:xfrm>
-              <a:off x="7626027" y="6453336"/>
-              <a:ext cx="611560" cy="404664"/>
-            </a:xfrm>
-            <a:prstGeom prst="rect">
-              <a:avLst/>
-            </a:prstGeom>
-            <a:noFill/>
-            <a:ln>
-              <a:solidFill>
-                <a:schemeClr val="bg1"/>
-              </a:solidFill>
-            </a:ln>
-          </p:spPr>
-          <p:style>
-            <a:lnRef idx="2">
-              <a:schemeClr val="accent1">
-                <a:shade val="50000"/>
-              </a:schemeClr>
-            </a:lnRef>
-            <a:fillRef idx="1">
-              <a:schemeClr val="accent1"/>
-            </a:fillRef>
-            <a:effectRef idx="0">
-              <a:schemeClr val="accent1"/>
-            </a:effectRef>
-            <a:fontRef idx="minor">
-              <a:schemeClr val="lt1"/>
-            </a:fontRef>
-          </p:style>
-          <p:txBody>
-            <a:bodyPr rtlCol="0" anchor="ctr"/>
-            <a:lstStyle/>
-            <a:p>
-              <a:pPr algn="ctr"/>
-              <a:r>
-                <a:rPr lang="en-GB" sz="800" dirty="0" smtClean="0"/>
-                <a:t>Final Project</a:t>
-              </a:r>
-              <a:endParaRPr lang="en-GB" sz="800" dirty="0"/>
-            </a:p>
-          </p:txBody>
-        </p:sp>
-        <p:sp>
-          <p:nvSpPr>
-            <p:cNvPr id="49" name="Rectangle 48"/>
-            <p:cNvSpPr/>
-            <p:nvPr/>
-          </p:nvSpPr>
-          <p:spPr>
-            <a:xfrm>
-              <a:off x="8237587" y="6453336"/>
-              <a:ext cx="899591" cy="404664"/>
-            </a:xfrm>
-            <a:prstGeom prst="rect">
-              <a:avLst/>
-            </a:prstGeom>
-            <a:noFill/>
-            <a:ln>
-              <a:solidFill>
-                <a:schemeClr val="bg1"/>
-              </a:solidFill>
-            </a:ln>
-          </p:spPr>
-          <p:style>
-            <a:lnRef idx="2">
-              <a:schemeClr val="accent1">
-                <a:shade val="50000"/>
-              </a:schemeClr>
-            </a:lnRef>
-            <a:fillRef idx="1">
-              <a:schemeClr val="accent1"/>
-            </a:fillRef>
-            <a:effectRef idx="0">
-              <a:schemeClr val="accent1"/>
-            </a:effectRef>
-            <a:fontRef idx="minor">
-              <a:schemeClr val="lt1"/>
-            </a:fontRef>
-          </p:style>
-          <p:txBody>
-            <a:bodyPr rtlCol="0" anchor="ctr"/>
-            <a:lstStyle/>
-            <a:p>
-              <a:pPr algn="ctr"/>
-              <a:r>
-                <a:rPr lang="en-GB" sz="800" dirty="0" smtClean="0"/>
-                <a:t>Conclusions</a:t>
-              </a:r>
-              <a:endParaRPr lang="en-GB" sz="800" dirty="0"/>
-            </a:p>
-          </p:txBody>
-        </p:sp>
-      </p:grpSp>
+          <a:prstGeom prst="straightConnector1">
+            <a:avLst/>
+          </a:prstGeom>
+          <a:ln>
+            <a:tailEnd type="arrow"/>
+          </a:ln>
+        </p:spPr>
+        <p:style>
+          <a:lnRef idx="1">
+            <a:schemeClr val="accent1"/>
+          </a:lnRef>
+          <a:fillRef idx="0">
+            <a:schemeClr val="accent1"/>
+          </a:fillRef>
+          <a:effectRef idx="0">
+            <a:schemeClr val="accent1"/>
+          </a:effectRef>
+          <a:fontRef idx="minor">
+            <a:schemeClr val="tx1"/>
+          </a:fontRef>
+        </p:style>
+      </p:cxnSp>
     </p:spTree>
     <p:extLst>
       <p:ext uri="{BB962C8B-B14F-4D97-AF65-F5344CB8AC3E}">
@@ -14111,7 +14179,7 @@
           <a:p>
             <a:r>
               <a:rPr lang="en-GB" dirty="0" smtClean="0"/>
-              <a:t>Can also use internal databases for import the data</a:t>
+              <a:t>Can also use internal databases for import the data, which stores the data slightly differently</a:t>
             </a:r>
           </a:p>
           <a:p>
@@ -15310,6 +15378,42 @@
           </p:txBody>
         </p:sp>
       </p:grpSp>
+      <p:cxnSp>
+        <p:nvCxnSpPr>
+          <p:cNvPr id="22" name="Straight Arrow Connector 21"/>
+          <p:cNvCxnSpPr>
+            <a:stCxn id="13315" idx="1"/>
+            <a:endCxn id="36" idx="3"/>
+          </p:cNvCxnSpPr>
+          <p:nvPr/>
+        </p:nvCxnSpPr>
+        <p:spPr>
+          <a:xfrm flipH="1">
+            <a:off x="3455330" y="4231370"/>
+            <a:ext cx="1169093" cy="249248"/>
+          </a:xfrm>
+          <a:prstGeom prst="straightConnector1">
+            <a:avLst/>
+          </a:prstGeom>
+          <a:ln>
+            <a:tailEnd type="arrow"/>
+          </a:ln>
+        </p:spPr>
+        <p:style>
+          <a:lnRef idx="1">
+            <a:schemeClr val="accent1"/>
+          </a:lnRef>
+          <a:fillRef idx="0">
+            <a:schemeClr val="accent1"/>
+          </a:fillRef>
+          <a:effectRef idx="0">
+            <a:schemeClr val="accent1"/>
+          </a:effectRef>
+          <a:fontRef idx="minor">
+            <a:schemeClr val="tx1"/>
+          </a:fontRef>
+        </p:style>
+      </p:cxnSp>
     </p:spTree>
     <p:extLst>
       <p:ext uri="{BB962C8B-B14F-4D97-AF65-F5344CB8AC3E}">
@@ -17686,6 +17790,15 @@
               <a:rPr lang="en-GB" dirty="0" smtClean="0"/>
               <a:t>Impala works similarly when importing data and setting up the database</a:t>
             </a:r>
+          </a:p>
+          <a:p>
+            <a:endParaRPr lang="en-GB" dirty="0"/>
+          </a:p>
+          <a:p>
+            <a:r>
+              <a:rPr lang="en-GB" dirty="0" smtClean="0"/>
+              <a:t>Some differences in keywords</a:t>
+            </a:r>
             <a:endParaRPr lang="en-GB" dirty="0"/>
           </a:p>
           <a:p>
@@ -18745,7 +18858,9 @@
         </p:nvSpPr>
         <p:spPr/>
         <p:txBody>
-          <a:bodyPr/>
+          <a:bodyPr>
+            <a:normAutofit lnSpcReduction="10000"/>
+          </a:bodyPr>
           <a:lstStyle/>
           <a:p>
             <a:r>
@@ -18774,13 +18889,13 @@
             <a:pPr lvl="1"/>
             <a:r>
               <a:rPr lang="en-GB" dirty="0" smtClean="0"/>
-              <a:t>Initially slow but scales well</a:t>
+              <a:t>Initially slow but consistent and scales well</a:t>
             </a:r>
           </a:p>
           <a:p>
             <a:r>
               <a:rPr lang="en-GB" dirty="0" smtClean="0"/>
-              <a:t>Impala runs queries straight from the RAM</a:t>
+              <a:t>Impala runs queries straight through RAM</a:t>
             </a:r>
           </a:p>
           <a:p>
@@ -18854,7 +18969,7 @@
         </p:nvSpPr>
         <p:spPr>
           <a:xfrm>
-            <a:off x="6290307" y="3152001"/>
+            <a:off x="6290307" y="2790220"/>
             <a:ext cx="567784" cy="276999"/>
           </a:xfrm>
           <a:prstGeom prst="rect">
@@ -18884,7 +18999,7 @@
         </p:nvSpPr>
         <p:spPr>
           <a:xfrm>
-            <a:off x="6183888" y="4232121"/>
+            <a:off x="6183888" y="3870340"/>
             <a:ext cx="764376" cy="276999"/>
           </a:xfrm>
           <a:prstGeom prst="rect">
@@ -18914,7 +19029,7 @@
         </p:nvSpPr>
         <p:spPr>
           <a:xfrm>
-            <a:off x="5269994" y="1988840"/>
+            <a:off x="5269994" y="1916832"/>
             <a:ext cx="2720617" cy="646331"/>
           </a:xfrm>
           <a:prstGeom prst="rect">
@@ -18976,7 +19091,7 @@
         </p:blipFill>
         <p:spPr bwMode="auto">
           <a:xfrm>
-            <a:off x="4963510" y="3571143"/>
+            <a:off x="4963510" y="3209362"/>
             <a:ext cx="3444684" cy="335086"/>
           </a:xfrm>
           <a:prstGeom prst="rect">
@@ -19040,7 +19155,7 @@
         </p:blipFill>
         <p:spPr bwMode="auto">
           <a:xfrm>
-            <a:off x="4963511" y="4653136"/>
+            <a:off x="4963511" y="4291355"/>
             <a:ext cx="3444684" cy="317714"/>
           </a:xfrm>
           <a:prstGeom prst="rect">
@@ -19866,8 +19981,17 @@
             </a:r>
             <a:r>
               <a:rPr lang="en-GB" dirty="0" smtClean="0"/>
-              <a:t> language in much more detail, including several tutorials on functional programming</a:t>
+              <a:t> language in much more detail</a:t>
             </a:r>
+          </a:p>
+          <a:p>
+            <a:pPr lvl="1"/>
+            <a:r>
+              <a:rPr lang="en-GB" sz="1400" dirty="0" smtClean="0"/>
+              <a:t>A focus on functional programming for use in Spark</a:t>
+            </a:r>
+          </a:p>
+          <a:p>
             <a:endParaRPr lang="en-GB" dirty="0"/>
           </a:p>
           <a:p>
@@ -19918,9 +20042,755 @@
           </a:p>
         </p:txBody>
       </p:sp>
+      <p:sp>
+        <p:nvSpPr>
+          <p:cNvPr id="5" name="Slide Number Placeholder 4"/>
+          <p:cNvSpPr>
+            <a:spLocks noGrp="1"/>
+          </p:cNvSpPr>
+          <p:nvPr>
+            <p:ph type="sldNum" sz="quarter" idx="12"/>
+          </p:nvPr>
+        </p:nvSpPr>
+        <p:spPr/>
+        <p:txBody>
+          <a:bodyPr/>
+          <a:lstStyle/>
+          <a:p>
+            <a:fld id="{63DD302D-FBDC-4F5A-A4A2-20337FC70061}" type="slidenum">
+              <a:rPr lang="en-GB" smtClean="0"/>
+              <a:t>23</a:t>
+            </a:fld>
+            <a:endParaRPr lang="en-GB"/>
+          </a:p>
+        </p:txBody>
+      </p:sp>
+      <p:grpSp>
+        <p:nvGrpSpPr>
+          <p:cNvPr id="23" name="Group 22"/>
+          <p:cNvGrpSpPr>
+            <a:grpSpLocks noChangeAspect="1"/>
+          </p:cNvGrpSpPr>
+          <p:nvPr/>
+        </p:nvGrpSpPr>
+        <p:grpSpPr>
+          <a:xfrm>
+            <a:off x="-1" y="6453336"/>
+            <a:ext cx="9137179" cy="404664"/>
+            <a:chOff x="-1" y="6453336"/>
+            <a:chExt cx="9137179" cy="404664"/>
+          </a:xfrm>
+        </p:grpSpPr>
+        <p:sp>
+          <p:nvSpPr>
+            <p:cNvPr id="24" name="Rectangle 23"/>
+            <p:cNvSpPr/>
+            <p:nvPr/>
+          </p:nvSpPr>
+          <p:spPr>
+            <a:xfrm>
+              <a:off x="-1" y="6453336"/>
+              <a:ext cx="905469" cy="404664"/>
+            </a:xfrm>
+            <a:prstGeom prst="rect">
+              <a:avLst/>
+            </a:prstGeom>
+            <a:noFill/>
+            <a:ln>
+              <a:solidFill>
+                <a:schemeClr val="bg1"/>
+              </a:solidFill>
+            </a:ln>
+          </p:spPr>
+          <p:style>
+            <a:lnRef idx="2">
+              <a:schemeClr val="accent1">
+                <a:shade val="50000"/>
+              </a:schemeClr>
+            </a:lnRef>
+            <a:fillRef idx="1">
+              <a:schemeClr val="accent1"/>
+            </a:fillRef>
+            <a:effectRef idx="0">
+              <a:schemeClr val="accent1"/>
+            </a:effectRef>
+            <a:fontRef idx="minor">
+              <a:schemeClr val="lt1"/>
+            </a:fontRef>
+          </p:style>
+          <p:txBody>
+            <a:bodyPr rtlCol="0" anchor="ctr"/>
+            <a:lstStyle/>
+            <a:p>
+              <a:pPr algn="ctr"/>
+              <a:r>
+                <a:rPr lang="en-GB" sz="800" dirty="0" smtClean="0"/>
+                <a:t>Introduction</a:t>
+              </a:r>
+              <a:endParaRPr lang="en-GB" sz="900" dirty="0"/>
+            </a:p>
+          </p:txBody>
+        </p:sp>
+        <p:sp>
+          <p:nvSpPr>
+            <p:cNvPr id="25" name="Rectangle 24"/>
+            <p:cNvSpPr/>
+            <p:nvPr/>
+          </p:nvSpPr>
+          <p:spPr>
+            <a:xfrm>
+              <a:off x="2128588" y="6453336"/>
+              <a:ext cx="606699" cy="404664"/>
+            </a:xfrm>
+            <a:prstGeom prst="rect">
+              <a:avLst/>
+            </a:prstGeom>
+            <a:noFill/>
+            <a:ln>
+              <a:solidFill>
+                <a:schemeClr val="bg1"/>
+              </a:solidFill>
+            </a:ln>
+          </p:spPr>
+          <p:style>
+            <a:lnRef idx="2">
+              <a:schemeClr val="accent1">
+                <a:shade val="50000"/>
+              </a:schemeClr>
+            </a:lnRef>
+            <a:fillRef idx="1">
+              <a:schemeClr val="accent1"/>
+            </a:fillRef>
+            <a:effectRef idx="0">
+              <a:schemeClr val="accent1"/>
+            </a:effectRef>
+            <a:fontRef idx="minor">
+              <a:schemeClr val="lt1"/>
+            </a:fontRef>
+          </p:style>
+          <p:txBody>
+            <a:bodyPr rtlCol="0" anchor="ctr"/>
+            <a:lstStyle/>
+            <a:p>
+              <a:pPr algn="ctr"/>
+              <a:r>
+                <a:rPr lang="en-GB" sz="800" dirty="0" smtClean="0"/>
+                <a:t>SQL</a:t>
+              </a:r>
+              <a:endParaRPr lang="en-GB" sz="800" dirty="0"/>
+            </a:p>
+          </p:txBody>
+        </p:sp>
+        <p:sp>
+          <p:nvSpPr>
+            <p:cNvPr id="26" name="Rectangle 25"/>
+            <p:cNvSpPr/>
+            <p:nvPr/>
+          </p:nvSpPr>
+          <p:spPr>
+            <a:xfrm>
+              <a:off x="1517029" y="6453336"/>
+              <a:ext cx="611560" cy="404664"/>
+            </a:xfrm>
+            <a:prstGeom prst="rect">
+              <a:avLst/>
+            </a:prstGeom>
+            <a:noFill/>
+            <a:ln>
+              <a:solidFill>
+                <a:schemeClr val="bg1"/>
+              </a:solidFill>
+            </a:ln>
+          </p:spPr>
+          <p:style>
+            <a:lnRef idx="2">
+              <a:schemeClr val="accent1">
+                <a:shade val="50000"/>
+              </a:schemeClr>
+            </a:lnRef>
+            <a:fillRef idx="1">
+              <a:schemeClr val="accent1"/>
+            </a:fillRef>
+            <a:effectRef idx="0">
+              <a:schemeClr val="accent1"/>
+            </a:effectRef>
+            <a:fontRef idx="minor">
+              <a:schemeClr val="lt1"/>
+            </a:fontRef>
+          </p:style>
+          <p:txBody>
+            <a:bodyPr rtlCol="0" anchor="ctr"/>
+            <a:lstStyle/>
+            <a:p>
+              <a:pPr algn="ctr"/>
+              <a:r>
+                <a:rPr lang="en-GB" sz="800" dirty="0" smtClean="0"/>
+                <a:t>R</a:t>
+              </a:r>
+              <a:endParaRPr lang="en-GB" sz="800" dirty="0"/>
+            </a:p>
+          </p:txBody>
+        </p:sp>
+        <p:sp>
+          <p:nvSpPr>
+            <p:cNvPr id="27" name="Rectangle 26"/>
+            <p:cNvSpPr/>
+            <p:nvPr/>
+          </p:nvSpPr>
+          <p:spPr>
+            <a:xfrm>
+              <a:off x="2735288" y="6453336"/>
+              <a:ext cx="611560" cy="404664"/>
+            </a:xfrm>
+            <a:prstGeom prst="rect">
+              <a:avLst/>
+            </a:prstGeom>
+            <a:noFill/>
+            <a:ln>
+              <a:solidFill>
+                <a:schemeClr val="bg1"/>
+              </a:solidFill>
+            </a:ln>
+          </p:spPr>
+          <p:style>
+            <a:lnRef idx="2">
+              <a:schemeClr val="accent1">
+                <a:shade val="50000"/>
+              </a:schemeClr>
+            </a:lnRef>
+            <a:fillRef idx="1">
+              <a:schemeClr val="accent1"/>
+            </a:fillRef>
+            <a:effectRef idx="0">
+              <a:schemeClr val="accent1"/>
+            </a:effectRef>
+            <a:fontRef idx="minor">
+              <a:schemeClr val="lt1"/>
+            </a:fontRef>
+          </p:style>
+          <p:txBody>
+            <a:bodyPr rtlCol="0" anchor="ctr"/>
+            <a:lstStyle/>
+            <a:p>
+              <a:pPr algn="ctr"/>
+              <a:r>
+                <a:rPr lang="en-GB" sz="800" dirty="0" err="1" smtClean="0"/>
+                <a:t>Hadoop</a:t>
+              </a:r>
+              <a:r>
+                <a:rPr lang="en-GB" sz="800" dirty="0" smtClean="0"/>
+                <a:t> Cluster</a:t>
+              </a:r>
+              <a:endParaRPr lang="en-GB" sz="800" dirty="0"/>
+            </a:p>
+          </p:txBody>
+        </p:sp>
+        <p:sp>
+          <p:nvSpPr>
+            <p:cNvPr id="28" name="Rectangle 27"/>
+            <p:cNvSpPr/>
+            <p:nvPr/>
+          </p:nvSpPr>
+          <p:spPr>
+            <a:xfrm>
+              <a:off x="905469" y="6453336"/>
+              <a:ext cx="611560" cy="404664"/>
+            </a:xfrm>
+            <a:prstGeom prst="rect">
+              <a:avLst/>
+            </a:prstGeom>
+            <a:noFill/>
+            <a:ln>
+              <a:solidFill>
+                <a:schemeClr val="bg1"/>
+              </a:solidFill>
+            </a:ln>
+          </p:spPr>
+          <p:style>
+            <a:lnRef idx="2">
+              <a:schemeClr val="accent1">
+                <a:shade val="50000"/>
+              </a:schemeClr>
+            </a:lnRef>
+            <a:fillRef idx="1">
+              <a:schemeClr val="accent1"/>
+            </a:fillRef>
+            <a:effectRef idx="0">
+              <a:schemeClr val="accent1"/>
+            </a:effectRef>
+            <a:fontRef idx="minor">
+              <a:schemeClr val="lt1"/>
+            </a:fontRef>
+          </p:style>
+          <p:txBody>
+            <a:bodyPr rtlCol="0" anchor="ctr"/>
+            <a:lstStyle/>
+            <a:p>
+              <a:pPr algn="ctr"/>
+              <a:r>
+                <a:rPr lang="en-GB" sz="800" dirty="0" smtClean="0"/>
+                <a:t>Python</a:t>
+              </a:r>
+              <a:endParaRPr lang="en-GB" sz="800" dirty="0"/>
+            </a:p>
+          </p:txBody>
+        </p:sp>
+        <p:sp>
+          <p:nvSpPr>
+            <p:cNvPr id="29" name="Rectangle 28"/>
+            <p:cNvSpPr/>
+            <p:nvPr/>
+          </p:nvSpPr>
+          <p:spPr>
+            <a:xfrm>
+              <a:off x="3346848" y="6453336"/>
+              <a:ext cx="611560" cy="404664"/>
+            </a:xfrm>
+            <a:prstGeom prst="rect">
+              <a:avLst/>
+            </a:prstGeom>
+            <a:noFill/>
+            <a:ln>
+              <a:solidFill>
+                <a:schemeClr val="bg1"/>
+              </a:solidFill>
+            </a:ln>
+          </p:spPr>
+          <p:style>
+            <a:lnRef idx="2">
+              <a:schemeClr val="accent1">
+                <a:shade val="50000"/>
+              </a:schemeClr>
+            </a:lnRef>
+            <a:fillRef idx="1">
+              <a:schemeClr val="accent1"/>
+            </a:fillRef>
+            <a:effectRef idx="0">
+              <a:schemeClr val="accent1"/>
+            </a:effectRef>
+            <a:fontRef idx="minor">
+              <a:schemeClr val="lt1"/>
+            </a:fontRef>
+          </p:style>
+          <p:txBody>
+            <a:bodyPr rtlCol="0" anchor="ctr"/>
+            <a:lstStyle/>
+            <a:p>
+              <a:pPr algn="ctr"/>
+              <a:r>
+                <a:rPr lang="en-GB" sz="800" dirty="0" smtClean="0"/>
+                <a:t>Mongo DB</a:t>
+              </a:r>
+              <a:endParaRPr lang="en-GB" sz="800" dirty="0"/>
+            </a:p>
+          </p:txBody>
+        </p:sp>
+        <p:sp>
+          <p:nvSpPr>
+            <p:cNvPr id="30" name="Rectangle 29"/>
+            <p:cNvSpPr/>
+            <p:nvPr/>
+          </p:nvSpPr>
+          <p:spPr>
+            <a:xfrm>
+              <a:off x="3958408" y="6453336"/>
+              <a:ext cx="611560" cy="404664"/>
+            </a:xfrm>
+            <a:prstGeom prst="rect">
+              <a:avLst/>
+            </a:prstGeom>
+            <a:noFill/>
+            <a:ln>
+              <a:solidFill>
+                <a:schemeClr val="bg1"/>
+              </a:solidFill>
+            </a:ln>
+          </p:spPr>
+          <p:style>
+            <a:lnRef idx="2">
+              <a:schemeClr val="accent1">
+                <a:shade val="50000"/>
+              </a:schemeClr>
+            </a:lnRef>
+            <a:fillRef idx="1">
+              <a:schemeClr val="accent1"/>
+            </a:fillRef>
+            <a:effectRef idx="0">
+              <a:schemeClr val="accent1"/>
+            </a:effectRef>
+            <a:fontRef idx="minor">
+              <a:schemeClr val="lt1"/>
+            </a:fontRef>
+          </p:style>
+          <p:txBody>
+            <a:bodyPr rtlCol="0" anchor="ctr"/>
+            <a:lstStyle/>
+            <a:p>
+              <a:pPr algn="ctr"/>
+              <a:r>
+                <a:rPr lang="en-GB" sz="800" dirty="0" smtClean="0"/>
+                <a:t>CI</a:t>
+              </a:r>
+              <a:endParaRPr lang="en-GB" sz="800" dirty="0"/>
+            </a:p>
+          </p:txBody>
+        </p:sp>
+        <p:sp>
+          <p:nvSpPr>
+            <p:cNvPr id="31" name="Rectangle 30"/>
+            <p:cNvSpPr/>
+            <p:nvPr/>
+          </p:nvSpPr>
+          <p:spPr>
+            <a:xfrm>
+              <a:off x="4569968" y="6453336"/>
+              <a:ext cx="611560" cy="404664"/>
+            </a:xfrm>
+            <a:prstGeom prst="rect">
+              <a:avLst/>
+            </a:prstGeom>
+            <a:noFill/>
+            <a:ln>
+              <a:solidFill>
+                <a:schemeClr val="bg1"/>
+              </a:solidFill>
+            </a:ln>
+          </p:spPr>
+          <p:style>
+            <a:lnRef idx="2">
+              <a:schemeClr val="accent1">
+                <a:shade val="50000"/>
+              </a:schemeClr>
+            </a:lnRef>
+            <a:fillRef idx="1">
+              <a:schemeClr val="accent1"/>
+            </a:fillRef>
+            <a:effectRef idx="0">
+              <a:schemeClr val="accent1"/>
+            </a:effectRef>
+            <a:fontRef idx="minor">
+              <a:schemeClr val="lt1"/>
+            </a:fontRef>
+          </p:style>
+          <p:txBody>
+            <a:bodyPr rtlCol="0" anchor="ctr"/>
+            <a:lstStyle/>
+            <a:p>
+              <a:pPr algn="ctr"/>
+              <a:r>
+                <a:rPr lang="en-GB" sz="800" dirty="0" smtClean="0"/>
+                <a:t>Hive Impala</a:t>
+              </a:r>
+              <a:endParaRPr lang="en-GB" sz="800" dirty="0"/>
+            </a:p>
+          </p:txBody>
+        </p:sp>
+        <p:sp>
+          <p:nvSpPr>
+            <p:cNvPr id="32" name="Rectangle 31"/>
+            <p:cNvSpPr/>
+            <p:nvPr/>
+          </p:nvSpPr>
+          <p:spPr>
+            <a:xfrm>
+              <a:off x="5181528" y="6453336"/>
+              <a:ext cx="611560" cy="404664"/>
+            </a:xfrm>
+            <a:prstGeom prst="rect">
+              <a:avLst/>
+            </a:prstGeom>
+            <a:solidFill>
+              <a:schemeClr val="bg1"/>
+            </a:solidFill>
+            <a:ln>
+              <a:solidFill>
+                <a:schemeClr val="bg1"/>
+              </a:solidFill>
+            </a:ln>
+          </p:spPr>
+          <p:style>
+            <a:lnRef idx="2">
+              <a:schemeClr val="accent1">
+                <a:shade val="50000"/>
+              </a:schemeClr>
+            </a:lnRef>
+            <a:fillRef idx="1">
+              <a:schemeClr val="accent1"/>
+            </a:fillRef>
+            <a:effectRef idx="0">
+              <a:schemeClr val="accent1"/>
+            </a:effectRef>
+            <a:fontRef idx="minor">
+              <a:schemeClr val="lt1"/>
+            </a:fontRef>
+          </p:style>
+          <p:txBody>
+            <a:bodyPr rtlCol="0" anchor="ctr"/>
+            <a:lstStyle/>
+            <a:p>
+              <a:pPr algn="ctr"/>
+              <a:r>
+                <a:rPr lang="en-GB" sz="800" dirty="0" err="1" smtClean="0"/>
+                <a:t>Scala</a:t>
+              </a:r>
+              <a:endParaRPr lang="en-GB" sz="800" dirty="0"/>
+            </a:p>
+          </p:txBody>
+        </p:sp>
+        <p:sp>
+          <p:nvSpPr>
+            <p:cNvPr id="33" name="Rectangle 32"/>
+            <p:cNvSpPr/>
+            <p:nvPr/>
+          </p:nvSpPr>
+          <p:spPr>
+            <a:xfrm>
+              <a:off x="5793088" y="6453336"/>
+              <a:ext cx="611560" cy="404664"/>
+            </a:xfrm>
+            <a:prstGeom prst="rect">
+              <a:avLst/>
+            </a:prstGeom>
+            <a:noFill/>
+            <a:ln>
+              <a:solidFill>
+                <a:schemeClr val="bg1"/>
+              </a:solidFill>
+            </a:ln>
+          </p:spPr>
+          <p:style>
+            <a:lnRef idx="2">
+              <a:schemeClr val="accent1">
+                <a:shade val="50000"/>
+              </a:schemeClr>
+            </a:lnRef>
+            <a:fillRef idx="1">
+              <a:schemeClr val="accent1"/>
+            </a:fillRef>
+            <a:effectRef idx="0">
+              <a:schemeClr val="accent1"/>
+            </a:effectRef>
+            <a:fontRef idx="minor">
+              <a:schemeClr val="lt1"/>
+            </a:fontRef>
+          </p:style>
+          <p:txBody>
+            <a:bodyPr rtlCol="0" anchor="ctr"/>
+            <a:lstStyle/>
+            <a:p>
+              <a:pPr algn="ctr"/>
+              <a:r>
+                <a:rPr lang="en-GB" sz="800" dirty="0" smtClean="0"/>
+                <a:t>Spark</a:t>
+              </a:r>
+              <a:endParaRPr lang="en-GB" sz="800" dirty="0"/>
+            </a:p>
+          </p:txBody>
+        </p:sp>
+        <p:sp>
+          <p:nvSpPr>
+            <p:cNvPr id="34" name="Rectangle 33"/>
+            <p:cNvSpPr/>
+            <p:nvPr/>
+          </p:nvSpPr>
+          <p:spPr>
+            <a:xfrm>
+              <a:off x="6404648" y="6453336"/>
+              <a:ext cx="611560" cy="404664"/>
+            </a:xfrm>
+            <a:prstGeom prst="rect">
+              <a:avLst/>
+            </a:prstGeom>
+            <a:noFill/>
+            <a:ln>
+              <a:solidFill>
+                <a:schemeClr val="bg1"/>
+              </a:solidFill>
+            </a:ln>
+          </p:spPr>
+          <p:style>
+            <a:lnRef idx="2">
+              <a:schemeClr val="accent1">
+                <a:shade val="50000"/>
+              </a:schemeClr>
+            </a:lnRef>
+            <a:fillRef idx="1">
+              <a:schemeClr val="accent1"/>
+            </a:fillRef>
+            <a:effectRef idx="0">
+              <a:schemeClr val="accent1"/>
+            </a:effectRef>
+            <a:fontRef idx="minor">
+              <a:schemeClr val="lt1"/>
+            </a:fontRef>
+          </p:style>
+          <p:txBody>
+            <a:bodyPr rtlCol="0" anchor="ctr"/>
+            <a:lstStyle/>
+            <a:p>
+              <a:pPr algn="ctr"/>
+              <a:r>
+                <a:rPr lang="en-GB" sz="800" dirty="0" err="1" smtClean="0"/>
+                <a:t>Pentaho</a:t>
+              </a:r>
+              <a:endParaRPr lang="en-GB" sz="800" dirty="0"/>
+            </a:p>
+          </p:txBody>
+        </p:sp>
+        <p:sp>
+          <p:nvSpPr>
+            <p:cNvPr id="35" name="Rectangle 34"/>
+            <p:cNvSpPr/>
+            <p:nvPr/>
+          </p:nvSpPr>
+          <p:spPr>
+            <a:xfrm>
+              <a:off x="7016208" y="6453336"/>
+              <a:ext cx="609819" cy="404664"/>
+            </a:xfrm>
+            <a:prstGeom prst="rect">
+              <a:avLst/>
+            </a:prstGeom>
+            <a:noFill/>
+            <a:ln>
+              <a:solidFill>
+                <a:schemeClr val="bg1"/>
+              </a:solidFill>
+            </a:ln>
+          </p:spPr>
+          <p:style>
+            <a:lnRef idx="2">
+              <a:schemeClr val="accent1">
+                <a:shade val="50000"/>
+              </a:schemeClr>
+            </a:lnRef>
+            <a:fillRef idx="1">
+              <a:schemeClr val="accent1"/>
+            </a:fillRef>
+            <a:effectRef idx="0">
+              <a:schemeClr val="accent1"/>
+            </a:effectRef>
+            <a:fontRef idx="minor">
+              <a:schemeClr val="lt1"/>
+            </a:fontRef>
+          </p:style>
+          <p:txBody>
+            <a:bodyPr rtlCol="0" anchor="ctr"/>
+            <a:lstStyle/>
+            <a:p>
+              <a:pPr algn="ctr"/>
+              <a:r>
+                <a:rPr lang="en-GB" sz="800" dirty="0" smtClean="0"/>
+                <a:t>Agile SCRUM</a:t>
+              </a:r>
+              <a:endParaRPr lang="en-GB" sz="800" dirty="0"/>
+            </a:p>
+          </p:txBody>
+        </p:sp>
+        <p:sp>
+          <p:nvSpPr>
+            <p:cNvPr id="36" name="Rectangle 35"/>
+            <p:cNvSpPr/>
+            <p:nvPr/>
+          </p:nvSpPr>
+          <p:spPr>
+            <a:xfrm>
+              <a:off x="7626027" y="6453336"/>
+              <a:ext cx="611560" cy="404664"/>
+            </a:xfrm>
+            <a:prstGeom prst="rect">
+              <a:avLst/>
+            </a:prstGeom>
+            <a:noFill/>
+            <a:ln>
+              <a:solidFill>
+                <a:schemeClr val="bg1"/>
+              </a:solidFill>
+            </a:ln>
+          </p:spPr>
+          <p:style>
+            <a:lnRef idx="2">
+              <a:schemeClr val="accent1">
+                <a:shade val="50000"/>
+              </a:schemeClr>
+            </a:lnRef>
+            <a:fillRef idx="1">
+              <a:schemeClr val="accent1"/>
+            </a:fillRef>
+            <a:effectRef idx="0">
+              <a:schemeClr val="accent1"/>
+            </a:effectRef>
+            <a:fontRef idx="minor">
+              <a:schemeClr val="lt1"/>
+            </a:fontRef>
+          </p:style>
+          <p:txBody>
+            <a:bodyPr rtlCol="0" anchor="ctr"/>
+            <a:lstStyle/>
+            <a:p>
+              <a:pPr algn="ctr"/>
+              <a:r>
+                <a:rPr lang="en-GB" sz="800" dirty="0" smtClean="0"/>
+                <a:t>Final Project</a:t>
+              </a:r>
+              <a:endParaRPr lang="en-GB" sz="800" dirty="0"/>
+            </a:p>
+          </p:txBody>
+        </p:sp>
+        <p:sp>
+          <p:nvSpPr>
+            <p:cNvPr id="37" name="Rectangle 36"/>
+            <p:cNvSpPr/>
+            <p:nvPr/>
+          </p:nvSpPr>
+          <p:spPr>
+            <a:xfrm>
+              <a:off x="8237587" y="6453336"/>
+              <a:ext cx="899591" cy="404664"/>
+            </a:xfrm>
+            <a:prstGeom prst="rect">
+              <a:avLst/>
+            </a:prstGeom>
+            <a:noFill/>
+            <a:ln>
+              <a:solidFill>
+                <a:schemeClr val="bg1"/>
+              </a:solidFill>
+            </a:ln>
+          </p:spPr>
+          <p:style>
+            <a:lnRef idx="2">
+              <a:schemeClr val="accent1">
+                <a:shade val="50000"/>
+              </a:schemeClr>
+            </a:lnRef>
+            <a:fillRef idx="1">
+              <a:schemeClr val="accent1"/>
+            </a:fillRef>
+            <a:effectRef idx="0">
+              <a:schemeClr val="accent1"/>
+            </a:effectRef>
+            <a:fontRef idx="minor">
+              <a:schemeClr val="lt1"/>
+            </a:fontRef>
+          </p:style>
+          <p:txBody>
+            <a:bodyPr rtlCol="0" anchor="ctr"/>
+            <a:lstStyle/>
+            <a:p>
+              <a:pPr algn="ctr"/>
+              <a:r>
+                <a:rPr lang="en-GB" sz="800" dirty="0" smtClean="0"/>
+                <a:t>Conclusions</a:t>
+              </a:r>
+              <a:endParaRPr lang="en-GB" sz="800" dirty="0"/>
+            </a:p>
+          </p:txBody>
+        </p:sp>
+      </p:grpSp>
       <p:pic>
         <p:nvPicPr>
-          <p:cNvPr id="22" name="Picture 2"/>
+          <p:cNvPr id="12291" name="Picture 3"/>
           <p:cNvPicPr>
             <a:picLocks noChangeAspect="1" noChangeArrowheads="1"/>
           </p:cNvPicPr>
@@ -19941,8 +20811,8 @@
         </p:blipFill>
         <p:spPr bwMode="auto">
           <a:xfrm>
-            <a:off x="569077" y="3881197"/>
-            <a:ext cx="3734503" cy="1896683"/>
+            <a:off x="4499992" y="1700807"/>
+            <a:ext cx="4236537" cy="4291169"/>
           </a:xfrm>
           <a:prstGeom prst="rect">
             <a:avLst/>
@@ -19982,816 +20852,6 @@
           </a:extLst>
         </p:spPr>
       </p:pic>
-      <p:sp>
-        <p:nvSpPr>
-          <p:cNvPr id="5" name="Slide Number Placeholder 4"/>
-          <p:cNvSpPr>
-            <a:spLocks noGrp="1"/>
-          </p:cNvSpPr>
-          <p:nvPr>
-            <p:ph type="sldNum" sz="quarter" idx="12"/>
-          </p:nvPr>
-        </p:nvSpPr>
-        <p:spPr/>
-        <p:txBody>
-          <a:bodyPr/>
-          <a:lstStyle/>
-          <a:p>
-            <a:fld id="{63DD302D-FBDC-4F5A-A4A2-20337FC70061}" type="slidenum">
-              <a:rPr lang="en-GB" smtClean="0"/>
-              <a:t>23</a:t>
-            </a:fld>
-            <a:endParaRPr lang="en-GB"/>
-          </a:p>
-        </p:txBody>
-      </p:sp>
-      <p:pic>
-        <p:nvPicPr>
-          <p:cNvPr id="12289" name="Picture 1"/>
-          <p:cNvPicPr>
-            <a:picLocks noChangeAspect="1" noChangeArrowheads="1"/>
-          </p:cNvPicPr>
-          <p:nvPr/>
-        </p:nvPicPr>
-        <p:blipFill>
-          <a:blip r:embed="rId3">
-            <a:extLst>
-              <a:ext uri="{28A0092B-C50C-407E-A947-70E740481C1C}">
-                <a14:useLocalDpi xmlns:a14="http://schemas.microsoft.com/office/drawing/2010/main" val="0"/>
-              </a:ext>
-            </a:extLst>
-          </a:blip>
-          <a:srcRect/>
-          <a:stretch>
-            <a:fillRect/>
-          </a:stretch>
-        </p:blipFill>
-        <p:spPr bwMode="auto">
-          <a:xfrm>
-            <a:off x="4596796" y="1844824"/>
-            <a:ext cx="4240906" cy="3933056"/>
-          </a:xfrm>
-          <a:prstGeom prst="rect">
-            <a:avLst/>
-          </a:prstGeom>
-          <a:noFill/>
-          <a:ln>
-            <a:noFill/>
-          </a:ln>
-          <a:effectLst/>
-          <a:extLst>
-            <a:ext uri="{909E8E84-426E-40DD-AFC4-6F175D3DCCD1}">
-              <a14:hiddenFill xmlns:a14="http://schemas.microsoft.com/office/drawing/2010/main">
-                <a:solidFill>
-                  <a:schemeClr val="accent1"/>
-                </a:solidFill>
-              </a14:hiddenFill>
-            </a:ext>
-            <a:ext uri="{91240B29-F687-4F45-9708-019B960494DF}">
-              <a14:hiddenLine xmlns:a14="http://schemas.microsoft.com/office/drawing/2010/main" w="9525">
-                <a:solidFill>
-                  <a:schemeClr val="tx1"/>
-                </a:solidFill>
-                <a:miter lim="800000"/>
-                <a:headEnd/>
-                <a:tailEnd/>
-              </a14:hiddenLine>
-            </a:ext>
-            <a:ext uri="{AF507438-7753-43E0-B8FC-AC1667EBCBE1}">
-              <a14:hiddenEffects xmlns:a14="http://schemas.microsoft.com/office/drawing/2010/main">
-                <a:effectLst>
-                  <a:outerShdw dist="35921" dir="2700000" algn="ctr" rotWithShape="0">
-                    <a:schemeClr val="bg2"/>
-                  </a:outerShdw>
-                </a:effectLst>
-              </a14:hiddenEffects>
-            </a:ext>
-          </a:extLst>
-        </p:spPr>
-      </p:pic>
-      <p:grpSp>
-        <p:nvGrpSpPr>
-          <p:cNvPr id="23" name="Group 22"/>
-          <p:cNvGrpSpPr>
-            <a:grpSpLocks noChangeAspect="1"/>
-          </p:cNvGrpSpPr>
-          <p:nvPr/>
-        </p:nvGrpSpPr>
-        <p:grpSpPr>
-          <a:xfrm>
-            <a:off x="-1" y="6453336"/>
-            <a:ext cx="9137179" cy="404664"/>
-            <a:chOff x="-1" y="6453336"/>
-            <a:chExt cx="9137179" cy="404664"/>
-          </a:xfrm>
-        </p:grpSpPr>
-        <p:sp>
-          <p:nvSpPr>
-            <p:cNvPr id="24" name="Rectangle 23"/>
-            <p:cNvSpPr/>
-            <p:nvPr/>
-          </p:nvSpPr>
-          <p:spPr>
-            <a:xfrm>
-              <a:off x="-1" y="6453336"/>
-              <a:ext cx="905469" cy="404664"/>
-            </a:xfrm>
-            <a:prstGeom prst="rect">
-              <a:avLst/>
-            </a:prstGeom>
-            <a:noFill/>
-            <a:ln>
-              <a:solidFill>
-                <a:schemeClr val="bg1"/>
-              </a:solidFill>
-            </a:ln>
-          </p:spPr>
-          <p:style>
-            <a:lnRef idx="2">
-              <a:schemeClr val="accent1">
-                <a:shade val="50000"/>
-              </a:schemeClr>
-            </a:lnRef>
-            <a:fillRef idx="1">
-              <a:schemeClr val="accent1"/>
-            </a:fillRef>
-            <a:effectRef idx="0">
-              <a:schemeClr val="accent1"/>
-            </a:effectRef>
-            <a:fontRef idx="minor">
-              <a:schemeClr val="lt1"/>
-            </a:fontRef>
-          </p:style>
-          <p:txBody>
-            <a:bodyPr rtlCol="0" anchor="ctr"/>
-            <a:lstStyle/>
-            <a:p>
-              <a:pPr algn="ctr"/>
-              <a:r>
-                <a:rPr lang="en-GB" sz="800" dirty="0" smtClean="0"/>
-                <a:t>Introduction</a:t>
-              </a:r>
-              <a:endParaRPr lang="en-GB" sz="900" dirty="0"/>
-            </a:p>
-          </p:txBody>
-        </p:sp>
-        <p:sp>
-          <p:nvSpPr>
-            <p:cNvPr id="25" name="Rectangle 24"/>
-            <p:cNvSpPr/>
-            <p:nvPr/>
-          </p:nvSpPr>
-          <p:spPr>
-            <a:xfrm>
-              <a:off x="2128588" y="6453336"/>
-              <a:ext cx="606699" cy="404664"/>
-            </a:xfrm>
-            <a:prstGeom prst="rect">
-              <a:avLst/>
-            </a:prstGeom>
-            <a:noFill/>
-            <a:ln>
-              <a:solidFill>
-                <a:schemeClr val="bg1"/>
-              </a:solidFill>
-            </a:ln>
-          </p:spPr>
-          <p:style>
-            <a:lnRef idx="2">
-              <a:schemeClr val="accent1">
-                <a:shade val="50000"/>
-              </a:schemeClr>
-            </a:lnRef>
-            <a:fillRef idx="1">
-              <a:schemeClr val="accent1"/>
-            </a:fillRef>
-            <a:effectRef idx="0">
-              <a:schemeClr val="accent1"/>
-            </a:effectRef>
-            <a:fontRef idx="minor">
-              <a:schemeClr val="lt1"/>
-            </a:fontRef>
-          </p:style>
-          <p:txBody>
-            <a:bodyPr rtlCol="0" anchor="ctr"/>
-            <a:lstStyle/>
-            <a:p>
-              <a:pPr algn="ctr"/>
-              <a:r>
-                <a:rPr lang="en-GB" sz="800" dirty="0" smtClean="0"/>
-                <a:t>SQL</a:t>
-              </a:r>
-              <a:endParaRPr lang="en-GB" sz="800" dirty="0"/>
-            </a:p>
-          </p:txBody>
-        </p:sp>
-        <p:sp>
-          <p:nvSpPr>
-            <p:cNvPr id="26" name="Rectangle 25"/>
-            <p:cNvSpPr/>
-            <p:nvPr/>
-          </p:nvSpPr>
-          <p:spPr>
-            <a:xfrm>
-              <a:off x="1517029" y="6453336"/>
-              <a:ext cx="611560" cy="404664"/>
-            </a:xfrm>
-            <a:prstGeom prst="rect">
-              <a:avLst/>
-            </a:prstGeom>
-            <a:noFill/>
-            <a:ln>
-              <a:solidFill>
-                <a:schemeClr val="bg1"/>
-              </a:solidFill>
-            </a:ln>
-          </p:spPr>
-          <p:style>
-            <a:lnRef idx="2">
-              <a:schemeClr val="accent1">
-                <a:shade val="50000"/>
-              </a:schemeClr>
-            </a:lnRef>
-            <a:fillRef idx="1">
-              <a:schemeClr val="accent1"/>
-            </a:fillRef>
-            <a:effectRef idx="0">
-              <a:schemeClr val="accent1"/>
-            </a:effectRef>
-            <a:fontRef idx="minor">
-              <a:schemeClr val="lt1"/>
-            </a:fontRef>
-          </p:style>
-          <p:txBody>
-            <a:bodyPr rtlCol="0" anchor="ctr"/>
-            <a:lstStyle/>
-            <a:p>
-              <a:pPr algn="ctr"/>
-              <a:r>
-                <a:rPr lang="en-GB" sz="800" dirty="0" smtClean="0"/>
-                <a:t>R</a:t>
-              </a:r>
-              <a:endParaRPr lang="en-GB" sz="800" dirty="0"/>
-            </a:p>
-          </p:txBody>
-        </p:sp>
-        <p:sp>
-          <p:nvSpPr>
-            <p:cNvPr id="27" name="Rectangle 26"/>
-            <p:cNvSpPr/>
-            <p:nvPr/>
-          </p:nvSpPr>
-          <p:spPr>
-            <a:xfrm>
-              <a:off x="2735288" y="6453336"/>
-              <a:ext cx="611560" cy="404664"/>
-            </a:xfrm>
-            <a:prstGeom prst="rect">
-              <a:avLst/>
-            </a:prstGeom>
-            <a:noFill/>
-            <a:ln>
-              <a:solidFill>
-                <a:schemeClr val="bg1"/>
-              </a:solidFill>
-            </a:ln>
-          </p:spPr>
-          <p:style>
-            <a:lnRef idx="2">
-              <a:schemeClr val="accent1">
-                <a:shade val="50000"/>
-              </a:schemeClr>
-            </a:lnRef>
-            <a:fillRef idx="1">
-              <a:schemeClr val="accent1"/>
-            </a:fillRef>
-            <a:effectRef idx="0">
-              <a:schemeClr val="accent1"/>
-            </a:effectRef>
-            <a:fontRef idx="minor">
-              <a:schemeClr val="lt1"/>
-            </a:fontRef>
-          </p:style>
-          <p:txBody>
-            <a:bodyPr rtlCol="0" anchor="ctr"/>
-            <a:lstStyle/>
-            <a:p>
-              <a:pPr algn="ctr"/>
-              <a:r>
-                <a:rPr lang="en-GB" sz="800" dirty="0" err="1" smtClean="0"/>
-                <a:t>Hadoop</a:t>
-              </a:r>
-              <a:r>
-                <a:rPr lang="en-GB" sz="800" dirty="0" smtClean="0"/>
-                <a:t> Cluster</a:t>
-              </a:r>
-              <a:endParaRPr lang="en-GB" sz="800" dirty="0"/>
-            </a:p>
-          </p:txBody>
-        </p:sp>
-        <p:sp>
-          <p:nvSpPr>
-            <p:cNvPr id="28" name="Rectangle 27"/>
-            <p:cNvSpPr/>
-            <p:nvPr/>
-          </p:nvSpPr>
-          <p:spPr>
-            <a:xfrm>
-              <a:off x="905469" y="6453336"/>
-              <a:ext cx="611560" cy="404664"/>
-            </a:xfrm>
-            <a:prstGeom prst="rect">
-              <a:avLst/>
-            </a:prstGeom>
-            <a:noFill/>
-            <a:ln>
-              <a:solidFill>
-                <a:schemeClr val="bg1"/>
-              </a:solidFill>
-            </a:ln>
-          </p:spPr>
-          <p:style>
-            <a:lnRef idx="2">
-              <a:schemeClr val="accent1">
-                <a:shade val="50000"/>
-              </a:schemeClr>
-            </a:lnRef>
-            <a:fillRef idx="1">
-              <a:schemeClr val="accent1"/>
-            </a:fillRef>
-            <a:effectRef idx="0">
-              <a:schemeClr val="accent1"/>
-            </a:effectRef>
-            <a:fontRef idx="minor">
-              <a:schemeClr val="lt1"/>
-            </a:fontRef>
-          </p:style>
-          <p:txBody>
-            <a:bodyPr rtlCol="0" anchor="ctr"/>
-            <a:lstStyle/>
-            <a:p>
-              <a:pPr algn="ctr"/>
-              <a:r>
-                <a:rPr lang="en-GB" sz="800" dirty="0" smtClean="0"/>
-                <a:t>Python</a:t>
-              </a:r>
-              <a:endParaRPr lang="en-GB" sz="800" dirty="0"/>
-            </a:p>
-          </p:txBody>
-        </p:sp>
-        <p:sp>
-          <p:nvSpPr>
-            <p:cNvPr id="29" name="Rectangle 28"/>
-            <p:cNvSpPr/>
-            <p:nvPr/>
-          </p:nvSpPr>
-          <p:spPr>
-            <a:xfrm>
-              <a:off x="3346848" y="6453336"/>
-              <a:ext cx="611560" cy="404664"/>
-            </a:xfrm>
-            <a:prstGeom prst="rect">
-              <a:avLst/>
-            </a:prstGeom>
-            <a:noFill/>
-            <a:ln>
-              <a:solidFill>
-                <a:schemeClr val="bg1"/>
-              </a:solidFill>
-            </a:ln>
-          </p:spPr>
-          <p:style>
-            <a:lnRef idx="2">
-              <a:schemeClr val="accent1">
-                <a:shade val="50000"/>
-              </a:schemeClr>
-            </a:lnRef>
-            <a:fillRef idx="1">
-              <a:schemeClr val="accent1"/>
-            </a:fillRef>
-            <a:effectRef idx="0">
-              <a:schemeClr val="accent1"/>
-            </a:effectRef>
-            <a:fontRef idx="minor">
-              <a:schemeClr val="lt1"/>
-            </a:fontRef>
-          </p:style>
-          <p:txBody>
-            <a:bodyPr rtlCol="0" anchor="ctr"/>
-            <a:lstStyle/>
-            <a:p>
-              <a:pPr algn="ctr"/>
-              <a:r>
-                <a:rPr lang="en-GB" sz="800" dirty="0" smtClean="0"/>
-                <a:t>Mongo DB</a:t>
-              </a:r>
-              <a:endParaRPr lang="en-GB" sz="800" dirty="0"/>
-            </a:p>
-          </p:txBody>
-        </p:sp>
-        <p:sp>
-          <p:nvSpPr>
-            <p:cNvPr id="30" name="Rectangle 29"/>
-            <p:cNvSpPr/>
-            <p:nvPr/>
-          </p:nvSpPr>
-          <p:spPr>
-            <a:xfrm>
-              <a:off x="3958408" y="6453336"/>
-              <a:ext cx="611560" cy="404664"/>
-            </a:xfrm>
-            <a:prstGeom prst="rect">
-              <a:avLst/>
-            </a:prstGeom>
-            <a:noFill/>
-            <a:ln>
-              <a:solidFill>
-                <a:schemeClr val="bg1"/>
-              </a:solidFill>
-            </a:ln>
-          </p:spPr>
-          <p:style>
-            <a:lnRef idx="2">
-              <a:schemeClr val="accent1">
-                <a:shade val="50000"/>
-              </a:schemeClr>
-            </a:lnRef>
-            <a:fillRef idx="1">
-              <a:schemeClr val="accent1"/>
-            </a:fillRef>
-            <a:effectRef idx="0">
-              <a:schemeClr val="accent1"/>
-            </a:effectRef>
-            <a:fontRef idx="minor">
-              <a:schemeClr val="lt1"/>
-            </a:fontRef>
-          </p:style>
-          <p:txBody>
-            <a:bodyPr rtlCol="0" anchor="ctr"/>
-            <a:lstStyle/>
-            <a:p>
-              <a:pPr algn="ctr"/>
-              <a:r>
-                <a:rPr lang="en-GB" sz="800" dirty="0" smtClean="0"/>
-                <a:t>CI</a:t>
-              </a:r>
-              <a:endParaRPr lang="en-GB" sz="800" dirty="0"/>
-            </a:p>
-          </p:txBody>
-        </p:sp>
-        <p:sp>
-          <p:nvSpPr>
-            <p:cNvPr id="31" name="Rectangle 30"/>
-            <p:cNvSpPr/>
-            <p:nvPr/>
-          </p:nvSpPr>
-          <p:spPr>
-            <a:xfrm>
-              <a:off x="4569968" y="6453336"/>
-              <a:ext cx="611560" cy="404664"/>
-            </a:xfrm>
-            <a:prstGeom prst="rect">
-              <a:avLst/>
-            </a:prstGeom>
-            <a:noFill/>
-            <a:ln>
-              <a:solidFill>
-                <a:schemeClr val="bg1"/>
-              </a:solidFill>
-            </a:ln>
-          </p:spPr>
-          <p:style>
-            <a:lnRef idx="2">
-              <a:schemeClr val="accent1">
-                <a:shade val="50000"/>
-              </a:schemeClr>
-            </a:lnRef>
-            <a:fillRef idx="1">
-              <a:schemeClr val="accent1"/>
-            </a:fillRef>
-            <a:effectRef idx="0">
-              <a:schemeClr val="accent1"/>
-            </a:effectRef>
-            <a:fontRef idx="minor">
-              <a:schemeClr val="lt1"/>
-            </a:fontRef>
-          </p:style>
-          <p:txBody>
-            <a:bodyPr rtlCol="0" anchor="ctr"/>
-            <a:lstStyle/>
-            <a:p>
-              <a:pPr algn="ctr"/>
-              <a:r>
-                <a:rPr lang="en-GB" sz="800" dirty="0" smtClean="0"/>
-                <a:t>Hive Impala</a:t>
-              </a:r>
-              <a:endParaRPr lang="en-GB" sz="800" dirty="0"/>
-            </a:p>
-          </p:txBody>
-        </p:sp>
-        <p:sp>
-          <p:nvSpPr>
-            <p:cNvPr id="32" name="Rectangle 31"/>
-            <p:cNvSpPr/>
-            <p:nvPr/>
-          </p:nvSpPr>
-          <p:spPr>
-            <a:xfrm>
-              <a:off x="5181528" y="6453336"/>
-              <a:ext cx="611560" cy="404664"/>
-            </a:xfrm>
-            <a:prstGeom prst="rect">
-              <a:avLst/>
-            </a:prstGeom>
-            <a:solidFill>
-              <a:schemeClr val="bg1"/>
-            </a:solidFill>
-            <a:ln>
-              <a:solidFill>
-                <a:schemeClr val="bg1"/>
-              </a:solidFill>
-            </a:ln>
-          </p:spPr>
-          <p:style>
-            <a:lnRef idx="2">
-              <a:schemeClr val="accent1">
-                <a:shade val="50000"/>
-              </a:schemeClr>
-            </a:lnRef>
-            <a:fillRef idx="1">
-              <a:schemeClr val="accent1"/>
-            </a:fillRef>
-            <a:effectRef idx="0">
-              <a:schemeClr val="accent1"/>
-            </a:effectRef>
-            <a:fontRef idx="minor">
-              <a:schemeClr val="lt1"/>
-            </a:fontRef>
-          </p:style>
-          <p:txBody>
-            <a:bodyPr rtlCol="0" anchor="ctr"/>
-            <a:lstStyle/>
-            <a:p>
-              <a:pPr algn="ctr"/>
-              <a:r>
-                <a:rPr lang="en-GB" sz="800" dirty="0" err="1" smtClean="0"/>
-                <a:t>Scala</a:t>
-              </a:r>
-              <a:endParaRPr lang="en-GB" sz="800" dirty="0"/>
-            </a:p>
-          </p:txBody>
-        </p:sp>
-        <p:sp>
-          <p:nvSpPr>
-            <p:cNvPr id="33" name="Rectangle 32"/>
-            <p:cNvSpPr/>
-            <p:nvPr/>
-          </p:nvSpPr>
-          <p:spPr>
-            <a:xfrm>
-              <a:off x="5793088" y="6453336"/>
-              <a:ext cx="611560" cy="404664"/>
-            </a:xfrm>
-            <a:prstGeom prst="rect">
-              <a:avLst/>
-            </a:prstGeom>
-            <a:noFill/>
-            <a:ln>
-              <a:solidFill>
-                <a:schemeClr val="bg1"/>
-              </a:solidFill>
-            </a:ln>
-          </p:spPr>
-          <p:style>
-            <a:lnRef idx="2">
-              <a:schemeClr val="accent1">
-                <a:shade val="50000"/>
-              </a:schemeClr>
-            </a:lnRef>
-            <a:fillRef idx="1">
-              <a:schemeClr val="accent1"/>
-            </a:fillRef>
-            <a:effectRef idx="0">
-              <a:schemeClr val="accent1"/>
-            </a:effectRef>
-            <a:fontRef idx="minor">
-              <a:schemeClr val="lt1"/>
-            </a:fontRef>
-          </p:style>
-          <p:txBody>
-            <a:bodyPr rtlCol="0" anchor="ctr"/>
-            <a:lstStyle/>
-            <a:p>
-              <a:pPr algn="ctr"/>
-              <a:r>
-                <a:rPr lang="en-GB" sz="800" dirty="0" smtClean="0"/>
-                <a:t>Spark</a:t>
-              </a:r>
-              <a:endParaRPr lang="en-GB" sz="800" dirty="0"/>
-            </a:p>
-          </p:txBody>
-        </p:sp>
-        <p:sp>
-          <p:nvSpPr>
-            <p:cNvPr id="34" name="Rectangle 33"/>
-            <p:cNvSpPr/>
-            <p:nvPr/>
-          </p:nvSpPr>
-          <p:spPr>
-            <a:xfrm>
-              <a:off x="6404648" y="6453336"/>
-              <a:ext cx="611560" cy="404664"/>
-            </a:xfrm>
-            <a:prstGeom prst="rect">
-              <a:avLst/>
-            </a:prstGeom>
-            <a:noFill/>
-            <a:ln>
-              <a:solidFill>
-                <a:schemeClr val="bg1"/>
-              </a:solidFill>
-            </a:ln>
-          </p:spPr>
-          <p:style>
-            <a:lnRef idx="2">
-              <a:schemeClr val="accent1">
-                <a:shade val="50000"/>
-              </a:schemeClr>
-            </a:lnRef>
-            <a:fillRef idx="1">
-              <a:schemeClr val="accent1"/>
-            </a:fillRef>
-            <a:effectRef idx="0">
-              <a:schemeClr val="accent1"/>
-            </a:effectRef>
-            <a:fontRef idx="minor">
-              <a:schemeClr val="lt1"/>
-            </a:fontRef>
-          </p:style>
-          <p:txBody>
-            <a:bodyPr rtlCol="0" anchor="ctr"/>
-            <a:lstStyle/>
-            <a:p>
-              <a:pPr algn="ctr"/>
-              <a:r>
-                <a:rPr lang="en-GB" sz="800" dirty="0" err="1" smtClean="0"/>
-                <a:t>Pentaho</a:t>
-              </a:r>
-              <a:endParaRPr lang="en-GB" sz="800" dirty="0"/>
-            </a:p>
-          </p:txBody>
-        </p:sp>
-        <p:sp>
-          <p:nvSpPr>
-            <p:cNvPr id="35" name="Rectangle 34"/>
-            <p:cNvSpPr/>
-            <p:nvPr/>
-          </p:nvSpPr>
-          <p:spPr>
-            <a:xfrm>
-              <a:off x="7016208" y="6453336"/>
-              <a:ext cx="609819" cy="404664"/>
-            </a:xfrm>
-            <a:prstGeom prst="rect">
-              <a:avLst/>
-            </a:prstGeom>
-            <a:noFill/>
-            <a:ln>
-              <a:solidFill>
-                <a:schemeClr val="bg1"/>
-              </a:solidFill>
-            </a:ln>
-          </p:spPr>
-          <p:style>
-            <a:lnRef idx="2">
-              <a:schemeClr val="accent1">
-                <a:shade val="50000"/>
-              </a:schemeClr>
-            </a:lnRef>
-            <a:fillRef idx="1">
-              <a:schemeClr val="accent1"/>
-            </a:fillRef>
-            <a:effectRef idx="0">
-              <a:schemeClr val="accent1"/>
-            </a:effectRef>
-            <a:fontRef idx="minor">
-              <a:schemeClr val="lt1"/>
-            </a:fontRef>
-          </p:style>
-          <p:txBody>
-            <a:bodyPr rtlCol="0" anchor="ctr"/>
-            <a:lstStyle/>
-            <a:p>
-              <a:pPr algn="ctr"/>
-              <a:r>
-                <a:rPr lang="en-GB" sz="800" dirty="0" smtClean="0"/>
-                <a:t>Agile SCRUM</a:t>
-              </a:r>
-              <a:endParaRPr lang="en-GB" sz="800" dirty="0"/>
-            </a:p>
-          </p:txBody>
-        </p:sp>
-        <p:sp>
-          <p:nvSpPr>
-            <p:cNvPr id="36" name="Rectangle 35"/>
-            <p:cNvSpPr/>
-            <p:nvPr/>
-          </p:nvSpPr>
-          <p:spPr>
-            <a:xfrm>
-              <a:off x="7626027" y="6453336"/>
-              <a:ext cx="611560" cy="404664"/>
-            </a:xfrm>
-            <a:prstGeom prst="rect">
-              <a:avLst/>
-            </a:prstGeom>
-            <a:noFill/>
-            <a:ln>
-              <a:solidFill>
-                <a:schemeClr val="bg1"/>
-              </a:solidFill>
-            </a:ln>
-          </p:spPr>
-          <p:style>
-            <a:lnRef idx="2">
-              <a:schemeClr val="accent1">
-                <a:shade val="50000"/>
-              </a:schemeClr>
-            </a:lnRef>
-            <a:fillRef idx="1">
-              <a:schemeClr val="accent1"/>
-            </a:fillRef>
-            <a:effectRef idx="0">
-              <a:schemeClr val="accent1"/>
-            </a:effectRef>
-            <a:fontRef idx="minor">
-              <a:schemeClr val="lt1"/>
-            </a:fontRef>
-          </p:style>
-          <p:txBody>
-            <a:bodyPr rtlCol="0" anchor="ctr"/>
-            <a:lstStyle/>
-            <a:p>
-              <a:pPr algn="ctr"/>
-              <a:r>
-                <a:rPr lang="en-GB" sz="800" dirty="0" smtClean="0"/>
-                <a:t>Final Project</a:t>
-              </a:r>
-              <a:endParaRPr lang="en-GB" sz="800" dirty="0"/>
-            </a:p>
-          </p:txBody>
-        </p:sp>
-        <p:sp>
-          <p:nvSpPr>
-            <p:cNvPr id="37" name="Rectangle 36"/>
-            <p:cNvSpPr/>
-            <p:nvPr/>
-          </p:nvSpPr>
-          <p:spPr>
-            <a:xfrm>
-              <a:off x="8237587" y="6453336"/>
-              <a:ext cx="899591" cy="404664"/>
-            </a:xfrm>
-            <a:prstGeom prst="rect">
-              <a:avLst/>
-            </a:prstGeom>
-            <a:noFill/>
-            <a:ln>
-              <a:solidFill>
-                <a:schemeClr val="bg1"/>
-              </a:solidFill>
-            </a:ln>
-          </p:spPr>
-          <p:style>
-            <a:lnRef idx="2">
-              <a:schemeClr val="accent1">
-                <a:shade val="50000"/>
-              </a:schemeClr>
-            </a:lnRef>
-            <a:fillRef idx="1">
-              <a:schemeClr val="accent1"/>
-            </a:fillRef>
-            <a:effectRef idx="0">
-              <a:schemeClr val="accent1"/>
-            </a:effectRef>
-            <a:fontRef idx="minor">
-              <a:schemeClr val="lt1"/>
-            </a:fontRef>
-          </p:style>
-          <p:txBody>
-            <a:bodyPr rtlCol="0" anchor="ctr"/>
-            <a:lstStyle/>
-            <a:p>
-              <a:pPr algn="ctr"/>
-              <a:r>
-                <a:rPr lang="en-GB" sz="800" dirty="0" smtClean="0"/>
-                <a:t>Conclusions</a:t>
-              </a:r>
-              <a:endParaRPr lang="en-GB" sz="800" dirty="0"/>
-            </a:p>
-          </p:txBody>
-        </p:sp>
-      </p:grpSp>
     </p:spTree>
     <p:extLst>
       <p:ext uri="{BB962C8B-B14F-4D97-AF65-F5344CB8AC3E}">
@@ -20874,6 +20934,13 @@
             <a:r>
               <a:rPr lang="en-GB" sz="1400" dirty="0" smtClean="0"/>
               <a:t> VM</a:t>
+            </a:r>
+          </a:p>
+          <a:p>
+            <a:pPr lvl="1"/>
+            <a:r>
+              <a:rPr lang="en-GB" sz="1400" dirty="0" smtClean="0"/>
+              <a:t>Spark version 1.6</a:t>
             </a:r>
           </a:p>
           <a:p>
@@ -20972,8 +21039,8 @@
         </p:blipFill>
         <p:spPr>
           <a:xfrm>
-            <a:off x="4715746" y="1556792"/>
-            <a:ext cx="4003006" cy="697055"/>
+            <a:off x="4139952" y="1695576"/>
+            <a:ext cx="4578800" cy="797320"/>
           </a:xfrm>
           <a:prstGeom prst="rect">
             <a:avLst/>
@@ -20996,8 +21063,8 @@
         </p:blipFill>
         <p:spPr>
           <a:xfrm>
-            <a:off x="4715746" y="2303670"/>
-            <a:ext cx="4003006" cy="549266"/>
+            <a:off x="4139952" y="2728719"/>
+            <a:ext cx="4578800" cy="628273"/>
           </a:xfrm>
           <a:prstGeom prst="rect">
             <a:avLst/>
@@ -21020,8 +21087,8 @@
         </p:blipFill>
         <p:spPr>
           <a:xfrm>
-            <a:off x="4715746" y="2896697"/>
-            <a:ext cx="4003006" cy="172263"/>
+            <a:off x="4139952" y="3645024"/>
+            <a:ext cx="4578800" cy="197041"/>
           </a:xfrm>
           <a:prstGeom prst="rect">
             <a:avLst/>
@@ -21031,7 +21098,9 @@
       <p:pic>
         <p:nvPicPr>
           <p:cNvPr id="28" name="Picture 27"/>
-          <p:cNvPicPr/>
+          <p:cNvPicPr>
+            <a:picLocks noChangeAspect="1"/>
+          </p:cNvPicPr>
           <p:nvPr/>
         </p:nvPicPr>
         <p:blipFill>
@@ -21042,56 +21111,8 @@
         </p:blipFill>
         <p:spPr>
           <a:xfrm>
-            <a:off x="4715746" y="3121133"/>
-            <a:ext cx="4003006" cy="907857"/>
-          </a:xfrm>
-          <a:prstGeom prst="rect">
-            <a:avLst/>
-          </a:prstGeom>
-        </p:spPr>
-      </p:pic>
-      <p:pic>
-        <p:nvPicPr>
-          <p:cNvPr id="29" name="Picture 28"/>
-          <p:cNvPicPr>
-            <a:picLocks noChangeAspect="1"/>
-          </p:cNvPicPr>
-          <p:nvPr/>
-        </p:nvPicPr>
-        <p:blipFill>
-          <a:blip r:embed="rId6"/>
-          <a:stretch>
-            <a:fillRect/>
-          </a:stretch>
-        </p:blipFill>
-        <p:spPr>
-          <a:xfrm>
-            <a:off x="4715746" y="4241964"/>
-            <a:ext cx="4003006" cy="1253381"/>
-          </a:xfrm>
-          <a:prstGeom prst="rect">
-            <a:avLst/>
-          </a:prstGeom>
-        </p:spPr>
-      </p:pic>
-      <p:pic>
-        <p:nvPicPr>
-          <p:cNvPr id="30" name="Picture 29"/>
-          <p:cNvPicPr>
-            <a:picLocks noChangeAspect="1"/>
-          </p:cNvPicPr>
-          <p:nvPr/>
-        </p:nvPicPr>
-        <p:blipFill>
-          <a:blip r:embed="rId7"/>
-          <a:stretch>
-            <a:fillRect/>
-          </a:stretch>
-        </p:blipFill>
-        <p:spPr>
-          <a:xfrm>
-            <a:off x="4715746" y="5558613"/>
-            <a:ext cx="4003006" cy="678699"/>
+            <a:off x="4139952" y="4118748"/>
+            <a:ext cx="4578800" cy="1038444"/>
           </a:xfrm>
           <a:prstGeom prst="rect">
             <a:avLst/>
@@ -21892,7 +21913,7 @@
           <a:p>
             <a:r>
               <a:rPr lang="en-GB" dirty="0" smtClean="0"/>
-              <a:t>Need to create case class and map the RDD to column names to set up the schema</a:t>
+              <a:t>Created case class and mapped the RDD to column names to set up the schema</a:t>
             </a:r>
           </a:p>
           <a:p>
@@ -21901,15 +21922,7 @@
           <a:p>
             <a:r>
               <a:rPr lang="en-GB" dirty="0" smtClean="0"/>
-              <a:t>Used </a:t>
-            </a:r>
-            <a:r>
-              <a:rPr lang="en-GB" dirty="0" err="1" smtClean="0"/>
-              <a:t>scala</a:t>
-            </a:r>
-            <a:r>
-              <a:rPr lang="en-GB" dirty="0" smtClean="0"/>
-              <a:t> with the to .</a:t>
+              <a:t>Used .</a:t>
             </a:r>
             <a:r>
               <a:rPr lang="en-GB" dirty="0" err="1" smtClean="0"/>
@@ -22011,7 +22024,7 @@
         </p:blipFill>
         <p:spPr>
           <a:xfrm>
-            <a:off x="4259828" y="1556793"/>
+            <a:off x="4264188" y="1700809"/>
             <a:ext cx="4639223" cy="175096"/>
           </a:xfrm>
           <a:prstGeom prst="rect">
@@ -22035,7 +22048,7 @@
         </p:blipFill>
         <p:spPr>
           <a:xfrm>
-            <a:off x="4259823" y="1750213"/>
+            <a:off x="4259821" y="1988841"/>
             <a:ext cx="4639223" cy="262917"/>
           </a:xfrm>
           <a:prstGeom prst="rect">
@@ -22059,7 +22072,7 @@
         </p:blipFill>
         <p:spPr>
           <a:xfrm>
-            <a:off x="4259828" y="2041092"/>
+            <a:off x="4259822" y="2348881"/>
             <a:ext cx="4639223" cy="268371"/>
           </a:xfrm>
           <a:prstGeom prst="rect">
@@ -22083,32 +22096,8 @@
         </p:blipFill>
         <p:spPr>
           <a:xfrm>
-            <a:off x="4259828" y="2321843"/>
+            <a:off x="4264188" y="2708921"/>
             <a:ext cx="4639223" cy="453286"/>
-          </a:xfrm>
-          <a:prstGeom prst="rect">
-            <a:avLst/>
-          </a:prstGeom>
-        </p:spPr>
-      </p:pic>
-      <p:pic>
-        <p:nvPicPr>
-          <p:cNvPr id="35" name="Picture 34"/>
-          <p:cNvPicPr>
-            <a:picLocks noChangeAspect="1"/>
-          </p:cNvPicPr>
-          <p:nvPr/>
-        </p:nvPicPr>
-        <p:blipFill>
-          <a:blip r:embed="rId6"/>
-          <a:stretch>
-            <a:fillRect/>
-          </a:stretch>
-        </p:blipFill>
-        <p:spPr>
-          <a:xfrm>
-            <a:off x="4805754" y="2818690"/>
-            <a:ext cx="3822989" cy="1214996"/>
           </a:xfrm>
           <a:prstGeom prst="rect">
             <a:avLst/>
@@ -22131,8 +22120,8 @@
         </p:blipFill>
         <p:spPr>
           <a:xfrm>
-            <a:off x="4805754" y="4084983"/>
-            <a:ext cx="3826857" cy="1216225"/>
+            <a:off x="4259823" y="3356993"/>
+            <a:ext cx="4639223" cy="1474405"/>
           </a:xfrm>
           <a:prstGeom prst="rect">
             <a:avLst/>
@@ -22153,8 +22142,8 @@
         </p:blipFill>
         <p:spPr>
           <a:xfrm>
-            <a:off x="4805754" y="5373217"/>
-            <a:ext cx="3826857" cy="432048"/>
+            <a:off x="4259823" y="4890359"/>
+            <a:ext cx="4639223" cy="482857"/>
           </a:xfrm>
           <a:prstGeom prst="rect">
             <a:avLst/>
@@ -22931,7 +22920,12 @@
             <p:ph sz="quarter" idx="13"/>
           </p:nvPr>
         </p:nvSpPr>
-        <p:spPr/>
+        <p:spPr>
+          <a:xfrm>
+            <a:off x="683568" y="1556792"/>
+            <a:ext cx="7848872" cy="4680520"/>
+          </a:xfrm>
+        </p:spPr>
         <p:txBody>
           <a:bodyPr/>
           <a:lstStyle/>
@@ -22940,8 +22934,6 @@
               <a:rPr lang="en-GB" dirty="0" smtClean="0"/>
               <a:t>Can also use SQL Context within the spark-shell</a:t>
             </a:r>
-          </a:p>
-          <a:p>
             <a:endParaRPr lang="en-GB" dirty="0"/>
           </a:p>
           <a:p>
@@ -22953,9 +22945,6 @@
               <a:rPr lang="en-GB" dirty="0" err="1" smtClean="0"/>
               <a:t>dataframe</a:t>
             </a:r>
-            <a:endParaRPr lang="en-GB" dirty="0" smtClean="0"/>
-          </a:p>
-          <a:p>
             <a:endParaRPr lang="en-GB" dirty="0"/>
           </a:p>
           <a:p>
@@ -22963,20 +22952,6 @@
               <a:rPr lang="en-GB" dirty="0" smtClean="0"/>
               <a:t>Both these queries show exactly the same result</a:t>
             </a:r>
-          </a:p>
-          <a:p>
-            <a:pPr lvl="1"/>
-            <a:r>
-              <a:rPr lang="en-GB" sz="1400" dirty="0" err="1" smtClean="0"/>
-              <a:t>Scala</a:t>
-            </a:r>
-            <a:r>
-              <a:rPr lang="en-GB" sz="1400" dirty="0" smtClean="0"/>
-              <a:t> query generally shorter code</a:t>
-            </a:r>
-          </a:p>
-          <a:p>
-            <a:endParaRPr lang="en-GB" dirty="0" smtClean="0"/>
           </a:p>
           <a:p>
             <a:endParaRPr lang="en-GB" sz="1400" dirty="0"/>
@@ -23046,7 +23021,9 @@
       <p:pic>
         <p:nvPicPr>
           <p:cNvPr id="27" name="Picture 26"/>
-          <p:cNvPicPr/>
+          <p:cNvPicPr>
+            <a:picLocks noChangeAspect="1"/>
+          </p:cNvPicPr>
           <p:nvPr/>
         </p:nvPicPr>
         <p:blipFill>
@@ -23057,8 +23034,8 @@
         </p:blipFill>
         <p:spPr>
           <a:xfrm>
-            <a:off x="3995936" y="2175337"/>
-            <a:ext cx="4824536" cy="1283664"/>
+            <a:off x="2311025" y="2930458"/>
+            <a:ext cx="5926562" cy="1576880"/>
           </a:xfrm>
           <a:prstGeom prst="rect">
             <a:avLst/>
@@ -23068,7 +23045,9 @@
       <p:pic>
         <p:nvPicPr>
           <p:cNvPr id="28" name="Picture 27"/>
-          <p:cNvPicPr/>
+          <p:cNvPicPr>
+            <a:picLocks noChangeAspect="1"/>
+          </p:cNvPicPr>
           <p:nvPr/>
         </p:nvPicPr>
         <p:blipFill>
@@ -23079,8 +23058,8 @@
         </p:blipFill>
         <p:spPr>
           <a:xfrm>
-            <a:off x="3995936" y="3896469"/>
-            <a:ext cx="4824536" cy="1224136"/>
+            <a:off x="2311025" y="4651590"/>
+            <a:ext cx="5926562" cy="1503754"/>
           </a:xfrm>
           <a:prstGeom prst="rect">
             <a:avLst/>
@@ -23095,7 +23074,7 @@
         </p:nvSpPr>
         <p:spPr>
           <a:xfrm>
-            <a:off x="5793488" y="1772573"/>
+            <a:off x="693290" y="3555712"/>
             <a:ext cx="1154483" cy="276999"/>
           </a:xfrm>
           <a:prstGeom prst="rect">
@@ -23125,7 +23104,7 @@
         </p:nvSpPr>
         <p:spPr>
           <a:xfrm>
-            <a:off x="6071608" y="3573015"/>
+            <a:off x="971410" y="5241426"/>
             <a:ext cx="598241" cy="276999"/>
           </a:xfrm>
           <a:prstGeom prst="rect">
@@ -24030,8 +24009,8 @@
         </p:blipFill>
         <p:spPr>
           <a:xfrm>
-            <a:off x="4576789" y="2276871"/>
-            <a:ext cx="4117414" cy="543179"/>
+            <a:off x="4241441" y="1859232"/>
+            <a:ext cx="4445941" cy="586519"/>
           </a:xfrm>
           <a:prstGeom prst="rect">
             <a:avLst/>
@@ -24054,8 +24033,8 @@
         </p:blipFill>
         <p:spPr>
           <a:xfrm>
-            <a:off x="4576789" y="2884858"/>
-            <a:ext cx="4117414" cy="1817859"/>
+            <a:off x="4248265" y="2517759"/>
+            <a:ext cx="4445938" cy="1962904"/>
           </a:xfrm>
           <a:prstGeom prst="rect">
             <a:avLst/>
@@ -24078,17 +24057,740 @@
         </p:blipFill>
         <p:spPr>
           <a:xfrm>
-            <a:off x="4576789" y="4759554"/>
-            <a:ext cx="4117414" cy="1333742"/>
+            <a:off x="4248264" y="4533983"/>
+            <a:ext cx="4445939" cy="1440160"/>
           </a:xfrm>
           <a:prstGeom prst="rect">
             <a:avLst/>
           </a:prstGeom>
         </p:spPr>
       </p:pic>
+      <p:grpSp>
+        <p:nvGrpSpPr>
+          <p:cNvPr id="32" name="Group 31"/>
+          <p:cNvGrpSpPr>
+            <a:grpSpLocks noChangeAspect="1"/>
+          </p:cNvGrpSpPr>
+          <p:nvPr/>
+        </p:nvGrpSpPr>
+        <p:grpSpPr>
+          <a:xfrm>
+            <a:off x="-1" y="6453336"/>
+            <a:ext cx="9137179" cy="404664"/>
+            <a:chOff x="-1" y="6453336"/>
+            <a:chExt cx="9137179" cy="404664"/>
+          </a:xfrm>
+        </p:grpSpPr>
+        <p:sp>
+          <p:nvSpPr>
+            <p:cNvPr id="33" name="Rectangle 32"/>
+            <p:cNvSpPr/>
+            <p:nvPr/>
+          </p:nvSpPr>
+          <p:spPr>
+            <a:xfrm>
+              <a:off x="-1" y="6453336"/>
+              <a:ext cx="905469" cy="404664"/>
+            </a:xfrm>
+            <a:prstGeom prst="rect">
+              <a:avLst/>
+            </a:prstGeom>
+            <a:noFill/>
+            <a:ln>
+              <a:solidFill>
+                <a:schemeClr val="bg1"/>
+              </a:solidFill>
+            </a:ln>
+          </p:spPr>
+          <p:style>
+            <a:lnRef idx="2">
+              <a:schemeClr val="accent1">
+                <a:shade val="50000"/>
+              </a:schemeClr>
+            </a:lnRef>
+            <a:fillRef idx="1">
+              <a:schemeClr val="accent1"/>
+            </a:fillRef>
+            <a:effectRef idx="0">
+              <a:schemeClr val="accent1"/>
+            </a:effectRef>
+            <a:fontRef idx="minor">
+              <a:schemeClr val="lt1"/>
+            </a:fontRef>
+          </p:style>
+          <p:txBody>
+            <a:bodyPr rtlCol="0" anchor="ctr"/>
+            <a:lstStyle/>
+            <a:p>
+              <a:pPr algn="ctr"/>
+              <a:r>
+                <a:rPr lang="en-GB" sz="800" dirty="0" smtClean="0"/>
+                <a:t>Introduction</a:t>
+              </a:r>
+              <a:endParaRPr lang="en-GB" sz="900" dirty="0"/>
+            </a:p>
+          </p:txBody>
+        </p:sp>
+        <p:sp>
+          <p:nvSpPr>
+            <p:cNvPr id="34" name="Rectangle 33"/>
+            <p:cNvSpPr/>
+            <p:nvPr/>
+          </p:nvSpPr>
+          <p:spPr>
+            <a:xfrm>
+              <a:off x="2128588" y="6453336"/>
+              <a:ext cx="606699" cy="404664"/>
+            </a:xfrm>
+            <a:prstGeom prst="rect">
+              <a:avLst/>
+            </a:prstGeom>
+            <a:noFill/>
+            <a:ln>
+              <a:solidFill>
+                <a:schemeClr val="bg1"/>
+              </a:solidFill>
+            </a:ln>
+          </p:spPr>
+          <p:style>
+            <a:lnRef idx="2">
+              <a:schemeClr val="accent1">
+                <a:shade val="50000"/>
+              </a:schemeClr>
+            </a:lnRef>
+            <a:fillRef idx="1">
+              <a:schemeClr val="accent1"/>
+            </a:fillRef>
+            <a:effectRef idx="0">
+              <a:schemeClr val="accent1"/>
+            </a:effectRef>
+            <a:fontRef idx="minor">
+              <a:schemeClr val="lt1"/>
+            </a:fontRef>
+          </p:style>
+          <p:txBody>
+            <a:bodyPr rtlCol="0" anchor="ctr"/>
+            <a:lstStyle/>
+            <a:p>
+              <a:pPr algn="ctr"/>
+              <a:r>
+                <a:rPr lang="en-GB" sz="800" dirty="0" smtClean="0"/>
+                <a:t>SQL</a:t>
+              </a:r>
+              <a:endParaRPr lang="en-GB" sz="800" dirty="0"/>
+            </a:p>
+          </p:txBody>
+        </p:sp>
+        <p:sp>
+          <p:nvSpPr>
+            <p:cNvPr id="35" name="Rectangle 34"/>
+            <p:cNvSpPr/>
+            <p:nvPr/>
+          </p:nvSpPr>
+          <p:spPr>
+            <a:xfrm>
+              <a:off x="1517029" y="6453336"/>
+              <a:ext cx="611560" cy="404664"/>
+            </a:xfrm>
+            <a:prstGeom prst="rect">
+              <a:avLst/>
+            </a:prstGeom>
+            <a:noFill/>
+            <a:ln>
+              <a:solidFill>
+                <a:schemeClr val="bg1"/>
+              </a:solidFill>
+            </a:ln>
+          </p:spPr>
+          <p:style>
+            <a:lnRef idx="2">
+              <a:schemeClr val="accent1">
+                <a:shade val="50000"/>
+              </a:schemeClr>
+            </a:lnRef>
+            <a:fillRef idx="1">
+              <a:schemeClr val="accent1"/>
+            </a:fillRef>
+            <a:effectRef idx="0">
+              <a:schemeClr val="accent1"/>
+            </a:effectRef>
+            <a:fontRef idx="minor">
+              <a:schemeClr val="lt1"/>
+            </a:fontRef>
+          </p:style>
+          <p:txBody>
+            <a:bodyPr rtlCol="0" anchor="ctr"/>
+            <a:lstStyle/>
+            <a:p>
+              <a:pPr algn="ctr"/>
+              <a:r>
+                <a:rPr lang="en-GB" sz="800" dirty="0" smtClean="0"/>
+                <a:t>R</a:t>
+              </a:r>
+              <a:endParaRPr lang="en-GB" sz="800" dirty="0"/>
+            </a:p>
+          </p:txBody>
+        </p:sp>
+        <p:sp>
+          <p:nvSpPr>
+            <p:cNvPr id="36" name="Rectangle 35"/>
+            <p:cNvSpPr/>
+            <p:nvPr/>
+          </p:nvSpPr>
+          <p:spPr>
+            <a:xfrm>
+              <a:off x="2735288" y="6453336"/>
+              <a:ext cx="611560" cy="404664"/>
+            </a:xfrm>
+            <a:prstGeom prst="rect">
+              <a:avLst/>
+            </a:prstGeom>
+            <a:noFill/>
+            <a:ln>
+              <a:solidFill>
+                <a:schemeClr val="bg1"/>
+              </a:solidFill>
+            </a:ln>
+          </p:spPr>
+          <p:style>
+            <a:lnRef idx="2">
+              <a:schemeClr val="accent1">
+                <a:shade val="50000"/>
+              </a:schemeClr>
+            </a:lnRef>
+            <a:fillRef idx="1">
+              <a:schemeClr val="accent1"/>
+            </a:fillRef>
+            <a:effectRef idx="0">
+              <a:schemeClr val="accent1"/>
+            </a:effectRef>
+            <a:fontRef idx="minor">
+              <a:schemeClr val="lt1"/>
+            </a:fontRef>
+          </p:style>
+          <p:txBody>
+            <a:bodyPr rtlCol="0" anchor="ctr"/>
+            <a:lstStyle/>
+            <a:p>
+              <a:pPr algn="ctr"/>
+              <a:r>
+                <a:rPr lang="en-GB" sz="800" dirty="0" err="1" smtClean="0"/>
+                <a:t>Hadoop</a:t>
+              </a:r>
+              <a:r>
+                <a:rPr lang="en-GB" sz="800" dirty="0" smtClean="0"/>
+                <a:t> Cluster</a:t>
+              </a:r>
+              <a:endParaRPr lang="en-GB" sz="800" dirty="0"/>
+            </a:p>
+          </p:txBody>
+        </p:sp>
+        <p:sp>
+          <p:nvSpPr>
+            <p:cNvPr id="38" name="Rectangle 37"/>
+            <p:cNvSpPr/>
+            <p:nvPr/>
+          </p:nvSpPr>
+          <p:spPr>
+            <a:xfrm>
+              <a:off x="905469" y="6453336"/>
+              <a:ext cx="611560" cy="404664"/>
+            </a:xfrm>
+            <a:prstGeom prst="rect">
+              <a:avLst/>
+            </a:prstGeom>
+            <a:noFill/>
+            <a:ln>
+              <a:solidFill>
+                <a:schemeClr val="bg1"/>
+              </a:solidFill>
+            </a:ln>
+          </p:spPr>
+          <p:style>
+            <a:lnRef idx="2">
+              <a:schemeClr val="accent1">
+                <a:shade val="50000"/>
+              </a:schemeClr>
+            </a:lnRef>
+            <a:fillRef idx="1">
+              <a:schemeClr val="accent1"/>
+            </a:fillRef>
+            <a:effectRef idx="0">
+              <a:schemeClr val="accent1"/>
+            </a:effectRef>
+            <a:fontRef idx="minor">
+              <a:schemeClr val="lt1"/>
+            </a:fontRef>
+          </p:style>
+          <p:txBody>
+            <a:bodyPr rtlCol="0" anchor="ctr"/>
+            <a:lstStyle/>
+            <a:p>
+              <a:pPr algn="ctr"/>
+              <a:r>
+                <a:rPr lang="en-GB" sz="800" dirty="0" smtClean="0"/>
+                <a:t>Python</a:t>
+              </a:r>
+              <a:endParaRPr lang="en-GB" sz="800" dirty="0"/>
+            </a:p>
+          </p:txBody>
+        </p:sp>
+        <p:sp>
+          <p:nvSpPr>
+            <p:cNvPr id="40" name="Rectangle 39"/>
+            <p:cNvSpPr/>
+            <p:nvPr/>
+          </p:nvSpPr>
+          <p:spPr>
+            <a:xfrm>
+              <a:off x="3346848" y="6453336"/>
+              <a:ext cx="611560" cy="404664"/>
+            </a:xfrm>
+            <a:prstGeom prst="rect">
+              <a:avLst/>
+            </a:prstGeom>
+            <a:noFill/>
+            <a:ln>
+              <a:solidFill>
+                <a:schemeClr val="bg1"/>
+              </a:solidFill>
+            </a:ln>
+          </p:spPr>
+          <p:style>
+            <a:lnRef idx="2">
+              <a:schemeClr val="accent1">
+                <a:shade val="50000"/>
+              </a:schemeClr>
+            </a:lnRef>
+            <a:fillRef idx="1">
+              <a:schemeClr val="accent1"/>
+            </a:fillRef>
+            <a:effectRef idx="0">
+              <a:schemeClr val="accent1"/>
+            </a:effectRef>
+            <a:fontRef idx="minor">
+              <a:schemeClr val="lt1"/>
+            </a:fontRef>
+          </p:style>
+          <p:txBody>
+            <a:bodyPr rtlCol="0" anchor="ctr"/>
+            <a:lstStyle/>
+            <a:p>
+              <a:pPr algn="ctr"/>
+              <a:r>
+                <a:rPr lang="en-GB" sz="800" dirty="0" smtClean="0"/>
+                <a:t>Mongo DB</a:t>
+              </a:r>
+              <a:endParaRPr lang="en-GB" sz="800" dirty="0"/>
+            </a:p>
+          </p:txBody>
+        </p:sp>
+        <p:sp>
+          <p:nvSpPr>
+            <p:cNvPr id="41" name="Rectangle 40"/>
+            <p:cNvSpPr/>
+            <p:nvPr/>
+          </p:nvSpPr>
+          <p:spPr>
+            <a:xfrm>
+              <a:off x="3958408" y="6453336"/>
+              <a:ext cx="611560" cy="404664"/>
+            </a:xfrm>
+            <a:prstGeom prst="rect">
+              <a:avLst/>
+            </a:prstGeom>
+            <a:noFill/>
+            <a:ln>
+              <a:solidFill>
+                <a:schemeClr val="bg1"/>
+              </a:solidFill>
+            </a:ln>
+          </p:spPr>
+          <p:style>
+            <a:lnRef idx="2">
+              <a:schemeClr val="accent1">
+                <a:shade val="50000"/>
+              </a:schemeClr>
+            </a:lnRef>
+            <a:fillRef idx="1">
+              <a:schemeClr val="accent1"/>
+            </a:fillRef>
+            <a:effectRef idx="0">
+              <a:schemeClr val="accent1"/>
+            </a:effectRef>
+            <a:fontRef idx="minor">
+              <a:schemeClr val="lt1"/>
+            </a:fontRef>
+          </p:style>
+          <p:txBody>
+            <a:bodyPr rtlCol="0" anchor="ctr"/>
+            <a:lstStyle/>
+            <a:p>
+              <a:pPr algn="ctr"/>
+              <a:r>
+                <a:rPr lang="en-GB" sz="800" dirty="0" smtClean="0"/>
+                <a:t>CI</a:t>
+              </a:r>
+              <a:endParaRPr lang="en-GB" sz="800" dirty="0"/>
+            </a:p>
+          </p:txBody>
+        </p:sp>
+        <p:sp>
+          <p:nvSpPr>
+            <p:cNvPr id="42" name="Rectangle 41"/>
+            <p:cNvSpPr/>
+            <p:nvPr/>
+          </p:nvSpPr>
+          <p:spPr>
+            <a:xfrm>
+              <a:off x="4569968" y="6453336"/>
+              <a:ext cx="611560" cy="404664"/>
+            </a:xfrm>
+            <a:prstGeom prst="rect">
+              <a:avLst/>
+            </a:prstGeom>
+            <a:noFill/>
+            <a:ln>
+              <a:solidFill>
+                <a:schemeClr val="bg1"/>
+              </a:solidFill>
+            </a:ln>
+          </p:spPr>
+          <p:style>
+            <a:lnRef idx="2">
+              <a:schemeClr val="accent1">
+                <a:shade val="50000"/>
+              </a:schemeClr>
+            </a:lnRef>
+            <a:fillRef idx="1">
+              <a:schemeClr val="accent1"/>
+            </a:fillRef>
+            <a:effectRef idx="0">
+              <a:schemeClr val="accent1"/>
+            </a:effectRef>
+            <a:fontRef idx="minor">
+              <a:schemeClr val="lt1"/>
+            </a:fontRef>
+          </p:style>
+          <p:txBody>
+            <a:bodyPr rtlCol="0" anchor="ctr"/>
+            <a:lstStyle/>
+            <a:p>
+              <a:pPr algn="ctr"/>
+              <a:r>
+                <a:rPr lang="en-GB" sz="800" dirty="0" smtClean="0"/>
+                <a:t>Hive Impala</a:t>
+              </a:r>
+              <a:endParaRPr lang="en-GB" sz="800" dirty="0"/>
+            </a:p>
+          </p:txBody>
+        </p:sp>
+        <p:sp>
+          <p:nvSpPr>
+            <p:cNvPr id="43" name="Rectangle 42"/>
+            <p:cNvSpPr/>
+            <p:nvPr/>
+          </p:nvSpPr>
+          <p:spPr>
+            <a:xfrm>
+              <a:off x="5181528" y="6453336"/>
+              <a:ext cx="611560" cy="404664"/>
+            </a:xfrm>
+            <a:prstGeom prst="rect">
+              <a:avLst/>
+            </a:prstGeom>
+            <a:noFill/>
+            <a:ln>
+              <a:solidFill>
+                <a:schemeClr val="bg1"/>
+              </a:solidFill>
+            </a:ln>
+          </p:spPr>
+          <p:style>
+            <a:lnRef idx="2">
+              <a:schemeClr val="accent1">
+                <a:shade val="50000"/>
+              </a:schemeClr>
+            </a:lnRef>
+            <a:fillRef idx="1">
+              <a:schemeClr val="accent1"/>
+            </a:fillRef>
+            <a:effectRef idx="0">
+              <a:schemeClr val="accent1"/>
+            </a:effectRef>
+            <a:fontRef idx="minor">
+              <a:schemeClr val="lt1"/>
+            </a:fontRef>
+          </p:style>
+          <p:txBody>
+            <a:bodyPr rtlCol="0" anchor="ctr"/>
+            <a:lstStyle/>
+            <a:p>
+              <a:pPr algn="ctr"/>
+              <a:r>
+                <a:rPr lang="en-GB" sz="800" dirty="0" err="1" smtClean="0"/>
+                <a:t>Scala</a:t>
+              </a:r>
+              <a:endParaRPr lang="en-GB" sz="800" dirty="0"/>
+            </a:p>
+          </p:txBody>
+        </p:sp>
+        <p:sp>
+          <p:nvSpPr>
+            <p:cNvPr id="44" name="Rectangle 43"/>
+            <p:cNvSpPr/>
+            <p:nvPr/>
+          </p:nvSpPr>
+          <p:spPr>
+            <a:xfrm>
+              <a:off x="5793088" y="6453336"/>
+              <a:ext cx="611560" cy="404664"/>
+            </a:xfrm>
+            <a:prstGeom prst="rect">
+              <a:avLst/>
+            </a:prstGeom>
+            <a:solidFill>
+              <a:schemeClr val="bg1"/>
+            </a:solidFill>
+            <a:ln>
+              <a:solidFill>
+                <a:schemeClr val="bg1"/>
+              </a:solidFill>
+            </a:ln>
+          </p:spPr>
+          <p:style>
+            <a:lnRef idx="2">
+              <a:schemeClr val="accent1">
+                <a:shade val="50000"/>
+              </a:schemeClr>
+            </a:lnRef>
+            <a:fillRef idx="1">
+              <a:schemeClr val="accent1"/>
+            </a:fillRef>
+            <a:effectRef idx="0">
+              <a:schemeClr val="accent1"/>
+            </a:effectRef>
+            <a:fontRef idx="minor">
+              <a:schemeClr val="lt1"/>
+            </a:fontRef>
+          </p:style>
+          <p:txBody>
+            <a:bodyPr rtlCol="0" anchor="ctr"/>
+            <a:lstStyle/>
+            <a:p>
+              <a:pPr algn="ctr"/>
+              <a:r>
+                <a:rPr lang="en-GB" sz="800" dirty="0" smtClean="0"/>
+                <a:t>Spark</a:t>
+              </a:r>
+              <a:endParaRPr lang="en-GB" sz="800" dirty="0"/>
+            </a:p>
+          </p:txBody>
+        </p:sp>
+        <p:sp>
+          <p:nvSpPr>
+            <p:cNvPr id="45" name="Rectangle 44"/>
+            <p:cNvSpPr/>
+            <p:nvPr/>
+          </p:nvSpPr>
+          <p:spPr>
+            <a:xfrm>
+              <a:off x="6404648" y="6453336"/>
+              <a:ext cx="611560" cy="404664"/>
+            </a:xfrm>
+            <a:prstGeom prst="rect">
+              <a:avLst/>
+            </a:prstGeom>
+            <a:noFill/>
+            <a:ln>
+              <a:solidFill>
+                <a:schemeClr val="bg1"/>
+              </a:solidFill>
+            </a:ln>
+          </p:spPr>
+          <p:style>
+            <a:lnRef idx="2">
+              <a:schemeClr val="accent1">
+                <a:shade val="50000"/>
+              </a:schemeClr>
+            </a:lnRef>
+            <a:fillRef idx="1">
+              <a:schemeClr val="accent1"/>
+            </a:fillRef>
+            <a:effectRef idx="0">
+              <a:schemeClr val="accent1"/>
+            </a:effectRef>
+            <a:fontRef idx="minor">
+              <a:schemeClr val="lt1"/>
+            </a:fontRef>
+          </p:style>
+          <p:txBody>
+            <a:bodyPr rtlCol="0" anchor="ctr"/>
+            <a:lstStyle/>
+            <a:p>
+              <a:pPr algn="ctr"/>
+              <a:r>
+                <a:rPr lang="en-GB" sz="800" dirty="0" err="1" smtClean="0"/>
+                <a:t>Pentaho</a:t>
+              </a:r>
+              <a:endParaRPr lang="en-GB" sz="800" dirty="0"/>
+            </a:p>
+          </p:txBody>
+        </p:sp>
+        <p:sp>
+          <p:nvSpPr>
+            <p:cNvPr id="46" name="Rectangle 45"/>
+            <p:cNvSpPr/>
+            <p:nvPr/>
+          </p:nvSpPr>
+          <p:spPr>
+            <a:xfrm>
+              <a:off x="7016208" y="6453336"/>
+              <a:ext cx="609819" cy="404664"/>
+            </a:xfrm>
+            <a:prstGeom prst="rect">
+              <a:avLst/>
+            </a:prstGeom>
+            <a:noFill/>
+            <a:ln>
+              <a:solidFill>
+                <a:schemeClr val="bg1"/>
+              </a:solidFill>
+            </a:ln>
+          </p:spPr>
+          <p:style>
+            <a:lnRef idx="2">
+              <a:schemeClr val="accent1">
+                <a:shade val="50000"/>
+              </a:schemeClr>
+            </a:lnRef>
+            <a:fillRef idx="1">
+              <a:schemeClr val="accent1"/>
+            </a:fillRef>
+            <a:effectRef idx="0">
+              <a:schemeClr val="accent1"/>
+            </a:effectRef>
+            <a:fontRef idx="minor">
+              <a:schemeClr val="lt1"/>
+            </a:fontRef>
+          </p:style>
+          <p:txBody>
+            <a:bodyPr rtlCol="0" anchor="ctr"/>
+            <a:lstStyle/>
+            <a:p>
+              <a:pPr algn="ctr"/>
+              <a:r>
+                <a:rPr lang="en-GB" sz="800" dirty="0" smtClean="0"/>
+                <a:t>Agile SCRUM</a:t>
+              </a:r>
+              <a:endParaRPr lang="en-GB" sz="800" dirty="0"/>
+            </a:p>
+          </p:txBody>
+        </p:sp>
+        <p:sp>
+          <p:nvSpPr>
+            <p:cNvPr id="47" name="Rectangle 46"/>
+            <p:cNvSpPr/>
+            <p:nvPr/>
+          </p:nvSpPr>
+          <p:spPr>
+            <a:xfrm>
+              <a:off x="7626027" y="6453336"/>
+              <a:ext cx="611560" cy="404664"/>
+            </a:xfrm>
+            <a:prstGeom prst="rect">
+              <a:avLst/>
+            </a:prstGeom>
+            <a:noFill/>
+            <a:ln>
+              <a:solidFill>
+                <a:schemeClr val="bg1"/>
+              </a:solidFill>
+            </a:ln>
+          </p:spPr>
+          <p:style>
+            <a:lnRef idx="2">
+              <a:schemeClr val="accent1">
+                <a:shade val="50000"/>
+              </a:schemeClr>
+            </a:lnRef>
+            <a:fillRef idx="1">
+              <a:schemeClr val="accent1"/>
+            </a:fillRef>
+            <a:effectRef idx="0">
+              <a:schemeClr val="accent1"/>
+            </a:effectRef>
+            <a:fontRef idx="minor">
+              <a:schemeClr val="lt1"/>
+            </a:fontRef>
+          </p:style>
+          <p:txBody>
+            <a:bodyPr rtlCol="0" anchor="ctr"/>
+            <a:lstStyle/>
+            <a:p>
+              <a:pPr algn="ctr"/>
+              <a:r>
+                <a:rPr lang="en-GB" sz="800" dirty="0" smtClean="0"/>
+                <a:t>Final Project</a:t>
+              </a:r>
+              <a:endParaRPr lang="en-GB" sz="800" dirty="0"/>
+            </a:p>
+          </p:txBody>
+        </p:sp>
+        <p:sp>
+          <p:nvSpPr>
+            <p:cNvPr id="48" name="Rectangle 47"/>
+            <p:cNvSpPr/>
+            <p:nvPr/>
+          </p:nvSpPr>
+          <p:spPr>
+            <a:xfrm>
+              <a:off x="8237587" y="6453336"/>
+              <a:ext cx="899591" cy="404664"/>
+            </a:xfrm>
+            <a:prstGeom prst="rect">
+              <a:avLst/>
+            </a:prstGeom>
+            <a:noFill/>
+            <a:ln>
+              <a:solidFill>
+                <a:schemeClr val="bg1"/>
+              </a:solidFill>
+            </a:ln>
+          </p:spPr>
+          <p:style>
+            <a:lnRef idx="2">
+              <a:schemeClr val="accent1">
+                <a:shade val="50000"/>
+              </a:schemeClr>
+            </a:lnRef>
+            <a:fillRef idx="1">
+              <a:schemeClr val="accent1"/>
+            </a:fillRef>
+            <a:effectRef idx="0">
+              <a:schemeClr val="accent1"/>
+            </a:effectRef>
+            <a:fontRef idx="minor">
+              <a:schemeClr val="lt1"/>
+            </a:fontRef>
+          </p:style>
+          <p:txBody>
+            <a:bodyPr rtlCol="0" anchor="ctr"/>
+            <a:lstStyle/>
+            <a:p>
+              <a:pPr algn="ctr"/>
+              <a:r>
+                <a:rPr lang="en-GB" sz="800" dirty="0" smtClean="0"/>
+                <a:t>Conclusions</a:t>
+              </a:r>
+              <a:endParaRPr lang="en-GB" sz="800" dirty="0"/>
+            </a:p>
+          </p:txBody>
+        </p:sp>
+      </p:grpSp>
       <p:pic>
         <p:nvPicPr>
-          <p:cNvPr id="15362" name="Picture 2"/>
+          <p:cNvPr id="15363" name="Picture 3"/>
           <p:cNvPicPr>
             <a:picLocks noChangeAspect="1" noChangeArrowheads="1"/>
           </p:cNvPicPr>
@@ -24109,8 +24811,8 @@
         </p:blipFill>
         <p:spPr bwMode="auto">
           <a:xfrm>
-            <a:off x="4576788" y="1486296"/>
-            <a:ext cx="4111053" cy="721390"/>
+            <a:off x="4248263" y="1556792"/>
+            <a:ext cx="4445940" cy="240887"/>
           </a:xfrm>
           <a:prstGeom prst="rect">
             <a:avLst/>
@@ -24150,729 +24852,6 @@
           </a:extLst>
         </p:spPr>
       </p:pic>
-      <p:grpSp>
-        <p:nvGrpSpPr>
-          <p:cNvPr id="32" name="Group 31"/>
-          <p:cNvGrpSpPr>
-            <a:grpSpLocks noChangeAspect="1"/>
-          </p:cNvGrpSpPr>
-          <p:nvPr/>
-        </p:nvGrpSpPr>
-        <p:grpSpPr>
-          <a:xfrm>
-            <a:off x="-1" y="6453336"/>
-            <a:ext cx="9137179" cy="404664"/>
-            <a:chOff x="-1" y="6453336"/>
-            <a:chExt cx="9137179" cy="404664"/>
-          </a:xfrm>
-        </p:grpSpPr>
-        <p:sp>
-          <p:nvSpPr>
-            <p:cNvPr id="33" name="Rectangle 32"/>
-            <p:cNvSpPr/>
-            <p:nvPr/>
-          </p:nvSpPr>
-          <p:spPr>
-            <a:xfrm>
-              <a:off x="-1" y="6453336"/>
-              <a:ext cx="905469" cy="404664"/>
-            </a:xfrm>
-            <a:prstGeom prst="rect">
-              <a:avLst/>
-            </a:prstGeom>
-            <a:noFill/>
-            <a:ln>
-              <a:solidFill>
-                <a:schemeClr val="bg1"/>
-              </a:solidFill>
-            </a:ln>
-          </p:spPr>
-          <p:style>
-            <a:lnRef idx="2">
-              <a:schemeClr val="accent1">
-                <a:shade val="50000"/>
-              </a:schemeClr>
-            </a:lnRef>
-            <a:fillRef idx="1">
-              <a:schemeClr val="accent1"/>
-            </a:fillRef>
-            <a:effectRef idx="0">
-              <a:schemeClr val="accent1"/>
-            </a:effectRef>
-            <a:fontRef idx="minor">
-              <a:schemeClr val="lt1"/>
-            </a:fontRef>
-          </p:style>
-          <p:txBody>
-            <a:bodyPr rtlCol="0" anchor="ctr"/>
-            <a:lstStyle/>
-            <a:p>
-              <a:pPr algn="ctr"/>
-              <a:r>
-                <a:rPr lang="en-GB" sz="800" dirty="0" smtClean="0"/>
-                <a:t>Introduction</a:t>
-              </a:r>
-              <a:endParaRPr lang="en-GB" sz="900" dirty="0"/>
-            </a:p>
-          </p:txBody>
-        </p:sp>
-        <p:sp>
-          <p:nvSpPr>
-            <p:cNvPr id="34" name="Rectangle 33"/>
-            <p:cNvSpPr/>
-            <p:nvPr/>
-          </p:nvSpPr>
-          <p:spPr>
-            <a:xfrm>
-              <a:off x="2128588" y="6453336"/>
-              <a:ext cx="606699" cy="404664"/>
-            </a:xfrm>
-            <a:prstGeom prst="rect">
-              <a:avLst/>
-            </a:prstGeom>
-            <a:noFill/>
-            <a:ln>
-              <a:solidFill>
-                <a:schemeClr val="bg1"/>
-              </a:solidFill>
-            </a:ln>
-          </p:spPr>
-          <p:style>
-            <a:lnRef idx="2">
-              <a:schemeClr val="accent1">
-                <a:shade val="50000"/>
-              </a:schemeClr>
-            </a:lnRef>
-            <a:fillRef idx="1">
-              <a:schemeClr val="accent1"/>
-            </a:fillRef>
-            <a:effectRef idx="0">
-              <a:schemeClr val="accent1"/>
-            </a:effectRef>
-            <a:fontRef idx="minor">
-              <a:schemeClr val="lt1"/>
-            </a:fontRef>
-          </p:style>
-          <p:txBody>
-            <a:bodyPr rtlCol="0" anchor="ctr"/>
-            <a:lstStyle/>
-            <a:p>
-              <a:pPr algn="ctr"/>
-              <a:r>
-                <a:rPr lang="en-GB" sz="800" dirty="0" smtClean="0"/>
-                <a:t>SQL</a:t>
-              </a:r>
-              <a:endParaRPr lang="en-GB" sz="800" dirty="0"/>
-            </a:p>
-          </p:txBody>
-        </p:sp>
-        <p:sp>
-          <p:nvSpPr>
-            <p:cNvPr id="35" name="Rectangle 34"/>
-            <p:cNvSpPr/>
-            <p:nvPr/>
-          </p:nvSpPr>
-          <p:spPr>
-            <a:xfrm>
-              <a:off x="1517029" y="6453336"/>
-              <a:ext cx="611560" cy="404664"/>
-            </a:xfrm>
-            <a:prstGeom prst="rect">
-              <a:avLst/>
-            </a:prstGeom>
-            <a:noFill/>
-            <a:ln>
-              <a:solidFill>
-                <a:schemeClr val="bg1"/>
-              </a:solidFill>
-            </a:ln>
-          </p:spPr>
-          <p:style>
-            <a:lnRef idx="2">
-              <a:schemeClr val="accent1">
-                <a:shade val="50000"/>
-              </a:schemeClr>
-            </a:lnRef>
-            <a:fillRef idx="1">
-              <a:schemeClr val="accent1"/>
-            </a:fillRef>
-            <a:effectRef idx="0">
-              <a:schemeClr val="accent1"/>
-            </a:effectRef>
-            <a:fontRef idx="minor">
-              <a:schemeClr val="lt1"/>
-            </a:fontRef>
-          </p:style>
-          <p:txBody>
-            <a:bodyPr rtlCol="0" anchor="ctr"/>
-            <a:lstStyle/>
-            <a:p>
-              <a:pPr algn="ctr"/>
-              <a:r>
-                <a:rPr lang="en-GB" sz="800" dirty="0" smtClean="0"/>
-                <a:t>R</a:t>
-              </a:r>
-              <a:endParaRPr lang="en-GB" sz="800" dirty="0"/>
-            </a:p>
-          </p:txBody>
-        </p:sp>
-        <p:sp>
-          <p:nvSpPr>
-            <p:cNvPr id="36" name="Rectangle 35"/>
-            <p:cNvSpPr/>
-            <p:nvPr/>
-          </p:nvSpPr>
-          <p:spPr>
-            <a:xfrm>
-              <a:off x="2735288" y="6453336"/>
-              <a:ext cx="611560" cy="404664"/>
-            </a:xfrm>
-            <a:prstGeom prst="rect">
-              <a:avLst/>
-            </a:prstGeom>
-            <a:noFill/>
-            <a:ln>
-              <a:solidFill>
-                <a:schemeClr val="bg1"/>
-              </a:solidFill>
-            </a:ln>
-          </p:spPr>
-          <p:style>
-            <a:lnRef idx="2">
-              <a:schemeClr val="accent1">
-                <a:shade val="50000"/>
-              </a:schemeClr>
-            </a:lnRef>
-            <a:fillRef idx="1">
-              <a:schemeClr val="accent1"/>
-            </a:fillRef>
-            <a:effectRef idx="0">
-              <a:schemeClr val="accent1"/>
-            </a:effectRef>
-            <a:fontRef idx="minor">
-              <a:schemeClr val="lt1"/>
-            </a:fontRef>
-          </p:style>
-          <p:txBody>
-            <a:bodyPr rtlCol="0" anchor="ctr"/>
-            <a:lstStyle/>
-            <a:p>
-              <a:pPr algn="ctr"/>
-              <a:r>
-                <a:rPr lang="en-GB" sz="800" dirty="0" err="1" smtClean="0"/>
-                <a:t>Hadoop</a:t>
-              </a:r>
-              <a:r>
-                <a:rPr lang="en-GB" sz="800" dirty="0" smtClean="0"/>
-                <a:t> Cluster</a:t>
-              </a:r>
-              <a:endParaRPr lang="en-GB" sz="800" dirty="0"/>
-            </a:p>
-          </p:txBody>
-        </p:sp>
-        <p:sp>
-          <p:nvSpPr>
-            <p:cNvPr id="38" name="Rectangle 37"/>
-            <p:cNvSpPr/>
-            <p:nvPr/>
-          </p:nvSpPr>
-          <p:spPr>
-            <a:xfrm>
-              <a:off x="905469" y="6453336"/>
-              <a:ext cx="611560" cy="404664"/>
-            </a:xfrm>
-            <a:prstGeom prst="rect">
-              <a:avLst/>
-            </a:prstGeom>
-            <a:noFill/>
-            <a:ln>
-              <a:solidFill>
-                <a:schemeClr val="bg1"/>
-              </a:solidFill>
-            </a:ln>
-          </p:spPr>
-          <p:style>
-            <a:lnRef idx="2">
-              <a:schemeClr val="accent1">
-                <a:shade val="50000"/>
-              </a:schemeClr>
-            </a:lnRef>
-            <a:fillRef idx="1">
-              <a:schemeClr val="accent1"/>
-            </a:fillRef>
-            <a:effectRef idx="0">
-              <a:schemeClr val="accent1"/>
-            </a:effectRef>
-            <a:fontRef idx="minor">
-              <a:schemeClr val="lt1"/>
-            </a:fontRef>
-          </p:style>
-          <p:txBody>
-            <a:bodyPr rtlCol="0" anchor="ctr"/>
-            <a:lstStyle/>
-            <a:p>
-              <a:pPr algn="ctr"/>
-              <a:r>
-                <a:rPr lang="en-GB" sz="800" dirty="0" smtClean="0"/>
-                <a:t>Python</a:t>
-              </a:r>
-              <a:endParaRPr lang="en-GB" sz="800" dirty="0"/>
-            </a:p>
-          </p:txBody>
-        </p:sp>
-        <p:sp>
-          <p:nvSpPr>
-            <p:cNvPr id="40" name="Rectangle 39"/>
-            <p:cNvSpPr/>
-            <p:nvPr/>
-          </p:nvSpPr>
-          <p:spPr>
-            <a:xfrm>
-              <a:off x="3346848" y="6453336"/>
-              <a:ext cx="611560" cy="404664"/>
-            </a:xfrm>
-            <a:prstGeom prst="rect">
-              <a:avLst/>
-            </a:prstGeom>
-            <a:noFill/>
-            <a:ln>
-              <a:solidFill>
-                <a:schemeClr val="bg1"/>
-              </a:solidFill>
-            </a:ln>
-          </p:spPr>
-          <p:style>
-            <a:lnRef idx="2">
-              <a:schemeClr val="accent1">
-                <a:shade val="50000"/>
-              </a:schemeClr>
-            </a:lnRef>
-            <a:fillRef idx="1">
-              <a:schemeClr val="accent1"/>
-            </a:fillRef>
-            <a:effectRef idx="0">
-              <a:schemeClr val="accent1"/>
-            </a:effectRef>
-            <a:fontRef idx="minor">
-              <a:schemeClr val="lt1"/>
-            </a:fontRef>
-          </p:style>
-          <p:txBody>
-            <a:bodyPr rtlCol="0" anchor="ctr"/>
-            <a:lstStyle/>
-            <a:p>
-              <a:pPr algn="ctr"/>
-              <a:r>
-                <a:rPr lang="en-GB" sz="800" dirty="0" smtClean="0"/>
-                <a:t>Mongo DB</a:t>
-              </a:r>
-              <a:endParaRPr lang="en-GB" sz="800" dirty="0"/>
-            </a:p>
-          </p:txBody>
-        </p:sp>
-        <p:sp>
-          <p:nvSpPr>
-            <p:cNvPr id="41" name="Rectangle 40"/>
-            <p:cNvSpPr/>
-            <p:nvPr/>
-          </p:nvSpPr>
-          <p:spPr>
-            <a:xfrm>
-              <a:off x="3958408" y="6453336"/>
-              <a:ext cx="611560" cy="404664"/>
-            </a:xfrm>
-            <a:prstGeom prst="rect">
-              <a:avLst/>
-            </a:prstGeom>
-            <a:noFill/>
-            <a:ln>
-              <a:solidFill>
-                <a:schemeClr val="bg1"/>
-              </a:solidFill>
-            </a:ln>
-          </p:spPr>
-          <p:style>
-            <a:lnRef idx="2">
-              <a:schemeClr val="accent1">
-                <a:shade val="50000"/>
-              </a:schemeClr>
-            </a:lnRef>
-            <a:fillRef idx="1">
-              <a:schemeClr val="accent1"/>
-            </a:fillRef>
-            <a:effectRef idx="0">
-              <a:schemeClr val="accent1"/>
-            </a:effectRef>
-            <a:fontRef idx="minor">
-              <a:schemeClr val="lt1"/>
-            </a:fontRef>
-          </p:style>
-          <p:txBody>
-            <a:bodyPr rtlCol="0" anchor="ctr"/>
-            <a:lstStyle/>
-            <a:p>
-              <a:pPr algn="ctr"/>
-              <a:r>
-                <a:rPr lang="en-GB" sz="800" dirty="0" smtClean="0"/>
-                <a:t>CI</a:t>
-              </a:r>
-              <a:endParaRPr lang="en-GB" sz="800" dirty="0"/>
-            </a:p>
-          </p:txBody>
-        </p:sp>
-        <p:sp>
-          <p:nvSpPr>
-            <p:cNvPr id="42" name="Rectangle 41"/>
-            <p:cNvSpPr/>
-            <p:nvPr/>
-          </p:nvSpPr>
-          <p:spPr>
-            <a:xfrm>
-              <a:off x="4569968" y="6453336"/>
-              <a:ext cx="611560" cy="404664"/>
-            </a:xfrm>
-            <a:prstGeom prst="rect">
-              <a:avLst/>
-            </a:prstGeom>
-            <a:noFill/>
-            <a:ln>
-              <a:solidFill>
-                <a:schemeClr val="bg1"/>
-              </a:solidFill>
-            </a:ln>
-          </p:spPr>
-          <p:style>
-            <a:lnRef idx="2">
-              <a:schemeClr val="accent1">
-                <a:shade val="50000"/>
-              </a:schemeClr>
-            </a:lnRef>
-            <a:fillRef idx="1">
-              <a:schemeClr val="accent1"/>
-            </a:fillRef>
-            <a:effectRef idx="0">
-              <a:schemeClr val="accent1"/>
-            </a:effectRef>
-            <a:fontRef idx="minor">
-              <a:schemeClr val="lt1"/>
-            </a:fontRef>
-          </p:style>
-          <p:txBody>
-            <a:bodyPr rtlCol="0" anchor="ctr"/>
-            <a:lstStyle/>
-            <a:p>
-              <a:pPr algn="ctr"/>
-              <a:r>
-                <a:rPr lang="en-GB" sz="800" dirty="0" smtClean="0"/>
-                <a:t>Hive Impala</a:t>
-              </a:r>
-              <a:endParaRPr lang="en-GB" sz="800" dirty="0"/>
-            </a:p>
-          </p:txBody>
-        </p:sp>
-        <p:sp>
-          <p:nvSpPr>
-            <p:cNvPr id="43" name="Rectangle 42"/>
-            <p:cNvSpPr/>
-            <p:nvPr/>
-          </p:nvSpPr>
-          <p:spPr>
-            <a:xfrm>
-              <a:off x="5181528" y="6453336"/>
-              <a:ext cx="611560" cy="404664"/>
-            </a:xfrm>
-            <a:prstGeom prst="rect">
-              <a:avLst/>
-            </a:prstGeom>
-            <a:noFill/>
-            <a:ln>
-              <a:solidFill>
-                <a:schemeClr val="bg1"/>
-              </a:solidFill>
-            </a:ln>
-          </p:spPr>
-          <p:style>
-            <a:lnRef idx="2">
-              <a:schemeClr val="accent1">
-                <a:shade val="50000"/>
-              </a:schemeClr>
-            </a:lnRef>
-            <a:fillRef idx="1">
-              <a:schemeClr val="accent1"/>
-            </a:fillRef>
-            <a:effectRef idx="0">
-              <a:schemeClr val="accent1"/>
-            </a:effectRef>
-            <a:fontRef idx="minor">
-              <a:schemeClr val="lt1"/>
-            </a:fontRef>
-          </p:style>
-          <p:txBody>
-            <a:bodyPr rtlCol="0" anchor="ctr"/>
-            <a:lstStyle/>
-            <a:p>
-              <a:pPr algn="ctr"/>
-              <a:r>
-                <a:rPr lang="en-GB" sz="800" dirty="0" err="1" smtClean="0"/>
-                <a:t>Scala</a:t>
-              </a:r>
-              <a:endParaRPr lang="en-GB" sz="800" dirty="0"/>
-            </a:p>
-          </p:txBody>
-        </p:sp>
-        <p:sp>
-          <p:nvSpPr>
-            <p:cNvPr id="44" name="Rectangle 43"/>
-            <p:cNvSpPr/>
-            <p:nvPr/>
-          </p:nvSpPr>
-          <p:spPr>
-            <a:xfrm>
-              <a:off x="5793088" y="6453336"/>
-              <a:ext cx="611560" cy="404664"/>
-            </a:xfrm>
-            <a:prstGeom prst="rect">
-              <a:avLst/>
-            </a:prstGeom>
-            <a:solidFill>
-              <a:schemeClr val="bg1"/>
-            </a:solidFill>
-            <a:ln>
-              <a:solidFill>
-                <a:schemeClr val="bg1"/>
-              </a:solidFill>
-            </a:ln>
-          </p:spPr>
-          <p:style>
-            <a:lnRef idx="2">
-              <a:schemeClr val="accent1">
-                <a:shade val="50000"/>
-              </a:schemeClr>
-            </a:lnRef>
-            <a:fillRef idx="1">
-              <a:schemeClr val="accent1"/>
-            </a:fillRef>
-            <a:effectRef idx="0">
-              <a:schemeClr val="accent1"/>
-            </a:effectRef>
-            <a:fontRef idx="minor">
-              <a:schemeClr val="lt1"/>
-            </a:fontRef>
-          </p:style>
-          <p:txBody>
-            <a:bodyPr rtlCol="0" anchor="ctr"/>
-            <a:lstStyle/>
-            <a:p>
-              <a:pPr algn="ctr"/>
-              <a:r>
-                <a:rPr lang="en-GB" sz="800" dirty="0" smtClean="0"/>
-                <a:t>Spark</a:t>
-              </a:r>
-              <a:endParaRPr lang="en-GB" sz="800" dirty="0"/>
-            </a:p>
-          </p:txBody>
-        </p:sp>
-        <p:sp>
-          <p:nvSpPr>
-            <p:cNvPr id="45" name="Rectangle 44"/>
-            <p:cNvSpPr/>
-            <p:nvPr/>
-          </p:nvSpPr>
-          <p:spPr>
-            <a:xfrm>
-              <a:off x="6404648" y="6453336"/>
-              <a:ext cx="611560" cy="404664"/>
-            </a:xfrm>
-            <a:prstGeom prst="rect">
-              <a:avLst/>
-            </a:prstGeom>
-            <a:noFill/>
-            <a:ln>
-              <a:solidFill>
-                <a:schemeClr val="bg1"/>
-              </a:solidFill>
-            </a:ln>
-          </p:spPr>
-          <p:style>
-            <a:lnRef idx="2">
-              <a:schemeClr val="accent1">
-                <a:shade val="50000"/>
-              </a:schemeClr>
-            </a:lnRef>
-            <a:fillRef idx="1">
-              <a:schemeClr val="accent1"/>
-            </a:fillRef>
-            <a:effectRef idx="0">
-              <a:schemeClr val="accent1"/>
-            </a:effectRef>
-            <a:fontRef idx="minor">
-              <a:schemeClr val="lt1"/>
-            </a:fontRef>
-          </p:style>
-          <p:txBody>
-            <a:bodyPr rtlCol="0" anchor="ctr"/>
-            <a:lstStyle/>
-            <a:p>
-              <a:pPr algn="ctr"/>
-              <a:r>
-                <a:rPr lang="en-GB" sz="800" dirty="0" err="1" smtClean="0"/>
-                <a:t>Pentaho</a:t>
-              </a:r>
-              <a:endParaRPr lang="en-GB" sz="800" dirty="0"/>
-            </a:p>
-          </p:txBody>
-        </p:sp>
-        <p:sp>
-          <p:nvSpPr>
-            <p:cNvPr id="46" name="Rectangle 45"/>
-            <p:cNvSpPr/>
-            <p:nvPr/>
-          </p:nvSpPr>
-          <p:spPr>
-            <a:xfrm>
-              <a:off x="7016208" y="6453336"/>
-              <a:ext cx="609819" cy="404664"/>
-            </a:xfrm>
-            <a:prstGeom prst="rect">
-              <a:avLst/>
-            </a:prstGeom>
-            <a:noFill/>
-            <a:ln>
-              <a:solidFill>
-                <a:schemeClr val="bg1"/>
-              </a:solidFill>
-            </a:ln>
-          </p:spPr>
-          <p:style>
-            <a:lnRef idx="2">
-              <a:schemeClr val="accent1">
-                <a:shade val="50000"/>
-              </a:schemeClr>
-            </a:lnRef>
-            <a:fillRef idx="1">
-              <a:schemeClr val="accent1"/>
-            </a:fillRef>
-            <a:effectRef idx="0">
-              <a:schemeClr val="accent1"/>
-            </a:effectRef>
-            <a:fontRef idx="minor">
-              <a:schemeClr val="lt1"/>
-            </a:fontRef>
-          </p:style>
-          <p:txBody>
-            <a:bodyPr rtlCol="0" anchor="ctr"/>
-            <a:lstStyle/>
-            <a:p>
-              <a:pPr algn="ctr"/>
-              <a:r>
-                <a:rPr lang="en-GB" sz="800" dirty="0" smtClean="0"/>
-                <a:t>Agile SCRUM</a:t>
-              </a:r>
-              <a:endParaRPr lang="en-GB" sz="800" dirty="0"/>
-            </a:p>
-          </p:txBody>
-        </p:sp>
-        <p:sp>
-          <p:nvSpPr>
-            <p:cNvPr id="47" name="Rectangle 46"/>
-            <p:cNvSpPr/>
-            <p:nvPr/>
-          </p:nvSpPr>
-          <p:spPr>
-            <a:xfrm>
-              <a:off x="7626027" y="6453336"/>
-              <a:ext cx="611560" cy="404664"/>
-            </a:xfrm>
-            <a:prstGeom prst="rect">
-              <a:avLst/>
-            </a:prstGeom>
-            <a:noFill/>
-            <a:ln>
-              <a:solidFill>
-                <a:schemeClr val="bg1"/>
-              </a:solidFill>
-            </a:ln>
-          </p:spPr>
-          <p:style>
-            <a:lnRef idx="2">
-              <a:schemeClr val="accent1">
-                <a:shade val="50000"/>
-              </a:schemeClr>
-            </a:lnRef>
-            <a:fillRef idx="1">
-              <a:schemeClr val="accent1"/>
-            </a:fillRef>
-            <a:effectRef idx="0">
-              <a:schemeClr val="accent1"/>
-            </a:effectRef>
-            <a:fontRef idx="minor">
-              <a:schemeClr val="lt1"/>
-            </a:fontRef>
-          </p:style>
-          <p:txBody>
-            <a:bodyPr rtlCol="0" anchor="ctr"/>
-            <a:lstStyle/>
-            <a:p>
-              <a:pPr algn="ctr"/>
-              <a:r>
-                <a:rPr lang="en-GB" sz="800" dirty="0" smtClean="0"/>
-                <a:t>Final Project</a:t>
-              </a:r>
-              <a:endParaRPr lang="en-GB" sz="800" dirty="0"/>
-            </a:p>
-          </p:txBody>
-        </p:sp>
-        <p:sp>
-          <p:nvSpPr>
-            <p:cNvPr id="48" name="Rectangle 47"/>
-            <p:cNvSpPr/>
-            <p:nvPr/>
-          </p:nvSpPr>
-          <p:spPr>
-            <a:xfrm>
-              <a:off x="8237587" y="6453336"/>
-              <a:ext cx="899591" cy="404664"/>
-            </a:xfrm>
-            <a:prstGeom prst="rect">
-              <a:avLst/>
-            </a:prstGeom>
-            <a:noFill/>
-            <a:ln>
-              <a:solidFill>
-                <a:schemeClr val="bg1"/>
-              </a:solidFill>
-            </a:ln>
-          </p:spPr>
-          <p:style>
-            <a:lnRef idx="2">
-              <a:schemeClr val="accent1">
-                <a:shade val="50000"/>
-              </a:schemeClr>
-            </a:lnRef>
-            <a:fillRef idx="1">
-              <a:schemeClr val="accent1"/>
-            </a:fillRef>
-            <a:effectRef idx="0">
-              <a:schemeClr val="accent1"/>
-            </a:effectRef>
-            <a:fontRef idx="minor">
-              <a:schemeClr val="lt1"/>
-            </a:fontRef>
-          </p:style>
-          <p:txBody>
-            <a:bodyPr rtlCol="0" anchor="ctr"/>
-            <a:lstStyle/>
-            <a:p>
-              <a:pPr algn="ctr"/>
-              <a:r>
-                <a:rPr lang="en-GB" sz="800" dirty="0" smtClean="0"/>
-                <a:t>Conclusions</a:t>
-              </a:r>
-              <a:endParaRPr lang="en-GB" sz="800" dirty="0"/>
-            </a:p>
-          </p:txBody>
-        </p:sp>
-      </p:grpSp>
     </p:spTree>
     <p:extLst>
       <p:ext uri="{BB962C8B-B14F-4D97-AF65-F5344CB8AC3E}">
@@ -25007,16 +24986,15 @@
           <p:cNvPicPr/>
           <p:nvPr/>
         </p:nvPicPr>
-        <p:blipFill>
+        <p:blipFill rotWithShape="1">
           <a:blip r:embed="rId2"/>
-          <a:stretch>
-            <a:fillRect/>
-          </a:stretch>
+          <a:srcRect t="38376"/>
+          <a:stretch/>
         </p:blipFill>
         <p:spPr>
           <a:xfrm>
-            <a:off x="4960276" y="1391683"/>
-            <a:ext cx="3513946" cy="1224136"/>
+            <a:off x="4427989" y="1556792"/>
+            <a:ext cx="4217291" cy="754362"/>
           </a:xfrm>
           <a:prstGeom prst="rect">
             <a:avLst/>
@@ -25039,8 +25017,8 @@
         </p:blipFill>
         <p:spPr>
           <a:xfrm>
-            <a:off x="4960276" y="2616344"/>
-            <a:ext cx="3513945" cy="845743"/>
+            <a:off x="4427990" y="2348880"/>
+            <a:ext cx="4217290" cy="1015026"/>
           </a:xfrm>
           <a:prstGeom prst="rect">
             <a:avLst/>
@@ -25063,32 +25041,8 @@
         </p:blipFill>
         <p:spPr>
           <a:xfrm>
-            <a:off x="4960272" y="3462087"/>
-            <a:ext cx="3513945" cy="737908"/>
-          </a:xfrm>
-          <a:prstGeom prst="rect">
-            <a:avLst/>
-          </a:prstGeom>
-        </p:spPr>
-      </p:pic>
-      <p:pic>
-        <p:nvPicPr>
-          <p:cNvPr id="28" name="Picture 27"/>
-          <p:cNvPicPr>
-            <a:picLocks noChangeAspect="1"/>
-          </p:cNvPicPr>
-          <p:nvPr/>
-        </p:nvPicPr>
-        <p:blipFill>
-          <a:blip r:embed="rId5"/>
-          <a:stretch>
-            <a:fillRect/>
-          </a:stretch>
-        </p:blipFill>
-        <p:spPr>
-          <a:xfrm>
-            <a:off x="4789214" y="4339935"/>
-            <a:ext cx="3856062" cy="249363"/>
+            <a:off x="4427986" y="3356992"/>
+            <a:ext cx="4217290" cy="885606"/>
           </a:xfrm>
           <a:prstGeom prst="rect">
             <a:avLst/>
@@ -25104,15 +25058,15 @@
           <p:nvPr/>
         </p:nvPicPr>
         <p:blipFill>
-          <a:blip r:embed="rId6"/>
+          <a:blip r:embed="rId5"/>
           <a:stretch>
             <a:fillRect/>
           </a:stretch>
         </p:blipFill>
         <p:spPr>
           <a:xfrm>
-            <a:off x="4789214" y="4626594"/>
-            <a:ext cx="3856071" cy="872773"/>
+            <a:off x="4427984" y="4478267"/>
+            <a:ext cx="4217301" cy="954533"/>
           </a:xfrm>
           <a:prstGeom prst="rect">
             <a:avLst/>
@@ -25128,15 +25082,15 @@
           <p:nvPr/>
         </p:nvPicPr>
         <p:blipFill>
-          <a:blip r:embed="rId7"/>
+          <a:blip r:embed="rId6"/>
           <a:stretch>
             <a:fillRect/>
           </a:stretch>
         </p:blipFill>
         <p:spPr>
           <a:xfrm>
-            <a:off x="4789214" y="5537802"/>
-            <a:ext cx="3856069" cy="126042"/>
+            <a:off x="4427977" y="5517232"/>
+            <a:ext cx="4217299" cy="137849"/>
           </a:xfrm>
           <a:prstGeom prst="rect">
             <a:avLst/>
@@ -25151,57 +25105,21 @@
           </p:cNvPicPr>
           <p:nvPr/>
         </p:nvPicPr>
-        <p:blipFill>
-          <a:blip r:embed="rId8"/>
-          <a:stretch>
-            <a:fillRect/>
-          </a:stretch>
+        <p:blipFill rotWithShape="1">
+          <a:blip r:embed="rId7"/>
+          <a:srcRect r="46911"/>
+          <a:stretch/>
         </p:blipFill>
         <p:spPr>
           <a:xfrm>
-            <a:off x="508294" y="4005064"/>
-            <a:ext cx="3856069" cy="1843477"/>
+            <a:off x="1211249" y="3671643"/>
+            <a:ext cx="2449287" cy="2205630"/>
           </a:xfrm>
           <a:prstGeom prst="rect">
             <a:avLst/>
           </a:prstGeom>
         </p:spPr>
       </p:pic>
-      <p:cxnSp>
-        <p:nvCxnSpPr>
-          <p:cNvPr id="19" name="Straight Arrow Connector 18"/>
-          <p:cNvCxnSpPr>
-            <a:stCxn id="32" idx="1"/>
-          </p:cNvCxnSpPr>
-          <p:nvPr/>
-        </p:nvCxnSpPr>
-        <p:spPr>
-          <a:xfrm flipH="1">
-            <a:off x="4364363" y="5600823"/>
-            <a:ext cx="424851" cy="0"/>
-          </a:xfrm>
-          <a:prstGeom prst="straightConnector1">
-            <a:avLst/>
-          </a:prstGeom>
-          <a:ln>
-            <a:tailEnd type="arrow"/>
-          </a:ln>
-        </p:spPr>
-        <p:style>
-          <a:lnRef idx="1">
-            <a:schemeClr val="accent1"/>
-          </a:lnRef>
-          <a:fillRef idx="0">
-            <a:schemeClr val="accent1"/>
-          </a:fillRef>
-          <a:effectRef idx="0">
-            <a:schemeClr val="accent1"/>
-          </a:effectRef>
-          <a:fontRef idx="minor">
-            <a:schemeClr val="tx1"/>
-          </a:fontRef>
-        </p:style>
-      </p:cxnSp>
       <p:sp>
         <p:nvSpPr>
           <p:cNvPr id="22" name="TextBox 21"/>
@@ -25955,6 +25873,42 @@
           </p:txBody>
         </p:sp>
       </p:grpSp>
+      <p:cxnSp>
+        <p:nvCxnSpPr>
+          <p:cNvPr id="50" name="Straight Arrow Connector 49"/>
+          <p:cNvCxnSpPr>
+            <a:stCxn id="32" idx="1"/>
+            <a:endCxn id="33" idx="3"/>
+          </p:cNvCxnSpPr>
+          <p:nvPr/>
+        </p:nvCxnSpPr>
+        <p:spPr>
+          <a:xfrm flipH="1" flipV="1">
+            <a:off x="3660536" y="4774458"/>
+            <a:ext cx="767441" cy="811699"/>
+          </a:xfrm>
+          <a:prstGeom prst="straightConnector1">
+            <a:avLst/>
+          </a:prstGeom>
+          <a:ln>
+            <a:tailEnd type="arrow"/>
+          </a:ln>
+        </p:spPr>
+        <p:style>
+          <a:lnRef idx="1">
+            <a:schemeClr val="accent1"/>
+          </a:lnRef>
+          <a:fillRef idx="0">
+            <a:schemeClr val="accent1"/>
+          </a:fillRef>
+          <a:effectRef idx="0">
+            <a:schemeClr val="accent1"/>
+          </a:effectRef>
+          <a:fontRef idx="minor">
+            <a:schemeClr val="tx1"/>
+          </a:fontRef>
+        </p:style>
+      </p:cxnSp>
     </p:spTree>
     <p:extLst>
       <p:ext uri="{BB962C8B-B14F-4D97-AF65-F5344CB8AC3E}">
@@ -26002,7 +25956,12 @@
             <p:ph sz="quarter" idx="13"/>
           </p:nvPr>
         </p:nvSpPr>
-        <p:spPr/>
+        <p:spPr>
+          <a:xfrm>
+            <a:off x="683568" y="1556792"/>
+            <a:ext cx="3274840" cy="4680520"/>
+          </a:xfrm>
+        </p:spPr>
         <p:txBody>
           <a:bodyPr>
             <a:normAutofit/>
@@ -26011,7 +25970,33 @@
           <a:p>
             <a:r>
               <a:rPr lang="en-GB" dirty="0" smtClean="0"/>
-              <a:t>Ran some basic machine learning tasks through the spark-shell</a:t>
+              <a:t>Split </a:t>
+            </a:r>
+            <a:r>
+              <a:rPr lang="en-GB" dirty="0" err="1" smtClean="0"/>
+              <a:t>movielens</a:t>
+            </a:r>
+            <a:r>
+              <a:rPr lang="en-GB" dirty="0" smtClean="0"/>
+              <a:t> database into training and test</a:t>
+            </a:r>
+          </a:p>
+          <a:p>
+            <a:endParaRPr lang="en-GB" dirty="0"/>
+          </a:p>
+          <a:p>
+            <a:r>
+              <a:rPr lang="en-GB" dirty="0" smtClean="0"/>
+              <a:t>Created a very simple ALS (Alternating Least Squares) model</a:t>
+            </a:r>
+          </a:p>
+          <a:p>
+            <a:endParaRPr lang="en-GB" dirty="0"/>
+          </a:p>
+          <a:p>
+            <a:r>
+              <a:rPr lang="en-GB" dirty="0" smtClean="0"/>
+              <a:t>Attempted to predict the rating a user would give to a movie</a:t>
             </a:r>
           </a:p>
           <a:p>
@@ -26068,47 +26053,6 @@
           </a:p>
         </p:txBody>
       </p:sp>
-      <p:pic>
-        <p:nvPicPr>
-          <p:cNvPr id="25602" name="Picture 2" descr="Image result for captain placeholder"/>
-          <p:cNvPicPr>
-            <a:picLocks noChangeAspect="1" noChangeArrowheads="1"/>
-          </p:cNvPicPr>
-          <p:nvPr/>
-        </p:nvPicPr>
-        <p:blipFill>
-          <a:blip r:embed="rId2">
-            <a:extLst>
-              <a:ext uri="{28A0092B-C50C-407E-A947-70E740481C1C}">
-                <a14:useLocalDpi xmlns:a14="http://schemas.microsoft.com/office/drawing/2010/main" val="0"/>
-              </a:ext>
-            </a:extLst>
-          </a:blip>
-          <a:srcRect/>
-          <a:stretch>
-            <a:fillRect/>
-          </a:stretch>
-        </p:blipFill>
-        <p:spPr bwMode="auto">
-          <a:xfrm>
-            <a:off x="4499992" y="1501503"/>
-            <a:ext cx="3600400" cy="4435694"/>
-          </a:xfrm>
-          <a:prstGeom prst="rect">
-            <a:avLst/>
-          </a:prstGeom>
-          <a:noFill/>
-          <a:extLst>
-            <a:ext uri="{909E8E84-426E-40DD-AFC4-6F175D3DCCD1}">
-              <a14:hiddenFill xmlns:a14="http://schemas.microsoft.com/office/drawing/2010/main">
-                <a:solidFill>
-                  <a:srgbClr val="FFFFFF"/>
-                </a:solidFill>
-              </a14:hiddenFill>
-            </a:ext>
-          </a:extLst>
-        </p:spPr>
-      </p:pic>
       <p:grpSp>
         <p:nvGrpSpPr>
           <p:cNvPr id="31" name="Group 30"/>
@@ -26832,6 +26776,118 @@
           </p:txBody>
         </p:sp>
       </p:grpSp>
+      <p:pic>
+        <p:nvPicPr>
+          <p:cNvPr id="48" name="Picture 47"/>
+          <p:cNvPicPr>
+            <a:picLocks noChangeAspect="1"/>
+          </p:cNvPicPr>
+          <p:nvPr/>
+        </p:nvPicPr>
+        <p:blipFill>
+          <a:blip r:embed="rId2"/>
+          <a:stretch>
+            <a:fillRect/>
+          </a:stretch>
+        </p:blipFill>
+        <p:spPr>
+          <a:xfrm>
+            <a:off x="3958409" y="1622869"/>
+            <a:ext cx="4866638" cy="483517"/>
+          </a:xfrm>
+          <a:prstGeom prst="rect">
+            <a:avLst/>
+          </a:prstGeom>
+        </p:spPr>
+      </p:pic>
+      <p:pic>
+        <p:nvPicPr>
+          <p:cNvPr id="49" name="Picture 48"/>
+          <p:cNvPicPr/>
+          <p:nvPr/>
+        </p:nvPicPr>
+        <p:blipFill>
+          <a:blip r:embed="rId3"/>
+          <a:stretch>
+            <a:fillRect/>
+          </a:stretch>
+        </p:blipFill>
+        <p:spPr>
+          <a:xfrm>
+            <a:off x="3958408" y="2276872"/>
+            <a:ext cx="4866638" cy="720080"/>
+          </a:xfrm>
+          <a:prstGeom prst="rect">
+            <a:avLst/>
+          </a:prstGeom>
+        </p:spPr>
+      </p:pic>
+      <p:pic>
+        <p:nvPicPr>
+          <p:cNvPr id="50" name="Picture 49"/>
+          <p:cNvPicPr/>
+          <p:nvPr/>
+        </p:nvPicPr>
+        <p:blipFill>
+          <a:blip r:embed="rId4"/>
+          <a:stretch>
+            <a:fillRect/>
+          </a:stretch>
+        </p:blipFill>
+        <p:spPr>
+          <a:xfrm>
+            <a:off x="3958409" y="3196931"/>
+            <a:ext cx="4859057" cy="1024157"/>
+          </a:xfrm>
+          <a:prstGeom prst="rect">
+            <a:avLst/>
+          </a:prstGeom>
+        </p:spPr>
+      </p:pic>
+      <p:pic>
+        <p:nvPicPr>
+          <p:cNvPr id="51" name="Picture 50"/>
+          <p:cNvPicPr/>
+          <p:nvPr/>
+        </p:nvPicPr>
+        <p:blipFill>
+          <a:blip r:embed="rId5"/>
+          <a:stretch>
+            <a:fillRect/>
+          </a:stretch>
+        </p:blipFill>
+        <p:spPr>
+          <a:xfrm>
+            <a:off x="3958408" y="4392004"/>
+            <a:ext cx="4866639" cy="405148"/>
+          </a:xfrm>
+          <a:prstGeom prst="rect">
+            <a:avLst/>
+          </a:prstGeom>
+        </p:spPr>
+      </p:pic>
+      <p:pic>
+        <p:nvPicPr>
+          <p:cNvPr id="52" name="Picture 51"/>
+          <p:cNvPicPr/>
+          <p:nvPr/>
+        </p:nvPicPr>
+        <p:blipFill>
+          <a:blip r:embed="rId6"/>
+          <a:stretch>
+            <a:fillRect/>
+          </a:stretch>
+        </p:blipFill>
+        <p:spPr>
+          <a:xfrm>
+            <a:off x="3958408" y="4998948"/>
+            <a:ext cx="4866638" cy="302260"/>
+          </a:xfrm>
+          <a:prstGeom prst="rect">
+            <a:avLst/>
+          </a:prstGeom>
+        </p:spPr>
+      </p:pic>
     </p:spTree>
     <p:extLst>
       <p:ext uri="{BB962C8B-B14F-4D97-AF65-F5344CB8AC3E}">
@@ -27972,8 +28028,8 @@
         </p:blipFill>
         <p:spPr bwMode="auto">
           <a:xfrm>
-            <a:off x="4947652" y="1556792"/>
-            <a:ext cx="3539193" cy="2232248"/>
+            <a:off x="4699933" y="1556792"/>
+            <a:ext cx="3762135" cy="2372862"/>
           </a:xfrm>
           <a:prstGeom prst="rect">
             <a:avLst/>
@@ -28036,8 +28092,8 @@
         </p:blipFill>
         <p:spPr bwMode="auto">
           <a:xfrm>
-            <a:off x="4947651" y="3933056"/>
-            <a:ext cx="3537655" cy="1969037"/>
+            <a:off x="4699932" y="4000225"/>
+            <a:ext cx="3760500" cy="2093071"/>
           </a:xfrm>
           <a:prstGeom prst="rect">
             <a:avLst/>
@@ -28139,8 +28195,8 @@
         </p:blipFill>
         <p:spPr bwMode="auto">
           <a:xfrm>
-            <a:off x="594695" y="4292118"/>
-            <a:ext cx="3982094" cy="1609975"/>
+            <a:off x="295477" y="4221088"/>
+            <a:ext cx="4274491" cy="1872209"/>
           </a:xfrm>
           <a:prstGeom prst="rect">
             <a:avLst/>
@@ -29824,7 +29880,7 @@
                 <a:rPr lang="en-GB" sz="800" dirty="0" err="1" smtClean="0"/>
                 <a:t>Pentaho</a:t>
               </a:r>
-              <a:endParaRPr lang="en-GB" sz="800" dirty="0"/>
+              <a:endParaRPr lang="en-GB" sz="800" dirty="0" smtClean="0"/>
             </a:p>
           </p:txBody>
         </p:sp>
@@ -30026,8 +30082,15 @@
           <a:p>
             <a:r>
               <a:rPr lang="en-GB" dirty="0"/>
-              <a:t>Learned the basics of the Scrum methodology.</a:t>
+              <a:t>Learned the basics of the Scrum methodology</a:t>
             </a:r>
+            <a:r>
+              <a:rPr lang="en-GB" dirty="0" smtClean="0"/>
+              <a:t>.</a:t>
+            </a:r>
+          </a:p>
+          <a:p>
+            <a:endParaRPr lang="en-GB" dirty="0"/>
           </a:p>
           <a:p>
             <a:r>
